--- a/.github/Project structure.pptx
+++ b/.github/Project structure.pptx
@@ -4,6 +4,9 @@
   <p:sldMasterIdLst>
     <p:sldMasterId id="2147483660" r:id="rId1"/>
   </p:sldMasterIdLst>
+  <p:notesMasterIdLst>
+    <p:notesMasterId r:id="rId3"/>
+  </p:notesMasterIdLst>
   <p:sldIdLst>
     <p:sldId id="256" r:id="rId2"/>
   </p:sldIdLst>
@@ -112,6 +115,440 @@
 </p:presentation>
 </file>
 
+<file path=ppt/notesMasters/notesMaster1.xml><?xml version="1.0" encoding="utf-8"?>
+<p:notesMaster xmlns:a="http://schemas.openxmlformats.org/drawingml/2006/main" xmlns:r="http://schemas.openxmlformats.org/officeDocument/2006/relationships" xmlns:p="http://schemas.openxmlformats.org/presentationml/2006/main">
+  <p:cSld>
+    <p:bg>
+      <p:bgRef idx="1001">
+        <a:schemeClr val="bg1"/>
+      </p:bgRef>
+    </p:bg>
+    <p:spTree>
+      <p:nvGrpSpPr>
+        <p:cNvPr id="1" name=""/>
+        <p:cNvGrpSpPr/>
+        <p:nvPr/>
+      </p:nvGrpSpPr>
+      <p:grpSpPr>
+        <a:xfrm>
+          <a:off x="0" y="0"/>
+          <a:ext cx="0" cy="0"/>
+          <a:chOff x="0" y="0"/>
+          <a:chExt cx="0" cy="0"/>
+        </a:xfrm>
+      </p:grpSpPr>
+      <p:sp>
+        <p:nvSpPr>
+          <p:cNvPr id="2" name="머리글 개체 틀 1"/>
+          <p:cNvSpPr>
+            <a:spLocks noGrp="1"/>
+          </p:cNvSpPr>
+          <p:nvPr>
+            <p:ph type="hdr" sz="quarter"/>
+          </p:nvPr>
+        </p:nvSpPr>
+        <p:spPr>
+          <a:xfrm>
+            <a:off x="0" y="0"/>
+            <a:ext cx="2971800" cy="458788"/>
+          </a:xfrm>
+          <a:prstGeom prst="rect">
+            <a:avLst/>
+          </a:prstGeom>
+        </p:spPr>
+        <p:txBody>
+          <a:bodyPr vert="horz" lIns="91440" tIns="45720" rIns="91440" bIns="45720" rtlCol="0"/>
+          <a:lstStyle>
+            <a:lvl1pPr algn="l">
+              <a:defRPr sz="1200"/>
+            </a:lvl1pPr>
+          </a:lstStyle>
+          <a:p>
+            <a:endParaRPr kumimoji="1" lang="ko-Kore-US" altLang="en-US"/>
+          </a:p>
+        </p:txBody>
+      </p:sp>
+      <p:sp>
+        <p:nvSpPr>
+          <p:cNvPr id="3" name="날짜 개체 틀 2"/>
+          <p:cNvSpPr>
+            <a:spLocks noGrp="1"/>
+          </p:cNvSpPr>
+          <p:nvPr>
+            <p:ph type="dt" idx="1"/>
+          </p:nvPr>
+        </p:nvSpPr>
+        <p:spPr>
+          <a:xfrm>
+            <a:off x="3884613" y="0"/>
+            <a:ext cx="2971800" cy="458788"/>
+          </a:xfrm>
+          <a:prstGeom prst="rect">
+            <a:avLst/>
+          </a:prstGeom>
+        </p:spPr>
+        <p:txBody>
+          <a:bodyPr vert="horz" lIns="91440" tIns="45720" rIns="91440" bIns="45720" rtlCol="0"/>
+          <a:lstStyle>
+            <a:lvl1pPr algn="r">
+              <a:defRPr sz="1200"/>
+            </a:lvl1pPr>
+          </a:lstStyle>
+          <a:p>
+            <a:fld id="{1EEFF601-838E-8040-8716-B29F4446C973}" type="datetimeFigureOut">
+              <a:rPr kumimoji="1" lang="ko-Kore-US" altLang="en-US" smtClean="0"/>
+              <a:t>12/11/23</a:t>
+            </a:fld>
+            <a:endParaRPr kumimoji="1" lang="ko-Kore-US" altLang="en-US"/>
+          </a:p>
+        </p:txBody>
+      </p:sp>
+      <p:sp>
+        <p:nvSpPr>
+          <p:cNvPr id="4" name="슬라이드 이미지 개체 틀 3"/>
+          <p:cNvSpPr>
+            <a:spLocks noGrp="1" noRot="1" noChangeAspect="1"/>
+          </p:cNvSpPr>
+          <p:nvPr>
+            <p:ph type="sldImg" idx="2"/>
+          </p:nvPr>
+        </p:nvSpPr>
+        <p:spPr>
+          <a:xfrm>
+            <a:off x="685800" y="1143000"/>
+            <a:ext cx="5486400" cy="3086100"/>
+          </a:xfrm>
+          <a:prstGeom prst="rect">
+            <a:avLst/>
+          </a:prstGeom>
+          <a:noFill/>
+          <a:ln w="12700">
+            <a:solidFill>
+              <a:prstClr val="black"/>
+            </a:solidFill>
+          </a:ln>
+        </p:spPr>
+        <p:txBody>
+          <a:bodyPr vert="horz" lIns="91440" tIns="45720" rIns="91440" bIns="45720" rtlCol="0" anchor="ctr"/>
+          <a:lstStyle/>
+          <a:p>
+            <a:endParaRPr lang="ko-Kore-US" altLang="en-US"/>
+          </a:p>
+        </p:txBody>
+      </p:sp>
+      <p:sp>
+        <p:nvSpPr>
+          <p:cNvPr id="5" name="슬라이드 노트 개체 틀 4"/>
+          <p:cNvSpPr>
+            <a:spLocks noGrp="1"/>
+          </p:cNvSpPr>
+          <p:nvPr>
+            <p:ph type="body" sz="quarter" idx="3"/>
+          </p:nvPr>
+        </p:nvSpPr>
+        <p:spPr>
+          <a:xfrm>
+            <a:off x="685800" y="4400550"/>
+            <a:ext cx="5486400" cy="3600450"/>
+          </a:xfrm>
+          <a:prstGeom prst="rect">
+            <a:avLst/>
+          </a:prstGeom>
+        </p:spPr>
+        <p:txBody>
+          <a:bodyPr vert="horz" lIns="91440" tIns="45720" rIns="91440" bIns="45720" rtlCol="0"/>
+          <a:lstStyle/>
+          <a:p>
+            <a:pPr lvl="0"/>
+            <a:r>
+              <a:rPr kumimoji="1" lang="ko-KR" altLang="en-US"/>
+              <a:t>마스터 텍스트 스타일을 편집하려면 클릭</a:t>
+            </a:r>
+          </a:p>
+          <a:p>
+            <a:pPr lvl="1"/>
+            <a:r>
+              <a:rPr kumimoji="1" lang="ko-KR" altLang="en-US"/>
+              <a:t>두 번째 수준</a:t>
+            </a:r>
+          </a:p>
+          <a:p>
+            <a:pPr lvl="2"/>
+            <a:r>
+              <a:rPr kumimoji="1" lang="ko-KR" altLang="en-US"/>
+              <a:t>세 번째 수준</a:t>
+            </a:r>
+          </a:p>
+          <a:p>
+            <a:pPr lvl="3"/>
+            <a:r>
+              <a:rPr kumimoji="1" lang="ko-KR" altLang="en-US"/>
+              <a:t>네 번째 수준</a:t>
+            </a:r>
+          </a:p>
+          <a:p>
+            <a:pPr lvl="4"/>
+            <a:r>
+              <a:rPr kumimoji="1" lang="ko-KR" altLang="en-US"/>
+              <a:t>다섯 번째 수준</a:t>
+            </a:r>
+            <a:endParaRPr kumimoji="1" lang="ko-Kore-US" altLang="en-US"/>
+          </a:p>
+        </p:txBody>
+      </p:sp>
+      <p:sp>
+        <p:nvSpPr>
+          <p:cNvPr id="6" name="바닥글 개체 틀 5"/>
+          <p:cNvSpPr>
+            <a:spLocks noGrp="1"/>
+          </p:cNvSpPr>
+          <p:nvPr>
+            <p:ph type="ftr" sz="quarter" idx="4"/>
+          </p:nvPr>
+        </p:nvSpPr>
+        <p:spPr>
+          <a:xfrm>
+            <a:off x="0" y="8685213"/>
+            <a:ext cx="2971800" cy="458787"/>
+          </a:xfrm>
+          <a:prstGeom prst="rect">
+            <a:avLst/>
+          </a:prstGeom>
+        </p:spPr>
+        <p:txBody>
+          <a:bodyPr vert="horz" lIns="91440" tIns="45720" rIns="91440" bIns="45720" rtlCol="0" anchor="b"/>
+          <a:lstStyle>
+            <a:lvl1pPr algn="l">
+              <a:defRPr sz="1200"/>
+            </a:lvl1pPr>
+          </a:lstStyle>
+          <a:p>
+            <a:endParaRPr kumimoji="1" lang="ko-Kore-US" altLang="en-US"/>
+          </a:p>
+        </p:txBody>
+      </p:sp>
+      <p:sp>
+        <p:nvSpPr>
+          <p:cNvPr id="7" name="슬라이드 번호 개체 틀 6"/>
+          <p:cNvSpPr>
+            <a:spLocks noGrp="1"/>
+          </p:cNvSpPr>
+          <p:nvPr>
+            <p:ph type="sldNum" sz="quarter" idx="5"/>
+          </p:nvPr>
+        </p:nvSpPr>
+        <p:spPr>
+          <a:xfrm>
+            <a:off x="3884613" y="8685213"/>
+            <a:ext cx="2971800" cy="458787"/>
+          </a:xfrm>
+          <a:prstGeom prst="rect">
+            <a:avLst/>
+          </a:prstGeom>
+        </p:spPr>
+        <p:txBody>
+          <a:bodyPr vert="horz" lIns="91440" tIns="45720" rIns="91440" bIns="45720" rtlCol="0" anchor="b"/>
+          <a:lstStyle>
+            <a:lvl1pPr algn="r">
+              <a:defRPr sz="1200"/>
+            </a:lvl1pPr>
+          </a:lstStyle>
+          <a:p>
+            <a:fld id="{C7C4C80F-CCEC-704A-9C33-F80E84906AC4}" type="slidenum">
+              <a:rPr kumimoji="1" lang="ko-Kore-US" altLang="en-US" smtClean="0"/>
+              <a:t>‹#›</a:t>
+            </a:fld>
+            <a:endParaRPr kumimoji="1" lang="ko-Kore-US" altLang="en-US"/>
+          </a:p>
+        </p:txBody>
+      </p:sp>
+    </p:spTree>
+    <p:extLst>
+      <p:ext uri="{BB962C8B-B14F-4D97-AF65-F5344CB8AC3E}">
+        <p14:creationId xmlns:p14="http://schemas.microsoft.com/office/powerpoint/2010/main" val="1468096899"/>
+      </p:ext>
+    </p:extLst>
+  </p:cSld>
+  <p:clrMap bg1="lt1" tx1="dk1" bg2="lt2" tx2="dk2" accent1="accent1" accent2="accent2" accent3="accent3" accent4="accent4" accent5="accent5" accent6="accent6" hlink="hlink" folHlink="folHlink"/>
+  <p:notesStyle>
+    <a:lvl1pPr marL="0" algn="l" defTabSz="914400" rtl="0" eaLnBrk="1" latinLnBrk="0" hangingPunct="1">
+      <a:defRPr sz="1200" kern="1200">
+        <a:solidFill>
+          <a:schemeClr val="tx1"/>
+        </a:solidFill>
+        <a:latin typeface="+mn-lt"/>
+        <a:ea typeface="+mn-ea"/>
+        <a:cs typeface="+mn-cs"/>
+      </a:defRPr>
+    </a:lvl1pPr>
+    <a:lvl2pPr marL="457200" algn="l" defTabSz="914400" rtl="0" eaLnBrk="1" latinLnBrk="0" hangingPunct="1">
+      <a:defRPr sz="1200" kern="1200">
+        <a:solidFill>
+          <a:schemeClr val="tx1"/>
+        </a:solidFill>
+        <a:latin typeface="+mn-lt"/>
+        <a:ea typeface="+mn-ea"/>
+        <a:cs typeface="+mn-cs"/>
+      </a:defRPr>
+    </a:lvl2pPr>
+    <a:lvl3pPr marL="914400" algn="l" defTabSz="914400" rtl="0" eaLnBrk="1" latinLnBrk="0" hangingPunct="1">
+      <a:defRPr sz="1200" kern="1200">
+        <a:solidFill>
+          <a:schemeClr val="tx1"/>
+        </a:solidFill>
+        <a:latin typeface="+mn-lt"/>
+        <a:ea typeface="+mn-ea"/>
+        <a:cs typeface="+mn-cs"/>
+      </a:defRPr>
+    </a:lvl3pPr>
+    <a:lvl4pPr marL="1371600" algn="l" defTabSz="914400" rtl="0" eaLnBrk="1" latinLnBrk="0" hangingPunct="1">
+      <a:defRPr sz="1200" kern="1200">
+        <a:solidFill>
+          <a:schemeClr val="tx1"/>
+        </a:solidFill>
+        <a:latin typeface="+mn-lt"/>
+        <a:ea typeface="+mn-ea"/>
+        <a:cs typeface="+mn-cs"/>
+      </a:defRPr>
+    </a:lvl4pPr>
+    <a:lvl5pPr marL="1828800" algn="l" defTabSz="914400" rtl="0" eaLnBrk="1" latinLnBrk="0" hangingPunct="1">
+      <a:defRPr sz="1200" kern="1200">
+        <a:solidFill>
+          <a:schemeClr val="tx1"/>
+        </a:solidFill>
+        <a:latin typeface="+mn-lt"/>
+        <a:ea typeface="+mn-ea"/>
+        <a:cs typeface="+mn-cs"/>
+      </a:defRPr>
+    </a:lvl5pPr>
+    <a:lvl6pPr marL="2286000" algn="l" defTabSz="914400" rtl="0" eaLnBrk="1" latinLnBrk="0" hangingPunct="1">
+      <a:defRPr sz="1200" kern="1200">
+        <a:solidFill>
+          <a:schemeClr val="tx1"/>
+        </a:solidFill>
+        <a:latin typeface="+mn-lt"/>
+        <a:ea typeface="+mn-ea"/>
+        <a:cs typeface="+mn-cs"/>
+      </a:defRPr>
+    </a:lvl6pPr>
+    <a:lvl7pPr marL="2743200" algn="l" defTabSz="914400" rtl="0" eaLnBrk="1" latinLnBrk="0" hangingPunct="1">
+      <a:defRPr sz="1200" kern="1200">
+        <a:solidFill>
+          <a:schemeClr val="tx1"/>
+        </a:solidFill>
+        <a:latin typeface="+mn-lt"/>
+        <a:ea typeface="+mn-ea"/>
+        <a:cs typeface="+mn-cs"/>
+      </a:defRPr>
+    </a:lvl7pPr>
+    <a:lvl8pPr marL="3200400" algn="l" defTabSz="914400" rtl="0" eaLnBrk="1" latinLnBrk="0" hangingPunct="1">
+      <a:defRPr sz="1200" kern="1200">
+        <a:solidFill>
+          <a:schemeClr val="tx1"/>
+        </a:solidFill>
+        <a:latin typeface="+mn-lt"/>
+        <a:ea typeface="+mn-ea"/>
+        <a:cs typeface="+mn-cs"/>
+      </a:defRPr>
+    </a:lvl8pPr>
+    <a:lvl9pPr marL="3657600" algn="l" defTabSz="914400" rtl="0" eaLnBrk="1" latinLnBrk="0" hangingPunct="1">
+      <a:defRPr sz="1200" kern="1200">
+        <a:solidFill>
+          <a:schemeClr val="tx1"/>
+        </a:solidFill>
+        <a:latin typeface="+mn-lt"/>
+        <a:ea typeface="+mn-ea"/>
+        <a:cs typeface="+mn-cs"/>
+      </a:defRPr>
+    </a:lvl9pPr>
+  </p:notesStyle>
+</p:notesMaster>
+</file>
+
+<file path=ppt/notesSlides/notesSlide1.xml><?xml version="1.0" encoding="utf-8"?>
+<p:notes xmlns:a="http://schemas.openxmlformats.org/drawingml/2006/main" xmlns:r="http://schemas.openxmlformats.org/officeDocument/2006/relationships" xmlns:p="http://schemas.openxmlformats.org/presentationml/2006/main">
+  <p:cSld>
+    <p:spTree>
+      <p:nvGrpSpPr>
+        <p:cNvPr id="1" name=""/>
+        <p:cNvGrpSpPr/>
+        <p:nvPr/>
+      </p:nvGrpSpPr>
+      <p:grpSpPr>
+        <a:xfrm>
+          <a:off x="0" y="0"/>
+          <a:ext cx="0" cy="0"/>
+          <a:chOff x="0" y="0"/>
+          <a:chExt cx="0" cy="0"/>
+        </a:xfrm>
+      </p:grpSpPr>
+      <p:sp>
+        <p:nvSpPr>
+          <p:cNvPr id="2" name="슬라이드 이미지 개체 틀 1"/>
+          <p:cNvSpPr>
+            <a:spLocks noGrp="1" noRot="1" noChangeAspect="1"/>
+          </p:cNvSpPr>
+          <p:nvPr>
+            <p:ph type="sldImg"/>
+          </p:nvPr>
+        </p:nvSpPr>
+        <p:spPr/>
+      </p:sp>
+      <p:sp>
+        <p:nvSpPr>
+          <p:cNvPr id="3" name="슬라이드 노트 개체 틀 2"/>
+          <p:cNvSpPr>
+            <a:spLocks noGrp="1"/>
+          </p:cNvSpPr>
+          <p:nvPr>
+            <p:ph type="body" idx="1"/>
+          </p:nvPr>
+        </p:nvSpPr>
+        <p:spPr/>
+        <p:txBody>
+          <a:bodyPr/>
+          <a:lstStyle/>
+          <a:p>
+            <a:endParaRPr kumimoji="1" lang="ko-Kore-US" altLang="en-US" dirty="0"/>
+          </a:p>
+        </p:txBody>
+      </p:sp>
+      <p:sp>
+        <p:nvSpPr>
+          <p:cNvPr id="4" name="슬라이드 번호 개체 틀 3"/>
+          <p:cNvSpPr>
+            <a:spLocks noGrp="1"/>
+          </p:cNvSpPr>
+          <p:nvPr>
+            <p:ph type="sldNum" sz="quarter" idx="5"/>
+          </p:nvPr>
+        </p:nvSpPr>
+        <p:spPr/>
+        <p:txBody>
+          <a:bodyPr/>
+          <a:lstStyle/>
+          <a:p>
+            <a:fld id="{C7C4C80F-CCEC-704A-9C33-F80E84906AC4}" type="slidenum">
+              <a:rPr kumimoji="1" lang="ko-Kore-US" altLang="en-US" smtClean="0"/>
+              <a:t>1</a:t>
+            </a:fld>
+            <a:endParaRPr kumimoji="1" lang="ko-Kore-US" altLang="en-US"/>
+          </a:p>
+        </p:txBody>
+      </p:sp>
+    </p:spTree>
+    <p:extLst>
+      <p:ext uri="{BB962C8B-B14F-4D97-AF65-F5344CB8AC3E}">
+        <p14:creationId xmlns:p14="http://schemas.microsoft.com/office/powerpoint/2010/main" val="413922071"/>
+      </p:ext>
+    </p:extLst>
+  </p:cSld>
+  <p:clrMapOvr>
+    <a:masterClrMapping/>
+  </p:clrMapOvr>
+</p:notes>
+</file>
+
 <file path=ppt/slideLayouts/slideLayout1.xml><?xml version="1.0" encoding="utf-8"?>
 <p:sldLayout xmlns:a="http://schemas.openxmlformats.org/drawingml/2006/main" xmlns:r="http://schemas.openxmlformats.org/officeDocument/2006/relationships" xmlns:p="http://schemas.openxmlformats.org/presentationml/2006/main" type="title" preserve="1">
   <p:cSld name="제목 슬라이드">
@@ -243,7 +680,7 @@
           <a:p>
             <a:fld id="{97A6BB9E-E686-F04C-B4A2-FCC986B7D119}" type="datetimeFigureOut">
               <a:rPr kumimoji="1" lang="ko-Kore-US" altLang="en-US" smtClean="0"/>
-              <a:t>12/6/23</a:t>
+              <a:t>12/11/23</a:t>
             </a:fld>
             <a:endParaRPr kumimoji="1" lang="ko-Kore-US" altLang="en-US"/>
           </a:p>
@@ -413,7 +850,7 @@
           <a:p>
             <a:fld id="{97A6BB9E-E686-F04C-B4A2-FCC986B7D119}" type="datetimeFigureOut">
               <a:rPr kumimoji="1" lang="ko-Kore-US" altLang="en-US" smtClean="0"/>
-              <a:t>12/6/23</a:t>
+              <a:t>12/11/23</a:t>
             </a:fld>
             <a:endParaRPr kumimoji="1" lang="ko-Kore-US" altLang="en-US"/>
           </a:p>
@@ -593,7 +1030,7 @@
           <a:p>
             <a:fld id="{97A6BB9E-E686-F04C-B4A2-FCC986B7D119}" type="datetimeFigureOut">
               <a:rPr kumimoji="1" lang="ko-Kore-US" altLang="en-US" smtClean="0"/>
-              <a:t>12/6/23</a:t>
+              <a:t>12/11/23</a:t>
             </a:fld>
             <a:endParaRPr kumimoji="1" lang="ko-Kore-US" altLang="en-US"/>
           </a:p>
@@ -763,7 +1200,7 @@
           <a:p>
             <a:fld id="{97A6BB9E-E686-F04C-B4A2-FCC986B7D119}" type="datetimeFigureOut">
               <a:rPr kumimoji="1" lang="ko-Kore-US" altLang="en-US" smtClean="0"/>
-              <a:t>12/6/23</a:t>
+              <a:t>12/11/23</a:t>
             </a:fld>
             <a:endParaRPr kumimoji="1" lang="ko-Kore-US" altLang="en-US"/>
           </a:p>
@@ -1009,7 +1446,7 @@
           <a:p>
             <a:fld id="{97A6BB9E-E686-F04C-B4A2-FCC986B7D119}" type="datetimeFigureOut">
               <a:rPr kumimoji="1" lang="ko-Kore-US" altLang="en-US" smtClean="0"/>
-              <a:t>12/6/23</a:t>
+              <a:t>12/11/23</a:t>
             </a:fld>
             <a:endParaRPr kumimoji="1" lang="ko-Kore-US" altLang="en-US"/>
           </a:p>
@@ -1241,7 +1678,7 @@
           <a:p>
             <a:fld id="{97A6BB9E-E686-F04C-B4A2-FCC986B7D119}" type="datetimeFigureOut">
               <a:rPr kumimoji="1" lang="ko-Kore-US" altLang="en-US" smtClean="0"/>
-              <a:t>12/6/23</a:t>
+              <a:t>12/11/23</a:t>
             </a:fld>
             <a:endParaRPr kumimoji="1" lang="ko-Kore-US" altLang="en-US"/>
           </a:p>
@@ -1608,7 +2045,7 @@
           <a:p>
             <a:fld id="{97A6BB9E-E686-F04C-B4A2-FCC986B7D119}" type="datetimeFigureOut">
               <a:rPr kumimoji="1" lang="ko-Kore-US" altLang="en-US" smtClean="0"/>
-              <a:t>12/6/23</a:t>
+              <a:t>12/11/23</a:t>
             </a:fld>
             <a:endParaRPr kumimoji="1" lang="ko-Kore-US" altLang="en-US"/>
           </a:p>
@@ -1726,7 +2163,7 @@
           <a:p>
             <a:fld id="{97A6BB9E-E686-F04C-B4A2-FCC986B7D119}" type="datetimeFigureOut">
               <a:rPr kumimoji="1" lang="ko-Kore-US" altLang="en-US" smtClean="0"/>
-              <a:t>12/6/23</a:t>
+              <a:t>12/11/23</a:t>
             </a:fld>
             <a:endParaRPr kumimoji="1" lang="ko-Kore-US" altLang="en-US"/>
           </a:p>
@@ -1821,7 +2258,7 @@
           <a:p>
             <a:fld id="{97A6BB9E-E686-F04C-B4A2-FCC986B7D119}" type="datetimeFigureOut">
               <a:rPr kumimoji="1" lang="ko-Kore-US" altLang="en-US" smtClean="0"/>
-              <a:t>12/6/23</a:t>
+              <a:t>12/11/23</a:t>
             </a:fld>
             <a:endParaRPr kumimoji="1" lang="ko-Kore-US" altLang="en-US"/>
           </a:p>
@@ -2098,7 +2535,7 @@
           <a:p>
             <a:fld id="{97A6BB9E-E686-F04C-B4A2-FCC986B7D119}" type="datetimeFigureOut">
               <a:rPr kumimoji="1" lang="ko-Kore-US" altLang="en-US" smtClean="0"/>
-              <a:t>12/6/23</a:t>
+              <a:t>12/11/23</a:t>
             </a:fld>
             <a:endParaRPr kumimoji="1" lang="ko-Kore-US" altLang="en-US"/>
           </a:p>
@@ -2355,7 +2792,7 @@
           <a:p>
             <a:fld id="{97A6BB9E-E686-F04C-B4A2-FCC986B7D119}" type="datetimeFigureOut">
               <a:rPr kumimoji="1" lang="ko-Kore-US" altLang="en-US" smtClean="0"/>
-              <a:t>12/6/23</a:t>
+              <a:t>12/11/23</a:t>
             </a:fld>
             <a:endParaRPr kumimoji="1" lang="ko-Kore-US" altLang="en-US"/>
           </a:p>
@@ -2568,7 +3005,7 @@
           <a:p>
             <a:fld id="{97A6BB9E-E686-F04C-B4A2-FCC986B7D119}" type="datetimeFigureOut">
               <a:rPr kumimoji="1" lang="ko-Kore-US" altLang="en-US" smtClean="0"/>
-              <a:t>12/6/23</a:t>
+              <a:t>12/11/23</a:t>
             </a:fld>
             <a:endParaRPr kumimoji="1" lang="ko-Kore-US" altLang="en-US"/>
           </a:p>
@@ -3029,10 +3466,10 @@
       </p:sp>
       <p:sp>
         <p:nvSpPr>
-          <p:cNvPr id="140" name="모서리가 둥근 직사각형 139">
+          <p:cNvPr id="139" name="모서리가 둥근 직사각형 138">
             <a:extLst>
               <a:ext uri="{FF2B5EF4-FFF2-40B4-BE49-F238E27FC236}">
-                <a16:creationId xmlns:a16="http://schemas.microsoft.com/office/drawing/2014/main" id="{DED195FE-A3DF-FC51-7622-C757558C9762}"/>
+                <a16:creationId xmlns:a16="http://schemas.microsoft.com/office/drawing/2014/main" id="{A27C4D2B-2775-8F3A-58B2-65971F1DC30B}"/>
               </a:ext>
             </a:extLst>
           </p:cNvPr>
@@ -3041,14 +3478,14 @@
         </p:nvSpPr>
         <p:spPr>
           <a:xfrm>
-            <a:off x="14054550" y="4663109"/>
-            <a:ext cx="6099577" cy="4993419"/>
+            <a:off x="9434894" y="5444713"/>
+            <a:ext cx="4860826" cy="3440905"/>
           </a:xfrm>
           <a:prstGeom prst="roundRect">
             <a:avLst/>
           </a:prstGeom>
           <a:solidFill>
-            <a:schemeClr val="accent4">
+            <a:schemeClr val="accent2">
               <a:lumMod val="40000"/>
               <a:lumOff val="60000"/>
             </a:schemeClr>
@@ -3084,10 +3521,10 @@
       </p:sp>
       <p:sp>
         <p:nvSpPr>
-          <p:cNvPr id="144" name="모서리가 둥근 직사각형 143">
+          <p:cNvPr id="9" name="직사각형 8">
             <a:extLst>
               <a:ext uri="{FF2B5EF4-FFF2-40B4-BE49-F238E27FC236}">
-                <a16:creationId xmlns:a16="http://schemas.microsoft.com/office/drawing/2014/main" id="{2F8894F7-C469-FF34-1B49-D2A497CB3C9C}"/>
+                <a16:creationId xmlns:a16="http://schemas.microsoft.com/office/drawing/2014/main" id="{62097D13-13D9-BB1A-39C1-6DA2B6D09DBC}"/>
               </a:ext>
             </a:extLst>
           </p:cNvPr>
@@ -3096,16 +3533,374 @@
         </p:nvSpPr>
         <p:spPr>
           <a:xfrm>
-            <a:off x="14598595" y="6933717"/>
-            <a:ext cx="5311471" cy="2552189"/>
+            <a:off x="10822810" y="2868437"/>
+            <a:ext cx="2084994" cy="594360"/>
+          </a:xfrm>
+          <a:prstGeom prst="rect">
+            <a:avLst/>
+          </a:prstGeom>
+        </p:spPr>
+        <p:style>
+          <a:lnRef idx="2">
+            <a:schemeClr val="dk1">
+              <a:shade val="15000"/>
+            </a:schemeClr>
+          </a:lnRef>
+          <a:fillRef idx="1">
+            <a:schemeClr val="dk1"/>
+          </a:fillRef>
+          <a:effectRef idx="0">
+            <a:schemeClr val="dk1"/>
+          </a:effectRef>
+          <a:fontRef idx="minor">
+            <a:schemeClr val="lt1"/>
+          </a:fontRef>
+        </p:style>
+        <p:txBody>
+          <a:bodyPr rtlCol="0" anchor="ctr"/>
+          <a:lstStyle/>
+          <a:p>
+            <a:pPr algn="ctr"/>
+            <a:r>
+              <a:rPr kumimoji="1" lang="en-US" altLang="ko-Kore-US" b="1" dirty="0"/>
+              <a:t>App</a:t>
+            </a:r>
+            <a:endParaRPr kumimoji="1" lang="ko-Kore-US" altLang="en-US" b="1" dirty="0"/>
+          </a:p>
+        </p:txBody>
+      </p:sp>
+      <p:sp>
+        <p:nvSpPr>
+          <p:cNvPr id="20" name="직사각형 19">
+            <a:extLst>
+              <a:ext uri="{FF2B5EF4-FFF2-40B4-BE49-F238E27FC236}">
+                <a16:creationId xmlns:a16="http://schemas.microsoft.com/office/drawing/2014/main" id="{59B16507-91CF-00EF-09C3-5E5966F9C4A0}"/>
+              </a:ext>
+            </a:extLst>
+          </p:cNvPr>
+          <p:cNvSpPr/>
+          <p:nvPr/>
+        </p:nvSpPr>
+        <p:spPr>
+          <a:xfrm>
+            <a:off x="11157066" y="5609530"/>
+            <a:ext cx="1417320" cy="594360"/>
+          </a:xfrm>
+          <a:prstGeom prst="rect">
+            <a:avLst/>
+          </a:prstGeom>
+        </p:spPr>
+        <p:style>
+          <a:lnRef idx="2">
+            <a:schemeClr val="dk1">
+              <a:shade val="15000"/>
+            </a:schemeClr>
+          </a:lnRef>
+          <a:fillRef idx="1">
+            <a:schemeClr val="dk1"/>
+          </a:fillRef>
+          <a:effectRef idx="0">
+            <a:schemeClr val="dk1"/>
+          </a:effectRef>
+          <a:fontRef idx="minor">
+            <a:schemeClr val="lt1"/>
+          </a:fontRef>
+        </p:style>
+        <p:txBody>
+          <a:bodyPr rtlCol="0" anchor="ctr"/>
+          <a:lstStyle/>
+          <a:p>
+            <a:pPr algn="ctr"/>
+            <a:r>
+              <a:rPr kumimoji="1" lang="en-US" altLang="ko-Kore-US" b="1" dirty="0"/>
+              <a:t>Domain</a:t>
+            </a:r>
+            <a:endParaRPr kumimoji="1" lang="ko-Kore-US" altLang="en-US" b="1" dirty="0"/>
+          </a:p>
+        </p:txBody>
+      </p:sp>
+      <p:cxnSp>
+        <p:nvCxnSpPr>
+          <p:cNvPr id="86" name="직선 연결선[R] 85">
+            <a:extLst>
+              <a:ext uri="{FF2B5EF4-FFF2-40B4-BE49-F238E27FC236}">
+                <a16:creationId xmlns:a16="http://schemas.microsoft.com/office/drawing/2014/main" id="{5DF57887-74E1-9B2A-D832-C5AA9C95EBFA}"/>
+              </a:ext>
+            </a:extLst>
+          </p:cNvPr>
+          <p:cNvCxnSpPr>
+            <a:cxnSpLocks/>
+            <a:stCxn id="9" idx="2"/>
+            <a:endCxn id="20" idx="0"/>
+          </p:cNvCxnSpPr>
+          <p:nvPr/>
+        </p:nvCxnSpPr>
+        <p:spPr>
+          <a:xfrm>
+            <a:off x="11865307" y="3462797"/>
+            <a:ext cx="419" cy="2146733"/>
+          </a:xfrm>
+          <a:prstGeom prst="line">
+            <a:avLst/>
+          </a:prstGeom>
+        </p:spPr>
+        <p:style>
+          <a:lnRef idx="1">
+            <a:schemeClr val="dk1"/>
+          </a:lnRef>
+          <a:fillRef idx="0">
+            <a:schemeClr val="dk1"/>
+          </a:fillRef>
+          <a:effectRef idx="0">
+            <a:schemeClr val="dk1"/>
+          </a:effectRef>
+          <a:fontRef idx="minor">
+            <a:schemeClr val="tx1"/>
+          </a:fontRef>
+        </p:style>
+      </p:cxnSp>
+      <p:sp>
+        <p:nvSpPr>
+          <p:cNvPr id="128" name="직사각형 127">
+            <a:extLst>
+              <a:ext uri="{FF2B5EF4-FFF2-40B4-BE49-F238E27FC236}">
+                <a16:creationId xmlns:a16="http://schemas.microsoft.com/office/drawing/2014/main" id="{60EAD684-1DF4-2F86-D9B3-443A9FD70099}"/>
+              </a:ext>
+            </a:extLst>
+          </p:cNvPr>
+          <p:cNvSpPr/>
+          <p:nvPr/>
+        </p:nvSpPr>
+        <p:spPr>
+          <a:xfrm>
+            <a:off x="9557842" y="7760830"/>
+            <a:ext cx="1417320" cy="594360"/>
+          </a:xfrm>
+          <a:prstGeom prst="rect">
+            <a:avLst/>
+          </a:prstGeom>
+        </p:spPr>
+        <p:style>
+          <a:lnRef idx="2">
+            <a:schemeClr val="dk1">
+              <a:shade val="15000"/>
+            </a:schemeClr>
+          </a:lnRef>
+          <a:fillRef idx="1">
+            <a:schemeClr val="dk1"/>
+          </a:fillRef>
+          <a:effectRef idx="0">
+            <a:schemeClr val="dk1"/>
+          </a:effectRef>
+          <a:fontRef idx="minor">
+            <a:schemeClr val="lt1"/>
+          </a:fontRef>
+        </p:style>
+        <p:txBody>
+          <a:bodyPr rtlCol="0" anchor="ctr"/>
+          <a:lstStyle/>
+          <a:p>
+            <a:pPr algn="ctr"/>
+            <a:r>
+              <a:rPr kumimoji="1" lang="en-US" altLang="ko-Kore-US" b="1" dirty="0"/>
+              <a:t>Repository</a:t>
+            </a:r>
+            <a:endParaRPr kumimoji="1" lang="ko-Kore-US" altLang="en-US" b="1" dirty="0"/>
+          </a:p>
+        </p:txBody>
+      </p:sp>
+      <p:sp>
+        <p:nvSpPr>
+          <p:cNvPr id="129" name="직사각형 128">
+            <a:extLst>
+              <a:ext uri="{FF2B5EF4-FFF2-40B4-BE49-F238E27FC236}">
+                <a16:creationId xmlns:a16="http://schemas.microsoft.com/office/drawing/2014/main" id="{2BCFC022-3BAB-58E9-E6CC-D0671A6A70DE}"/>
+              </a:ext>
+            </a:extLst>
+          </p:cNvPr>
+          <p:cNvSpPr/>
+          <p:nvPr/>
+        </p:nvSpPr>
+        <p:spPr>
+          <a:xfrm>
+            <a:off x="11161767" y="7760830"/>
+            <a:ext cx="1417320" cy="594360"/>
+          </a:xfrm>
+          <a:prstGeom prst="rect">
+            <a:avLst/>
+          </a:prstGeom>
+        </p:spPr>
+        <p:style>
+          <a:lnRef idx="2">
+            <a:schemeClr val="dk1">
+              <a:shade val="15000"/>
+            </a:schemeClr>
+          </a:lnRef>
+          <a:fillRef idx="1">
+            <a:schemeClr val="dk1"/>
+          </a:fillRef>
+          <a:effectRef idx="0">
+            <a:schemeClr val="dk1"/>
+          </a:effectRef>
+          <a:fontRef idx="minor">
+            <a:schemeClr val="lt1"/>
+          </a:fontRef>
+        </p:style>
+        <p:txBody>
+          <a:bodyPr rtlCol="0" anchor="ctr"/>
+          <a:lstStyle/>
+          <a:p>
+            <a:pPr algn="ctr"/>
+            <a:r>
+              <a:rPr kumimoji="1" lang="en-US" altLang="ko-Kore-US" b="1" dirty="0"/>
+              <a:t>Model</a:t>
+            </a:r>
+            <a:endParaRPr kumimoji="1" lang="ko-Kore-US" altLang="en-US" b="1" dirty="0"/>
+          </a:p>
+        </p:txBody>
+      </p:sp>
+      <p:cxnSp>
+        <p:nvCxnSpPr>
+          <p:cNvPr id="132" name="직선 연결선[R] 131">
+            <a:extLst>
+              <a:ext uri="{FF2B5EF4-FFF2-40B4-BE49-F238E27FC236}">
+                <a16:creationId xmlns:a16="http://schemas.microsoft.com/office/drawing/2014/main" id="{71027DCC-EAD9-65D5-282D-31B1BB4A13EF}"/>
+              </a:ext>
+            </a:extLst>
+          </p:cNvPr>
+          <p:cNvCxnSpPr>
+            <a:stCxn id="20" idx="2"/>
+            <a:endCxn id="129" idx="0"/>
+          </p:cNvCxnSpPr>
+          <p:nvPr/>
+        </p:nvCxnSpPr>
+        <p:spPr>
+          <a:xfrm>
+            <a:off x="11865726" y="6203890"/>
+            <a:ext cx="4701" cy="1556940"/>
+          </a:xfrm>
+          <a:prstGeom prst="line">
+            <a:avLst/>
+          </a:prstGeom>
+        </p:spPr>
+        <p:style>
+          <a:lnRef idx="1">
+            <a:schemeClr val="dk1"/>
+          </a:lnRef>
+          <a:fillRef idx="0">
+            <a:schemeClr val="dk1"/>
+          </a:fillRef>
+          <a:effectRef idx="0">
+            <a:schemeClr val="dk1"/>
+          </a:effectRef>
+          <a:fontRef idx="minor">
+            <a:schemeClr val="tx1"/>
+          </a:fontRef>
+        </p:style>
+      </p:cxnSp>
+      <p:cxnSp>
+        <p:nvCxnSpPr>
+          <p:cNvPr id="134" name="꺾인 연결선[E] 133">
+            <a:extLst>
+              <a:ext uri="{FF2B5EF4-FFF2-40B4-BE49-F238E27FC236}">
+                <a16:creationId xmlns:a16="http://schemas.microsoft.com/office/drawing/2014/main" id="{3CA96AEF-BB23-C07C-7E37-5987136BF098}"/>
+              </a:ext>
+            </a:extLst>
+          </p:cNvPr>
+          <p:cNvCxnSpPr>
+            <a:stCxn id="20" idx="2"/>
+            <a:endCxn id="128" idx="0"/>
+          </p:cNvCxnSpPr>
+          <p:nvPr/>
+        </p:nvCxnSpPr>
+        <p:spPr>
+          <a:xfrm rot="5400000">
+            <a:off x="10287644" y="6182748"/>
+            <a:ext cx="1556940" cy="1599224"/>
+          </a:xfrm>
+          <a:prstGeom prst="bentConnector3">
+            <a:avLst/>
+          </a:prstGeom>
+        </p:spPr>
+        <p:style>
+          <a:lnRef idx="1">
+            <a:schemeClr val="dk1"/>
+          </a:lnRef>
+          <a:fillRef idx="0">
+            <a:schemeClr val="dk1"/>
+          </a:fillRef>
+          <a:effectRef idx="0">
+            <a:schemeClr val="dk1"/>
+          </a:effectRef>
+          <a:fontRef idx="minor">
+            <a:schemeClr val="tx1"/>
+          </a:fontRef>
+        </p:style>
+      </p:cxnSp>
+      <p:cxnSp>
+        <p:nvCxnSpPr>
+          <p:cNvPr id="136" name="꺾인 연결선[E] 135">
+            <a:extLst>
+              <a:ext uri="{FF2B5EF4-FFF2-40B4-BE49-F238E27FC236}">
+                <a16:creationId xmlns:a16="http://schemas.microsoft.com/office/drawing/2014/main" id="{91F0E85A-08F7-498E-B9E2-6A6194BD1408}"/>
+              </a:ext>
+            </a:extLst>
+          </p:cNvPr>
+          <p:cNvCxnSpPr>
+            <a:cxnSpLocks/>
+            <a:stCxn id="20" idx="2"/>
+            <a:endCxn id="147" idx="0"/>
+          </p:cNvCxnSpPr>
+          <p:nvPr/>
+        </p:nvCxnSpPr>
+        <p:spPr>
+          <a:xfrm rot="16200000" flipH="1">
+            <a:off x="11891569" y="6178047"/>
+            <a:ext cx="1556940" cy="1608626"/>
+          </a:xfrm>
+          <a:prstGeom prst="bentConnector3">
+            <a:avLst/>
+          </a:prstGeom>
+        </p:spPr>
+        <p:style>
+          <a:lnRef idx="1">
+            <a:schemeClr val="dk1"/>
+          </a:lnRef>
+          <a:fillRef idx="0">
+            <a:schemeClr val="dk1"/>
+          </a:fillRef>
+          <a:effectRef idx="0">
+            <a:schemeClr val="dk1"/>
+          </a:effectRef>
+          <a:fontRef idx="minor">
+            <a:schemeClr val="tx1"/>
+          </a:fontRef>
+        </p:style>
+      </p:cxnSp>
+      <p:sp>
+        <p:nvSpPr>
+          <p:cNvPr id="138" name="모서리가 둥근 직사각형 137">
+            <a:extLst>
+              <a:ext uri="{FF2B5EF4-FFF2-40B4-BE49-F238E27FC236}">
+                <a16:creationId xmlns:a16="http://schemas.microsoft.com/office/drawing/2014/main" id="{7F362A89-4513-65F6-1DD0-A56483AF8A3D}"/>
+              </a:ext>
+            </a:extLst>
+          </p:cNvPr>
+          <p:cNvSpPr/>
+          <p:nvPr/>
+        </p:nvSpPr>
+        <p:spPr>
+          <a:xfrm>
+            <a:off x="3260162" y="4404478"/>
+            <a:ext cx="6209514" cy="4993419"/>
           </a:xfrm>
           <a:prstGeom prst="roundRect">
             <a:avLst/>
           </a:prstGeom>
           <a:solidFill>
-            <a:schemeClr val="accent6">
-              <a:lumMod val="60000"/>
-              <a:lumOff val="40000"/>
+            <a:schemeClr val="accent1">
+              <a:lumMod val="40000"/>
+              <a:lumOff val="60000"/>
             </a:schemeClr>
           </a:solidFill>
           <a:ln>
@@ -3133,16 +3928,16 @@
           <a:lstStyle/>
           <a:p>
             <a:pPr algn="ctr"/>
-            <a:endParaRPr kumimoji="1" lang="ko-Kore-US" altLang="en-US" b="1" dirty="0"/>
-          </a:p>
-        </p:txBody>
-      </p:sp>
-      <p:sp>
-        <p:nvSpPr>
-          <p:cNvPr id="139" name="모서리가 둥근 직사각형 138">
+            <a:endParaRPr kumimoji="1" lang="ko-Kore-US" altLang="en-US" b="1"/>
+          </a:p>
+        </p:txBody>
+      </p:sp>
+      <p:sp>
+        <p:nvSpPr>
+          <p:cNvPr id="21" name="직사각형 20">
             <a:extLst>
               <a:ext uri="{FF2B5EF4-FFF2-40B4-BE49-F238E27FC236}">
-                <a16:creationId xmlns:a16="http://schemas.microsoft.com/office/drawing/2014/main" id="{A27C4D2B-2775-8F3A-58B2-65971F1DC30B}"/>
+                <a16:creationId xmlns:a16="http://schemas.microsoft.com/office/drawing/2014/main" id="{4EA97A3F-21FC-491F-24B7-DF1EF2499D82}"/>
               </a:ext>
             </a:extLst>
           </p:cNvPr>
@@ -3151,14 +3946,647 @@
         </p:nvSpPr>
         <p:spPr>
           <a:xfrm>
-            <a:off x="9772439" y="5444713"/>
-            <a:ext cx="4158378" cy="3015475"/>
+            <a:off x="6401524" y="4719600"/>
+            <a:ext cx="1417320" cy="594360"/>
+          </a:xfrm>
+          <a:prstGeom prst="rect">
+            <a:avLst/>
+          </a:prstGeom>
+        </p:spPr>
+        <p:style>
+          <a:lnRef idx="2">
+            <a:schemeClr val="dk1">
+              <a:shade val="15000"/>
+            </a:schemeClr>
+          </a:lnRef>
+          <a:fillRef idx="1">
+            <a:schemeClr val="dk1"/>
+          </a:fillRef>
+          <a:effectRef idx="0">
+            <a:schemeClr val="dk1"/>
+          </a:effectRef>
+          <a:fontRef idx="minor">
+            <a:schemeClr val="lt1"/>
+          </a:fontRef>
+        </p:style>
+        <p:txBody>
+          <a:bodyPr rtlCol="0" anchor="ctr"/>
+          <a:lstStyle/>
+          <a:p>
+            <a:pPr algn="ctr"/>
+            <a:r>
+              <a:rPr kumimoji="1" lang="en-US" altLang="ko-Kore-US" b="1" dirty="0"/>
+              <a:t>Data</a:t>
+            </a:r>
+            <a:endParaRPr kumimoji="1" lang="ko-Kore-US" altLang="en-US" b="1" dirty="0"/>
+          </a:p>
+        </p:txBody>
+      </p:sp>
+      <p:sp>
+        <p:nvSpPr>
+          <p:cNvPr id="22" name="직사각형 21">
+            <a:extLst>
+              <a:ext uri="{FF2B5EF4-FFF2-40B4-BE49-F238E27FC236}">
+                <a16:creationId xmlns:a16="http://schemas.microsoft.com/office/drawing/2014/main" id="{B3987E4A-763F-8C8B-887A-5B9A27AE8072}"/>
+              </a:ext>
+            </a:extLst>
+          </p:cNvPr>
+          <p:cNvSpPr/>
+          <p:nvPr/>
+        </p:nvSpPr>
+        <p:spPr>
+          <a:xfrm>
+            <a:off x="4832022" y="6505429"/>
+            <a:ext cx="1417320" cy="594360"/>
+          </a:xfrm>
+          <a:prstGeom prst="rect">
+            <a:avLst/>
+          </a:prstGeom>
+        </p:spPr>
+        <p:style>
+          <a:lnRef idx="2">
+            <a:schemeClr val="dk1">
+              <a:shade val="15000"/>
+            </a:schemeClr>
+          </a:lnRef>
+          <a:fillRef idx="1">
+            <a:schemeClr val="dk1"/>
+          </a:fillRef>
+          <a:effectRef idx="0">
+            <a:schemeClr val="dk1"/>
+          </a:effectRef>
+          <a:fontRef idx="minor">
+            <a:schemeClr val="lt1"/>
+          </a:fontRef>
+        </p:style>
+        <p:txBody>
+          <a:bodyPr rtlCol="0" anchor="ctr"/>
+          <a:lstStyle/>
+          <a:p>
+            <a:pPr algn="ctr"/>
+            <a:r>
+              <a:rPr kumimoji="1" lang="en-US" altLang="ko-Kore-US" b="1" dirty="0"/>
+              <a:t>Network</a:t>
+            </a:r>
+            <a:endParaRPr kumimoji="1" lang="ko-Kore-US" altLang="en-US" b="1" dirty="0"/>
+          </a:p>
+        </p:txBody>
+      </p:sp>
+      <p:sp>
+        <p:nvSpPr>
+          <p:cNvPr id="24" name="직사각형 23">
+            <a:extLst>
+              <a:ext uri="{FF2B5EF4-FFF2-40B4-BE49-F238E27FC236}">
+                <a16:creationId xmlns:a16="http://schemas.microsoft.com/office/drawing/2014/main" id="{294E471F-512D-7F28-9FC5-EA913C21DC5E}"/>
+              </a:ext>
+            </a:extLst>
+          </p:cNvPr>
+          <p:cNvSpPr/>
+          <p:nvPr/>
+        </p:nvSpPr>
+        <p:spPr>
+          <a:xfrm>
+            <a:off x="7971026" y="6505427"/>
+            <a:ext cx="1417320" cy="594360"/>
+          </a:xfrm>
+          <a:prstGeom prst="rect">
+            <a:avLst/>
+          </a:prstGeom>
+        </p:spPr>
+        <p:style>
+          <a:lnRef idx="2">
+            <a:schemeClr val="dk1">
+              <a:shade val="15000"/>
+            </a:schemeClr>
+          </a:lnRef>
+          <a:fillRef idx="1">
+            <a:schemeClr val="dk1"/>
+          </a:fillRef>
+          <a:effectRef idx="0">
+            <a:schemeClr val="dk1"/>
+          </a:effectRef>
+          <a:fontRef idx="minor">
+            <a:schemeClr val="lt1"/>
+          </a:fontRef>
+        </p:style>
+        <p:txBody>
+          <a:bodyPr rtlCol="0" anchor="ctr"/>
+          <a:lstStyle/>
+          <a:p>
+            <a:pPr algn="ctr"/>
+            <a:r>
+              <a:rPr lang="en-US" altLang="ko-Kore-US" b="1" dirty="0">
+                <a:solidFill>
+                  <a:schemeClr val="bg1"/>
+                </a:solidFill>
+                <a:latin typeface="Open Sans" panose="020F0502020204030204" pitchFamily="34" charset="0"/>
+              </a:rPr>
+              <a:t>·</a:t>
+            </a:r>
+            <a:r>
+              <a:rPr lang="en-US" altLang="ko-Kore-US" b="1" dirty="0">
+                <a:solidFill>
+                  <a:schemeClr val="bg1"/>
+                </a:solidFill>
+                <a:latin typeface="Open Sans" panose="020B0606030504020204" pitchFamily="34" charset="0"/>
+              </a:rPr>
+              <a:t>··</a:t>
+            </a:r>
+            <a:endParaRPr kumimoji="1" lang="ko-Kore-US" altLang="en-US" b="1" dirty="0">
+              <a:solidFill>
+                <a:schemeClr val="bg1"/>
+              </a:solidFill>
+            </a:endParaRPr>
+          </a:p>
+        </p:txBody>
+      </p:sp>
+      <p:cxnSp>
+        <p:nvCxnSpPr>
+          <p:cNvPr id="79" name="직선 연결선[R] 78">
+            <a:extLst>
+              <a:ext uri="{FF2B5EF4-FFF2-40B4-BE49-F238E27FC236}">
+                <a16:creationId xmlns:a16="http://schemas.microsoft.com/office/drawing/2014/main" id="{06F46847-2236-5E6E-7689-9820B489194E}"/>
+              </a:ext>
+            </a:extLst>
+          </p:cNvPr>
+          <p:cNvCxnSpPr>
+            <a:cxnSpLocks/>
+            <a:stCxn id="21" idx="2"/>
+            <a:endCxn id="141" idx="0"/>
+          </p:cNvCxnSpPr>
+          <p:nvPr/>
+        </p:nvCxnSpPr>
+        <p:spPr>
+          <a:xfrm>
+            <a:off x="7110184" y="5313960"/>
+            <a:ext cx="0" cy="1191469"/>
+          </a:xfrm>
+          <a:prstGeom prst="line">
+            <a:avLst/>
+          </a:prstGeom>
+        </p:spPr>
+        <p:style>
+          <a:lnRef idx="1">
+            <a:schemeClr val="dk1"/>
+          </a:lnRef>
+          <a:fillRef idx="0">
+            <a:schemeClr val="dk1"/>
+          </a:fillRef>
+          <a:effectRef idx="0">
+            <a:schemeClr val="dk1"/>
+          </a:effectRef>
+          <a:fontRef idx="minor">
+            <a:schemeClr val="tx1"/>
+          </a:fontRef>
+        </p:style>
+      </p:cxnSp>
+      <p:cxnSp>
+        <p:nvCxnSpPr>
+          <p:cNvPr id="81" name="꺾인 연결선[E] 80">
+            <a:extLst>
+              <a:ext uri="{FF2B5EF4-FFF2-40B4-BE49-F238E27FC236}">
+                <a16:creationId xmlns:a16="http://schemas.microsoft.com/office/drawing/2014/main" id="{621B4B6B-FCB4-8CAA-7772-E6ED67154E79}"/>
+              </a:ext>
+            </a:extLst>
+          </p:cNvPr>
+          <p:cNvCxnSpPr>
+            <a:cxnSpLocks/>
+            <a:stCxn id="21" idx="2"/>
+            <a:endCxn id="22" idx="0"/>
+          </p:cNvCxnSpPr>
+          <p:nvPr/>
+        </p:nvCxnSpPr>
+        <p:spPr>
+          <a:xfrm rot="5400000">
+            <a:off x="5729699" y="5124943"/>
+            <a:ext cx="1191469" cy="1569502"/>
+          </a:xfrm>
+          <a:prstGeom prst="bentConnector3">
+            <a:avLst/>
+          </a:prstGeom>
+        </p:spPr>
+        <p:style>
+          <a:lnRef idx="1">
+            <a:schemeClr val="dk1"/>
+          </a:lnRef>
+          <a:fillRef idx="0">
+            <a:schemeClr val="dk1"/>
+          </a:fillRef>
+          <a:effectRef idx="0">
+            <a:schemeClr val="dk1"/>
+          </a:effectRef>
+          <a:fontRef idx="minor">
+            <a:schemeClr val="tx1"/>
+          </a:fontRef>
+        </p:style>
+      </p:cxnSp>
+      <p:cxnSp>
+        <p:nvCxnSpPr>
+          <p:cNvPr id="82" name="꺾인 연결선[E] 81">
+            <a:extLst>
+              <a:ext uri="{FF2B5EF4-FFF2-40B4-BE49-F238E27FC236}">
+                <a16:creationId xmlns:a16="http://schemas.microsoft.com/office/drawing/2014/main" id="{DCBF0A3C-3EBD-54D5-1EB5-1D5A95C8289B}"/>
+              </a:ext>
+            </a:extLst>
+          </p:cNvPr>
+          <p:cNvCxnSpPr>
+            <a:cxnSpLocks/>
+            <a:stCxn id="21" idx="2"/>
+            <a:endCxn id="24" idx="0"/>
+          </p:cNvCxnSpPr>
+          <p:nvPr/>
+        </p:nvCxnSpPr>
+        <p:spPr>
+          <a:xfrm rot="16200000" flipH="1">
+            <a:off x="7299202" y="5124942"/>
+            <a:ext cx="1191467" cy="1569502"/>
+          </a:xfrm>
+          <a:prstGeom prst="bentConnector3">
+            <a:avLst>
+              <a:gd name="adj1" fmla="val 50000"/>
+            </a:avLst>
+          </a:prstGeom>
+        </p:spPr>
+        <p:style>
+          <a:lnRef idx="1">
+            <a:schemeClr val="dk1"/>
+          </a:lnRef>
+          <a:fillRef idx="0">
+            <a:schemeClr val="dk1"/>
+          </a:fillRef>
+          <a:effectRef idx="0">
+            <a:schemeClr val="dk1"/>
+          </a:effectRef>
+          <a:fontRef idx="minor">
+            <a:schemeClr val="tx1"/>
+          </a:fontRef>
+        </p:style>
+      </p:cxnSp>
+      <p:sp>
+        <p:nvSpPr>
+          <p:cNvPr id="95" name="직사각형 94">
+            <a:extLst>
+              <a:ext uri="{FF2B5EF4-FFF2-40B4-BE49-F238E27FC236}">
+                <a16:creationId xmlns:a16="http://schemas.microsoft.com/office/drawing/2014/main" id="{7069798D-9E5A-2895-DB61-2D4963E079F3}"/>
+              </a:ext>
+            </a:extLst>
+          </p:cNvPr>
+          <p:cNvSpPr/>
+          <p:nvPr/>
+        </p:nvSpPr>
+        <p:spPr>
+          <a:xfrm>
+            <a:off x="3368899" y="8291258"/>
+            <a:ext cx="1417320" cy="594360"/>
+          </a:xfrm>
+          <a:prstGeom prst="rect">
+            <a:avLst/>
+          </a:prstGeom>
+        </p:spPr>
+        <p:style>
+          <a:lnRef idx="2">
+            <a:schemeClr val="dk1">
+              <a:shade val="15000"/>
+            </a:schemeClr>
+          </a:lnRef>
+          <a:fillRef idx="1">
+            <a:schemeClr val="dk1"/>
+          </a:fillRef>
+          <a:effectRef idx="0">
+            <a:schemeClr val="dk1"/>
+          </a:effectRef>
+          <a:fontRef idx="minor">
+            <a:schemeClr val="lt1"/>
+          </a:fontRef>
+        </p:style>
+        <p:txBody>
+          <a:bodyPr rtlCol="0" anchor="ctr"/>
+          <a:lstStyle/>
+          <a:p>
+            <a:pPr algn="ctr"/>
+            <a:r>
+              <a:rPr kumimoji="1" lang="en-US" altLang="ko-Kore-US" b="1" dirty="0"/>
+              <a:t>Data</a:t>
+            </a:r>
+          </a:p>
+          <a:p>
+            <a:pPr algn="ctr"/>
+            <a:r>
+              <a:rPr kumimoji="1" lang="en-US" altLang="ko-Kore-US" b="1" dirty="0"/>
+              <a:t>Source</a:t>
+            </a:r>
+            <a:endParaRPr kumimoji="1" lang="ko-Kore-US" altLang="en-US" b="1" dirty="0"/>
+          </a:p>
+        </p:txBody>
+      </p:sp>
+      <p:sp>
+        <p:nvSpPr>
+          <p:cNvPr id="96" name="직사각형 95">
+            <a:extLst>
+              <a:ext uri="{FF2B5EF4-FFF2-40B4-BE49-F238E27FC236}">
+                <a16:creationId xmlns:a16="http://schemas.microsoft.com/office/drawing/2014/main" id="{18B03336-5D11-7B3D-0918-61C7B9722460}"/>
+              </a:ext>
+            </a:extLst>
+          </p:cNvPr>
+          <p:cNvSpPr/>
+          <p:nvPr/>
+        </p:nvSpPr>
+        <p:spPr>
+          <a:xfrm>
+            <a:off x="6291796" y="8291258"/>
+            <a:ext cx="1417320" cy="594360"/>
+          </a:xfrm>
+          <a:prstGeom prst="rect">
+            <a:avLst/>
+          </a:prstGeom>
+        </p:spPr>
+        <p:style>
+          <a:lnRef idx="2">
+            <a:schemeClr val="dk1">
+              <a:shade val="15000"/>
+            </a:schemeClr>
+          </a:lnRef>
+          <a:fillRef idx="1">
+            <a:schemeClr val="dk1"/>
+          </a:fillRef>
+          <a:effectRef idx="0">
+            <a:schemeClr val="dk1"/>
+          </a:effectRef>
+          <a:fontRef idx="minor">
+            <a:schemeClr val="lt1"/>
+          </a:fontRef>
+        </p:style>
+        <p:txBody>
+          <a:bodyPr rtlCol="0" anchor="ctr"/>
+          <a:lstStyle/>
+          <a:p>
+            <a:pPr algn="ctr"/>
+            <a:r>
+              <a:rPr lang="en-US" altLang="ko-Kore-US" b="1" dirty="0">
+                <a:solidFill>
+                  <a:schemeClr val="bg1"/>
+                </a:solidFill>
+                <a:latin typeface="Open Sans" panose="020F0502020204030204" pitchFamily="34" charset="0"/>
+              </a:rPr>
+              <a:t>·</a:t>
+            </a:r>
+            <a:r>
+              <a:rPr lang="en-US" altLang="ko-Kore-US" b="1" dirty="0">
+                <a:solidFill>
+                  <a:schemeClr val="bg1"/>
+                </a:solidFill>
+                <a:latin typeface="Open Sans" panose="020B0606030504020204" pitchFamily="34" charset="0"/>
+              </a:rPr>
+              <a:t>··</a:t>
+            </a:r>
+            <a:endParaRPr kumimoji="1" lang="ko-Kore-US" altLang="en-US" b="1" dirty="0">
+              <a:solidFill>
+                <a:schemeClr val="bg1"/>
+              </a:solidFill>
+            </a:endParaRPr>
+          </a:p>
+        </p:txBody>
+      </p:sp>
+      <p:cxnSp>
+        <p:nvCxnSpPr>
+          <p:cNvPr id="101" name="꺾인 연결선[E] 100">
+            <a:extLst>
+              <a:ext uri="{FF2B5EF4-FFF2-40B4-BE49-F238E27FC236}">
+                <a16:creationId xmlns:a16="http://schemas.microsoft.com/office/drawing/2014/main" id="{E2266404-A0C7-69EB-36E9-4DA9A15AA6EB}"/>
+              </a:ext>
+            </a:extLst>
+          </p:cNvPr>
+          <p:cNvCxnSpPr>
+            <a:stCxn id="22" idx="2"/>
+            <a:endCxn id="96" idx="0"/>
+          </p:cNvCxnSpPr>
+          <p:nvPr/>
+        </p:nvCxnSpPr>
+        <p:spPr>
+          <a:xfrm rot="16200000" flipH="1">
+            <a:off x="5674835" y="6965636"/>
+            <a:ext cx="1191469" cy="1459774"/>
+          </a:xfrm>
+          <a:prstGeom prst="bentConnector3">
+            <a:avLst/>
+          </a:prstGeom>
+        </p:spPr>
+        <p:style>
+          <a:lnRef idx="1">
+            <a:schemeClr val="dk1"/>
+          </a:lnRef>
+          <a:fillRef idx="0">
+            <a:schemeClr val="dk1"/>
+          </a:fillRef>
+          <a:effectRef idx="0">
+            <a:schemeClr val="dk1"/>
+          </a:effectRef>
+          <a:fontRef idx="minor">
+            <a:schemeClr val="tx1"/>
+          </a:fontRef>
+        </p:style>
+      </p:cxnSp>
+      <p:cxnSp>
+        <p:nvCxnSpPr>
+          <p:cNvPr id="107" name="꺾인 연결선[E] 106">
+            <a:extLst>
+              <a:ext uri="{FF2B5EF4-FFF2-40B4-BE49-F238E27FC236}">
+                <a16:creationId xmlns:a16="http://schemas.microsoft.com/office/drawing/2014/main" id="{829862C3-75CE-835D-6230-2B2FA21D6502}"/>
+              </a:ext>
+            </a:extLst>
+          </p:cNvPr>
+          <p:cNvCxnSpPr>
+            <a:stCxn id="22" idx="2"/>
+            <a:endCxn id="95" idx="0"/>
+          </p:cNvCxnSpPr>
+          <p:nvPr/>
+        </p:nvCxnSpPr>
+        <p:spPr>
+          <a:xfrm rot="5400000">
+            <a:off x="4213387" y="6963962"/>
+            <a:ext cx="1191469" cy="1463123"/>
+          </a:xfrm>
+          <a:prstGeom prst="bentConnector3">
+            <a:avLst/>
+          </a:prstGeom>
+        </p:spPr>
+        <p:style>
+          <a:lnRef idx="1">
+            <a:schemeClr val="dk1"/>
+          </a:lnRef>
+          <a:fillRef idx="0">
+            <a:schemeClr val="dk1"/>
+          </a:fillRef>
+          <a:effectRef idx="0">
+            <a:schemeClr val="dk1"/>
+          </a:effectRef>
+          <a:fontRef idx="minor">
+            <a:schemeClr val="tx1"/>
+          </a:fontRef>
+        </p:style>
+      </p:cxnSp>
+      <p:sp>
+        <p:nvSpPr>
+          <p:cNvPr id="108" name="직사각형 107">
+            <a:extLst>
+              <a:ext uri="{FF2B5EF4-FFF2-40B4-BE49-F238E27FC236}">
+                <a16:creationId xmlns:a16="http://schemas.microsoft.com/office/drawing/2014/main" id="{36EB5AB3-2B65-A1FC-AD49-FC668BDA7242}"/>
+              </a:ext>
+            </a:extLst>
+          </p:cNvPr>
+          <p:cNvSpPr/>
+          <p:nvPr/>
+        </p:nvSpPr>
+        <p:spPr>
+          <a:xfrm>
+            <a:off x="4829229" y="8291258"/>
+            <a:ext cx="1417320" cy="594360"/>
+          </a:xfrm>
+          <a:prstGeom prst="rect">
+            <a:avLst/>
+          </a:prstGeom>
+        </p:spPr>
+        <p:style>
+          <a:lnRef idx="2">
+            <a:schemeClr val="dk1">
+              <a:shade val="15000"/>
+            </a:schemeClr>
+          </a:lnRef>
+          <a:fillRef idx="1">
+            <a:schemeClr val="dk1"/>
+          </a:fillRef>
+          <a:effectRef idx="0">
+            <a:schemeClr val="dk1"/>
+          </a:effectRef>
+          <a:fontRef idx="minor">
+            <a:schemeClr val="lt1"/>
+          </a:fontRef>
+        </p:style>
+        <p:txBody>
+          <a:bodyPr rtlCol="0" anchor="ctr"/>
+          <a:lstStyle/>
+          <a:p>
+            <a:pPr algn="ctr"/>
+            <a:r>
+              <a:rPr kumimoji="1" lang="en-US" altLang="ko-Kore-US" b="1" dirty="0"/>
+              <a:t>Entity</a:t>
+            </a:r>
+            <a:endParaRPr kumimoji="1" lang="ko-Kore-US" altLang="en-US" b="1" dirty="0"/>
+          </a:p>
+        </p:txBody>
+      </p:sp>
+      <p:cxnSp>
+        <p:nvCxnSpPr>
+          <p:cNvPr id="111" name="직선 연결선[R] 110">
+            <a:extLst>
+              <a:ext uri="{FF2B5EF4-FFF2-40B4-BE49-F238E27FC236}">
+                <a16:creationId xmlns:a16="http://schemas.microsoft.com/office/drawing/2014/main" id="{6018CC99-D7D2-AEE8-12CA-8677F142F6F4}"/>
+              </a:ext>
+            </a:extLst>
+          </p:cNvPr>
+          <p:cNvCxnSpPr>
+            <a:cxnSpLocks/>
+            <a:stCxn id="22" idx="2"/>
+            <a:endCxn id="108" idx="0"/>
+          </p:cNvCxnSpPr>
+          <p:nvPr/>
+        </p:nvCxnSpPr>
+        <p:spPr>
+          <a:xfrm flipH="1">
+            <a:off x="5537889" y="7099789"/>
+            <a:ext cx="2793" cy="1191469"/>
+          </a:xfrm>
+          <a:prstGeom prst="line">
+            <a:avLst/>
+          </a:prstGeom>
+        </p:spPr>
+        <p:style>
+          <a:lnRef idx="1">
+            <a:schemeClr val="dk1"/>
+          </a:lnRef>
+          <a:fillRef idx="0">
+            <a:schemeClr val="dk1"/>
+          </a:fillRef>
+          <a:effectRef idx="0">
+            <a:schemeClr val="dk1"/>
+          </a:effectRef>
+          <a:fontRef idx="minor">
+            <a:schemeClr val="tx1"/>
+          </a:fontRef>
+        </p:style>
+      </p:cxnSp>
+      <p:sp>
+        <p:nvSpPr>
+          <p:cNvPr id="141" name="직사각형 140">
+            <a:extLst>
+              <a:ext uri="{FF2B5EF4-FFF2-40B4-BE49-F238E27FC236}">
+                <a16:creationId xmlns:a16="http://schemas.microsoft.com/office/drawing/2014/main" id="{4E74859C-1AE3-AE10-4779-5676D6D6F967}"/>
+              </a:ext>
+            </a:extLst>
+          </p:cNvPr>
+          <p:cNvSpPr/>
+          <p:nvPr/>
+        </p:nvSpPr>
+        <p:spPr>
+          <a:xfrm>
+            <a:off x="6401524" y="6505429"/>
+            <a:ext cx="1417320" cy="594360"/>
+          </a:xfrm>
+          <a:prstGeom prst="rect">
+            <a:avLst/>
+          </a:prstGeom>
+        </p:spPr>
+        <p:style>
+          <a:lnRef idx="2">
+            <a:schemeClr val="dk1">
+              <a:shade val="15000"/>
+            </a:schemeClr>
+          </a:lnRef>
+          <a:fillRef idx="1">
+            <a:schemeClr val="dk1"/>
+          </a:fillRef>
+          <a:effectRef idx="0">
+            <a:schemeClr val="dk1"/>
+          </a:effectRef>
+          <a:fontRef idx="minor">
+            <a:schemeClr val="lt1"/>
+          </a:fontRef>
+        </p:style>
+        <p:txBody>
+          <a:bodyPr rtlCol="0" anchor="ctr"/>
+          <a:lstStyle/>
+          <a:p>
+            <a:pPr algn="ctr"/>
+            <a:r>
+              <a:rPr kumimoji="1" lang="en-US" altLang="ko-Kore-US" b="1" dirty="0"/>
+              <a:t>Database</a:t>
+            </a:r>
+            <a:endParaRPr kumimoji="1" lang="ko-Kore-US" altLang="en-US" b="1" dirty="0"/>
+          </a:p>
+        </p:txBody>
+      </p:sp>
+      <p:sp>
+        <p:nvSpPr>
+          <p:cNvPr id="140" name="모서리가 둥근 직사각형 139">
+            <a:extLst>
+              <a:ext uri="{FF2B5EF4-FFF2-40B4-BE49-F238E27FC236}">
+                <a16:creationId xmlns:a16="http://schemas.microsoft.com/office/drawing/2014/main" id="{DED195FE-A3DF-FC51-7622-C757558C9762}"/>
+              </a:ext>
+            </a:extLst>
+          </p:cNvPr>
+          <p:cNvSpPr/>
+          <p:nvPr/>
+        </p:nvSpPr>
+        <p:spPr>
+          <a:xfrm>
+            <a:off x="14295720" y="3658358"/>
+            <a:ext cx="6176941" cy="5952803"/>
           </a:xfrm>
           <a:prstGeom prst="roundRect">
             <a:avLst/>
           </a:prstGeom>
           <a:solidFill>
-            <a:schemeClr val="accent2">
+            <a:schemeClr val="accent4">
               <a:lumMod val="40000"/>
               <a:lumOff val="60000"/>
             </a:schemeClr>
@@ -3194,10 +4622,10 @@
       </p:sp>
       <p:sp>
         <p:nvSpPr>
-          <p:cNvPr id="138" name="모서리가 둥근 직사각형 137">
+          <p:cNvPr id="144" name="모서리가 둥근 직사각형 143">
             <a:extLst>
               <a:ext uri="{FF2B5EF4-FFF2-40B4-BE49-F238E27FC236}">
-                <a16:creationId xmlns:a16="http://schemas.microsoft.com/office/drawing/2014/main" id="{7F362A89-4513-65F6-1DD0-A56483AF8A3D}"/>
+                <a16:creationId xmlns:a16="http://schemas.microsoft.com/office/drawing/2014/main" id="{2F8894F7-C469-FF34-1B49-D2A497CB3C9C}"/>
               </a:ext>
             </a:extLst>
           </p:cNvPr>
@@ -3206,21 +4634,24 @@
         </p:nvSpPr>
         <p:spPr>
           <a:xfrm>
-            <a:off x="3635219" y="4492487"/>
-            <a:ext cx="5948245" cy="4993419"/>
+            <a:off x="14502384" y="6296877"/>
+            <a:ext cx="5833871" cy="3152454"/>
           </a:xfrm>
           <a:prstGeom prst="roundRect">
             <a:avLst/>
           </a:prstGeom>
           <a:solidFill>
-            <a:schemeClr val="accent1">
-              <a:lumMod val="40000"/>
-              <a:lumOff val="60000"/>
+            <a:schemeClr val="accent6">
+              <a:lumMod val="60000"/>
+              <a:lumOff val="40000"/>
             </a:schemeClr>
           </a:solidFill>
           <a:ln>
             <a:noFill/>
           </a:ln>
+          <a:effectLst>
+            <a:softEdge rad="0"/>
+          </a:effectLst>
         </p:spPr>
         <p:style>
           <a:lnRef idx="2">
@@ -3243,642 +4674,7 @@
           <a:lstStyle/>
           <a:p>
             <a:pPr algn="ctr"/>
-            <a:endParaRPr kumimoji="1" lang="ko-Kore-US" altLang="en-US" b="1"/>
-          </a:p>
-        </p:txBody>
-      </p:sp>
-      <p:sp>
-        <p:nvSpPr>
-          <p:cNvPr id="9" name="직사각형 8">
-            <a:extLst>
-              <a:ext uri="{FF2B5EF4-FFF2-40B4-BE49-F238E27FC236}">
-                <a16:creationId xmlns:a16="http://schemas.microsoft.com/office/drawing/2014/main" id="{62097D13-13D9-BB1A-39C1-6DA2B6D09DBC}"/>
-              </a:ext>
-            </a:extLst>
-          </p:cNvPr>
-          <p:cNvSpPr/>
-          <p:nvPr/>
-        </p:nvSpPr>
-        <p:spPr>
-          <a:xfrm>
-            <a:off x="10799570" y="2868438"/>
-            <a:ext cx="2087952" cy="584123"/>
-          </a:xfrm>
-          <a:prstGeom prst="rect">
-            <a:avLst/>
-          </a:prstGeom>
-        </p:spPr>
-        <p:style>
-          <a:lnRef idx="2">
-            <a:schemeClr val="dk1">
-              <a:shade val="15000"/>
-            </a:schemeClr>
-          </a:lnRef>
-          <a:fillRef idx="1">
-            <a:schemeClr val="dk1"/>
-          </a:fillRef>
-          <a:effectRef idx="0">
-            <a:schemeClr val="dk1"/>
-          </a:effectRef>
-          <a:fontRef idx="minor">
-            <a:schemeClr val="lt1"/>
-          </a:fontRef>
-        </p:style>
-        <p:txBody>
-          <a:bodyPr rtlCol="0" anchor="ctr"/>
-          <a:lstStyle/>
-          <a:p>
-            <a:pPr algn="ctr"/>
-            <a:r>
-              <a:rPr kumimoji="1" lang="en-US" altLang="ko-Kore-US" sz="1000" b="1" dirty="0"/>
-              <a:t>App</a:t>
-            </a:r>
-            <a:endParaRPr kumimoji="1" lang="ko-Kore-US" altLang="en-US" sz="1000" b="1" dirty="0"/>
-          </a:p>
-        </p:txBody>
-      </p:sp>
-      <p:sp>
-        <p:nvSpPr>
-          <p:cNvPr id="17" name="직사각형 16">
-            <a:extLst>
-              <a:ext uri="{FF2B5EF4-FFF2-40B4-BE49-F238E27FC236}">
-                <a16:creationId xmlns:a16="http://schemas.microsoft.com/office/drawing/2014/main" id="{23E68FCD-5437-2627-0A21-E3A11BDD2A99}"/>
-              </a:ext>
-            </a:extLst>
-          </p:cNvPr>
-          <p:cNvSpPr/>
-          <p:nvPr/>
-        </p:nvSpPr>
-        <p:spPr>
-          <a:xfrm>
-            <a:off x="15699967" y="4790546"/>
-            <a:ext cx="931079" cy="320338"/>
-          </a:xfrm>
-          <a:prstGeom prst="rect">
-            <a:avLst/>
-          </a:prstGeom>
-        </p:spPr>
-        <p:style>
-          <a:lnRef idx="2">
-            <a:schemeClr val="dk1">
-              <a:shade val="15000"/>
-            </a:schemeClr>
-          </a:lnRef>
-          <a:fillRef idx="1">
-            <a:schemeClr val="dk1"/>
-          </a:fillRef>
-          <a:effectRef idx="0">
-            <a:schemeClr val="dk1"/>
-          </a:effectRef>
-          <a:fontRef idx="minor">
-            <a:schemeClr val="lt1"/>
-          </a:fontRef>
-        </p:style>
-        <p:txBody>
-          <a:bodyPr rtlCol="0" anchor="ctr"/>
-          <a:lstStyle/>
-          <a:p>
-            <a:pPr algn="ctr"/>
-            <a:r>
-              <a:rPr kumimoji="1" lang="en-US" altLang="ko-Kore-US" sz="1000" b="1" dirty="0"/>
-              <a:t>Presentation</a:t>
-            </a:r>
-            <a:endParaRPr kumimoji="1" lang="ko-Kore-US" altLang="en-US" sz="1000" b="1" dirty="0"/>
-          </a:p>
-        </p:txBody>
-      </p:sp>
-      <p:sp>
-        <p:nvSpPr>
-          <p:cNvPr id="20" name="직사각형 19">
-            <a:extLst>
-              <a:ext uri="{FF2B5EF4-FFF2-40B4-BE49-F238E27FC236}">
-                <a16:creationId xmlns:a16="http://schemas.microsoft.com/office/drawing/2014/main" id="{59B16507-91CF-00EF-09C3-5E5966F9C4A0}"/>
-              </a:ext>
-            </a:extLst>
-          </p:cNvPr>
-          <p:cNvSpPr/>
-          <p:nvPr/>
-        </p:nvSpPr>
-        <p:spPr>
-          <a:xfrm>
-            <a:off x="11376523" y="5609530"/>
-            <a:ext cx="931079" cy="320338"/>
-          </a:xfrm>
-          <a:prstGeom prst="rect">
-            <a:avLst/>
-          </a:prstGeom>
-        </p:spPr>
-        <p:style>
-          <a:lnRef idx="2">
-            <a:schemeClr val="dk1">
-              <a:shade val="15000"/>
-            </a:schemeClr>
-          </a:lnRef>
-          <a:fillRef idx="1">
-            <a:schemeClr val="dk1"/>
-          </a:fillRef>
-          <a:effectRef idx="0">
-            <a:schemeClr val="dk1"/>
-          </a:effectRef>
-          <a:fontRef idx="minor">
-            <a:schemeClr val="lt1"/>
-          </a:fontRef>
-        </p:style>
-        <p:txBody>
-          <a:bodyPr rtlCol="0" anchor="ctr"/>
-          <a:lstStyle/>
-          <a:p>
-            <a:pPr algn="ctr"/>
-            <a:r>
-              <a:rPr kumimoji="1" lang="en-US" altLang="ko-Kore-US" sz="1000" b="1" dirty="0"/>
-              <a:t>Domain</a:t>
-            </a:r>
-            <a:endParaRPr kumimoji="1" lang="ko-Kore-US" altLang="en-US" sz="1000" b="1" dirty="0"/>
-          </a:p>
-        </p:txBody>
-      </p:sp>
-      <p:sp>
-        <p:nvSpPr>
-          <p:cNvPr id="21" name="직사각형 20">
-            <a:extLst>
-              <a:ext uri="{FF2B5EF4-FFF2-40B4-BE49-F238E27FC236}">
-                <a16:creationId xmlns:a16="http://schemas.microsoft.com/office/drawing/2014/main" id="{4EA97A3F-21FC-491F-24B7-DF1EF2499D82}"/>
-              </a:ext>
-            </a:extLst>
-          </p:cNvPr>
-          <p:cNvSpPr/>
-          <p:nvPr/>
-        </p:nvSpPr>
-        <p:spPr>
-          <a:xfrm>
-            <a:off x="7012646" y="4790546"/>
-            <a:ext cx="931079" cy="320338"/>
-          </a:xfrm>
-          <a:prstGeom prst="rect">
-            <a:avLst/>
-          </a:prstGeom>
-        </p:spPr>
-        <p:style>
-          <a:lnRef idx="2">
-            <a:schemeClr val="dk1">
-              <a:shade val="15000"/>
-            </a:schemeClr>
-          </a:lnRef>
-          <a:fillRef idx="1">
-            <a:schemeClr val="dk1"/>
-          </a:fillRef>
-          <a:effectRef idx="0">
-            <a:schemeClr val="dk1"/>
-          </a:effectRef>
-          <a:fontRef idx="minor">
-            <a:schemeClr val="lt1"/>
-          </a:fontRef>
-        </p:style>
-        <p:txBody>
-          <a:bodyPr rtlCol="0" anchor="ctr"/>
-          <a:lstStyle/>
-          <a:p>
-            <a:pPr algn="ctr"/>
-            <a:r>
-              <a:rPr kumimoji="1" lang="en-US" altLang="ko-Kore-US" sz="1000" b="1" dirty="0"/>
-              <a:t>Data</a:t>
-            </a:r>
-            <a:endParaRPr kumimoji="1" lang="ko-Kore-US" altLang="en-US" sz="1000" b="1" dirty="0"/>
-          </a:p>
-        </p:txBody>
-      </p:sp>
-      <p:sp>
-        <p:nvSpPr>
-          <p:cNvPr id="22" name="직사각형 21">
-            <a:extLst>
-              <a:ext uri="{FF2B5EF4-FFF2-40B4-BE49-F238E27FC236}">
-                <a16:creationId xmlns:a16="http://schemas.microsoft.com/office/drawing/2014/main" id="{B3987E4A-763F-8C8B-887A-5B9A27AE8072}"/>
-              </a:ext>
-            </a:extLst>
-          </p:cNvPr>
-          <p:cNvSpPr/>
-          <p:nvPr/>
-        </p:nvSpPr>
-        <p:spPr>
-          <a:xfrm>
-            <a:off x="5538789" y="6865142"/>
-            <a:ext cx="931079" cy="320338"/>
-          </a:xfrm>
-          <a:prstGeom prst="rect">
-            <a:avLst/>
-          </a:prstGeom>
-        </p:spPr>
-        <p:style>
-          <a:lnRef idx="2">
-            <a:schemeClr val="dk1">
-              <a:shade val="15000"/>
-            </a:schemeClr>
-          </a:lnRef>
-          <a:fillRef idx="1">
-            <a:schemeClr val="dk1"/>
-          </a:fillRef>
-          <a:effectRef idx="0">
-            <a:schemeClr val="dk1"/>
-          </a:effectRef>
-          <a:fontRef idx="minor">
-            <a:schemeClr val="lt1"/>
-          </a:fontRef>
-        </p:style>
-        <p:txBody>
-          <a:bodyPr rtlCol="0" anchor="ctr"/>
-          <a:lstStyle/>
-          <a:p>
-            <a:pPr algn="ctr"/>
-            <a:r>
-              <a:rPr kumimoji="1" lang="en-US" altLang="ko-Kore-US" sz="1000" b="1" dirty="0"/>
-              <a:t>Network</a:t>
-            </a:r>
-            <a:endParaRPr kumimoji="1" lang="ko-Kore-US" altLang="en-US" sz="1000" b="1" dirty="0"/>
-          </a:p>
-        </p:txBody>
-      </p:sp>
-      <p:sp>
-        <p:nvSpPr>
-          <p:cNvPr id="24" name="직사각형 23">
-            <a:extLst>
-              <a:ext uri="{FF2B5EF4-FFF2-40B4-BE49-F238E27FC236}">
-                <a16:creationId xmlns:a16="http://schemas.microsoft.com/office/drawing/2014/main" id="{294E471F-512D-7F28-9FC5-EA913C21DC5E}"/>
-              </a:ext>
-            </a:extLst>
-          </p:cNvPr>
-          <p:cNvSpPr/>
-          <p:nvPr/>
-        </p:nvSpPr>
-        <p:spPr>
-          <a:xfrm>
-            <a:off x="8501079" y="6865142"/>
-            <a:ext cx="931079" cy="320338"/>
-          </a:xfrm>
-          <a:prstGeom prst="rect">
-            <a:avLst/>
-          </a:prstGeom>
-        </p:spPr>
-        <p:style>
-          <a:lnRef idx="2">
-            <a:schemeClr val="dk1">
-              <a:shade val="15000"/>
-            </a:schemeClr>
-          </a:lnRef>
-          <a:fillRef idx="1">
-            <a:schemeClr val="dk1"/>
-          </a:fillRef>
-          <a:effectRef idx="0">
-            <a:schemeClr val="dk1"/>
-          </a:effectRef>
-          <a:fontRef idx="minor">
-            <a:schemeClr val="lt1"/>
-          </a:fontRef>
-        </p:style>
-        <p:txBody>
-          <a:bodyPr rtlCol="0" anchor="ctr"/>
-          <a:lstStyle/>
-          <a:p>
-            <a:pPr algn="ctr"/>
-            <a:r>
-              <a:rPr lang="en-US" altLang="ko-Kore-US" sz="1000" b="1" dirty="0">
-                <a:solidFill>
-                  <a:schemeClr val="bg1"/>
-                </a:solidFill>
-                <a:latin typeface="Open Sans" panose="020F0502020204030204" pitchFamily="34" charset="0"/>
-              </a:rPr>
-              <a:t>·</a:t>
-            </a:r>
-            <a:r>
-              <a:rPr lang="en-US" altLang="ko-Kore-US" sz="1000" b="1" dirty="0">
-                <a:solidFill>
-                  <a:schemeClr val="bg1"/>
-                </a:solidFill>
-                <a:latin typeface="Open Sans" panose="020B0606030504020204" pitchFamily="34" charset="0"/>
-              </a:rPr>
-              <a:t>··</a:t>
-            </a:r>
-            <a:endParaRPr kumimoji="1" lang="ko-Kore-US" altLang="en-US" sz="1000" b="1" dirty="0">
-              <a:solidFill>
-                <a:schemeClr val="bg1"/>
-              </a:solidFill>
-            </a:endParaRPr>
-          </a:p>
-        </p:txBody>
-      </p:sp>
-      <p:sp>
-        <p:nvSpPr>
-          <p:cNvPr id="28" name="직사각형 27">
-            <a:extLst>
-              <a:ext uri="{FF2B5EF4-FFF2-40B4-BE49-F238E27FC236}">
-                <a16:creationId xmlns:a16="http://schemas.microsoft.com/office/drawing/2014/main" id="{E9370EC3-BB5F-C45C-E1E1-A891246F490A}"/>
-              </a:ext>
-            </a:extLst>
-          </p:cNvPr>
-          <p:cNvSpPr/>
-          <p:nvPr/>
-        </p:nvSpPr>
-        <p:spPr>
-          <a:xfrm>
-            <a:off x="14236603" y="6308547"/>
-            <a:ext cx="931079" cy="320338"/>
-          </a:xfrm>
-          <a:prstGeom prst="rect">
-            <a:avLst/>
-          </a:prstGeom>
-        </p:spPr>
-        <p:style>
-          <a:lnRef idx="2">
-            <a:schemeClr val="dk1">
-              <a:shade val="15000"/>
-            </a:schemeClr>
-          </a:lnRef>
-          <a:fillRef idx="1">
-            <a:schemeClr val="dk1"/>
-          </a:fillRef>
-          <a:effectRef idx="0">
-            <a:schemeClr val="dk1"/>
-          </a:effectRef>
-          <a:fontRef idx="minor">
-            <a:schemeClr val="lt1"/>
-          </a:fontRef>
-        </p:style>
-        <p:txBody>
-          <a:bodyPr rtlCol="0" anchor="ctr"/>
-          <a:lstStyle/>
-          <a:p>
-            <a:pPr algn="ctr"/>
-            <a:r>
-              <a:rPr kumimoji="1" lang="en-US" altLang="ko-Kore-US" sz="1000" b="1" dirty="0"/>
-              <a:t>Feature A</a:t>
-            </a:r>
-            <a:endParaRPr kumimoji="1" lang="ko-Kore-US" altLang="en-US" sz="1000" b="1" dirty="0"/>
-          </a:p>
-        </p:txBody>
-      </p:sp>
-      <p:sp>
-        <p:nvSpPr>
-          <p:cNvPr id="29" name="직사각형 28">
-            <a:extLst>
-              <a:ext uri="{FF2B5EF4-FFF2-40B4-BE49-F238E27FC236}">
-                <a16:creationId xmlns:a16="http://schemas.microsoft.com/office/drawing/2014/main" id="{85418869-F674-C3F5-3C29-9A5C8E4E698B}"/>
-              </a:ext>
-            </a:extLst>
-          </p:cNvPr>
-          <p:cNvSpPr/>
-          <p:nvPr/>
-        </p:nvSpPr>
-        <p:spPr>
-          <a:xfrm>
-            <a:off x="15702396" y="6308547"/>
-            <a:ext cx="931079" cy="320338"/>
-          </a:xfrm>
-          <a:prstGeom prst="rect">
-            <a:avLst/>
-          </a:prstGeom>
-        </p:spPr>
-        <p:style>
-          <a:lnRef idx="2">
-            <a:schemeClr val="dk1">
-              <a:shade val="15000"/>
-            </a:schemeClr>
-          </a:lnRef>
-          <a:fillRef idx="1">
-            <a:schemeClr val="dk1"/>
-          </a:fillRef>
-          <a:effectRef idx="0">
-            <a:schemeClr val="dk1"/>
-          </a:effectRef>
-          <a:fontRef idx="minor">
-            <a:schemeClr val="lt1"/>
-          </a:fontRef>
-        </p:style>
-        <p:txBody>
-          <a:bodyPr rtlCol="0" anchor="ctr"/>
-          <a:lstStyle/>
-          <a:p>
-            <a:pPr algn="ctr"/>
-            <a:r>
-              <a:rPr kumimoji="1" lang="en-US" altLang="ko-Kore-US" sz="1000" b="1" dirty="0"/>
-              <a:t>Feature B</a:t>
-            </a:r>
-            <a:endParaRPr kumimoji="1" lang="ko-Kore-US" altLang="en-US" sz="1000" b="1" dirty="0"/>
-          </a:p>
-        </p:txBody>
-      </p:sp>
-      <p:sp>
-        <p:nvSpPr>
-          <p:cNvPr id="31" name="직사각형 30">
-            <a:extLst>
-              <a:ext uri="{FF2B5EF4-FFF2-40B4-BE49-F238E27FC236}">
-                <a16:creationId xmlns:a16="http://schemas.microsoft.com/office/drawing/2014/main" id="{E35F81E2-FD1D-F358-2AE1-8476DDE1D785}"/>
-              </a:ext>
-            </a:extLst>
-          </p:cNvPr>
-          <p:cNvSpPr/>
-          <p:nvPr/>
-        </p:nvSpPr>
-        <p:spPr>
-          <a:xfrm>
-            <a:off x="17168189" y="6308547"/>
-            <a:ext cx="931079" cy="320338"/>
-          </a:xfrm>
-          <a:prstGeom prst="rect">
-            <a:avLst/>
-          </a:prstGeom>
-        </p:spPr>
-        <p:style>
-          <a:lnRef idx="2">
-            <a:schemeClr val="dk1">
-              <a:shade val="15000"/>
-            </a:schemeClr>
-          </a:lnRef>
-          <a:fillRef idx="1">
-            <a:schemeClr val="dk1"/>
-          </a:fillRef>
-          <a:effectRef idx="0">
-            <a:schemeClr val="dk1"/>
-          </a:effectRef>
-          <a:fontRef idx="minor">
-            <a:schemeClr val="lt1"/>
-          </a:fontRef>
-        </p:style>
-        <p:txBody>
-          <a:bodyPr rtlCol="0" anchor="ctr"/>
-          <a:lstStyle/>
-          <a:p>
-            <a:pPr algn="ctr"/>
-            <a:r>
-              <a:rPr lang="en-US" altLang="ko-Kore-US" sz="1000" b="1" dirty="0">
-                <a:solidFill>
-                  <a:schemeClr val="bg1"/>
-                </a:solidFill>
-                <a:latin typeface="Open Sans" panose="020F0502020204030204" pitchFamily="34" charset="0"/>
-              </a:rPr>
-              <a:t>·</a:t>
-            </a:r>
-            <a:r>
-              <a:rPr lang="en-US" altLang="ko-Kore-US" sz="1000" b="1" dirty="0">
-                <a:solidFill>
-                  <a:schemeClr val="bg1"/>
-                </a:solidFill>
-                <a:latin typeface="Open Sans" panose="020B0606030504020204" pitchFamily="34" charset="0"/>
-              </a:rPr>
-              <a:t>··</a:t>
-            </a:r>
-            <a:endParaRPr kumimoji="1" lang="ko-Kore-US" altLang="en-US" sz="1000" b="1" dirty="0">
-              <a:solidFill>
-                <a:schemeClr val="bg1"/>
-              </a:solidFill>
-            </a:endParaRPr>
-          </a:p>
-        </p:txBody>
-      </p:sp>
-      <p:sp>
-        <p:nvSpPr>
-          <p:cNvPr id="32" name="직사각형 31">
-            <a:extLst>
-              <a:ext uri="{FF2B5EF4-FFF2-40B4-BE49-F238E27FC236}">
-                <a16:creationId xmlns:a16="http://schemas.microsoft.com/office/drawing/2014/main" id="{56BA3D88-7933-21CD-059E-039890808633}"/>
-              </a:ext>
-            </a:extLst>
-          </p:cNvPr>
-          <p:cNvSpPr/>
-          <p:nvPr/>
-        </p:nvSpPr>
-        <p:spPr>
-          <a:xfrm>
-            <a:off x="17170252" y="7778805"/>
-            <a:ext cx="931079" cy="320338"/>
-          </a:xfrm>
-          <a:prstGeom prst="rect">
-            <a:avLst/>
-          </a:prstGeom>
-        </p:spPr>
-        <p:style>
-          <a:lnRef idx="2">
-            <a:schemeClr val="dk1">
-              <a:shade val="15000"/>
-            </a:schemeClr>
-          </a:lnRef>
-          <a:fillRef idx="1">
-            <a:schemeClr val="dk1"/>
-          </a:fillRef>
-          <a:effectRef idx="0">
-            <a:schemeClr val="dk1"/>
-          </a:effectRef>
-          <a:fontRef idx="minor">
-            <a:schemeClr val="lt1"/>
-          </a:fontRef>
-        </p:style>
-        <p:txBody>
-          <a:bodyPr rtlCol="0" anchor="ctr"/>
-          <a:lstStyle/>
-          <a:p>
-            <a:pPr algn="ctr"/>
-            <a:r>
-              <a:rPr kumimoji="1" lang="en-US" altLang="ko-Kore-US" sz="1000" b="1" dirty="0"/>
-              <a:t>UI</a:t>
-            </a:r>
-            <a:endParaRPr kumimoji="1" lang="ko-Kore-US" altLang="en-US" sz="1000" b="1" dirty="0"/>
-          </a:p>
-        </p:txBody>
-      </p:sp>
-      <p:sp>
-        <p:nvSpPr>
-          <p:cNvPr id="33" name="직사각형 32">
-            <a:extLst>
-              <a:ext uri="{FF2B5EF4-FFF2-40B4-BE49-F238E27FC236}">
-                <a16:creationId xmlns:a16="http://schemas.microsoft.com/office/drawing/2014/main" id="{E1E0E67D-A952-ED44-A77A-52C3E67F0905}"/>
-              </a:ext>
-            </a:extLst>
-          </p:cNvPr>
-          <p:cNvSpPr/>
-          <p:nvPr/>
-        </p:nvSpPr>
-        <p:spPr>
-          <a:xfrm>
-            <a:off x="18839315" y="7778216"/>
-            <a:ext cx="931079" cy="320338"/>
-          </a:xfrm>
-          <a:prstGeom prst="rect">
-            <a:avLst/>
-          </a:prstGeom>
-        </p:spPr>
-        <p:style>
-          <a:lnRef idx="2">
-            <a:schemeClr val="dk1">
-              <a:shade val="15000"/>
-            </a:schemeClr>
-          </a:lnRef>
-          <a:fillRef idx="1">
-            <a:schemeClr val="dk1"/>
-          </a:fillRef>
-          <a:effectRef idx="0">
-            <a:schemeClr val="dk1"/>
-          </a:effectRef>
-          <a:fontRef idx="minor">
-            <a:schemeClr val="lt1"/>
-          </a:fontRef>
-        </p:style>
-        <p:txBody>
-          <a:bodyPr rtlCol="0" anchor="ctr"/>
-          <a:lstStyle/>
-          <a:p>
-            <a:pPr algn="ctr"/>
-            <a:r>
-              <a:rPr kumimoji="1" lang="en-US" altLang="ko-Kore-US" sz="1000" b="1" dirty="0"/>
-              <a:t>ViewModel</a:t>
-            </a:r>
-          </a:p>
-        </p:txBody>
-      </p:sp>
-      <p:sp>
-        <p:nvSpPr>
-          <p:cNvPr id="34" name="직사각형 33">
-            <a:extLst>
-              <a:ext uri="{FF2B5EF4-FFF2-40B4-BE49-F238E27FC236}">
-                <a16:creationId xmlns:a16="http://schemas.microsoft.com/office/drawing/2014/main" id="{E6626FBA-F1F1-A59F-C65A-0E485DF763BA}"/>
-              </a:ext>
-            </a:extLst>
-          </p:cNvPr>
-          <p:cNvSpPr/>
-          <p:nvPr/>
-        </p:nvSpPr>
-        <p:spPr>
-          <a:xfrm>
-            <a:off x="15433353" y="7778216"/>
-            <a:ext cx="931079" cy="320338"/>
-          </a:xfrm>
-          <a:prstGeom prst="rect">
-            <a:avLst/>
-          </a:prstGeom>
-        </p:spPr>
-        <p:style>
-          <a:lnRef idx="2">
-            <a:schemeClr val="dk1">
-              <a:shade val="15000"/>
-            </a:schemeClr>
-          </a:lnRef>
-          <a:fillRef idx="1">
-            <a:schemeClr val="dk1"/>
-          </a:fillRef>
-          <a:effectRef idx="0">
-            <a:schemeClr val="dk1"/>
-          </a:effectRef>
-          <a:fontRef idx="minor">
-            <a:schemeClr val="lt1"/>
-          </a:fontRef>
-        </p:style>
-        <p:txBody>
-          <a:bodyPr rtlCol="0" anchor="ctr"/>
-          <a:lstStyle/>
-          <a:p>
-            <a:pPr algn="ctr"/>
-            <a:r>
-              <a:rPr kumimoji="1" lang="en-US" altLang="ko-Kore-US" sz="1000" b="1" dirty="0"/>
-              <a:t>Model</a:t>
-            </a:r>
-            <a:endParaRPr kumimoji="1" lang="ko-Kore-US" altLang="en-US" sz="1000" b="1" dirty="0"/>
+            <a:endParaRPr kumimoji="1" lang="ko-Kore-US" altLang="en-US" b="1" dirty="0"/>
           </a:p>
         </p:txBody>
       </p:sp>
@@ -3899,8 +4695,8 @@
         </p:nvCxnSpPr>
         <p:spPr>
           <a:xfrm>
-            <a:off x="16165507" y="5110884"/>
-            <a:ext cx="2429" cy="1197663"/>
+            <a:off x="17450027" y="4685837"/>
+            <a:ext cx="1902" cy="837493"/>
           </a:xfrm>
           <a:prstGeom prst="line">
             <a:avLst/>
@@ -3938,8 +4734,8 @@
         </p:nvCxnSpPr>
         <p:spPr>
           <a:xfrm rot="5400000">
-            <a:off x="14834994" y="4978033"/>
-            <a:ext cx="1197663" cy="1463364"/>
+            <a:off x="16011879" y="4085181"/>
+            <a:ext cx="837493" cy="2038804"/>
           </a:xfrm>
           <a:prstGeom prst="bentConnector3">
             <a:avLst/>
@@ -3978,8 +4774,8 @@
         </p:nvCxnSpPr>
         <p:spPr>
           <a:xfrm rot="16200000" flipH="1">
-            <a:off x="16300787" y="4975604"/>
-            <a:ext cx="1197663" cy="1468222"/>
+            <a:off x="18061728" y="4074135"/>
+            <a:ext cx="837493" cy="2060895"/>
           </a:xfrm>
           <a:prstGeom prst="bentConnector3">
             <a:avLst>
@@ -4013,15 +4809,15 @@
           </p:cNvPr>
           <p:cNvCxnSpPr>
             <a:cxnSpLocks/>
-            <a:stCxn id="31" idx="2"/>
+            <a:stCxn id="29" idx="2"/>
             <a:endCxn id="33" idx="0"/>
           </p:cNvCxnSpPr>
           <p:nvPr/>
         </p:nvCxnSpPr>
         <p:spPr>
           <a:xfrm rot="16200000" flipH="1">
-            <a:off x="17894627" y="6367987"/>
-            <a:ext cx="1149331" cy="1671126"/>
+            <a:off x="17037755" y="6531864"/>
+            <a:ext cx="837493" cy="9144"/>
           </a:xfrm>
           <a:prstGeom prst="bentConnector3">
             <a:avLst/>
@@ -4053,15 +4849,15 @@
           </p:cNvPr>
           <p:cNvCxnSpPr>
             <a:cxnSpLocks/>
-            <a:stCxn id="31" idx="2"/>
+            <a:stCxn id="29" idx="2"/>
             <a:endCxn id="32" idx="0"/>
           </p:cNvCxnSpPr>
           <p:nvPr/>
         </p:nvCxnSpPr>
         <p:spPr>
           <a:xfrm rot="16200000" flipH="1">
-            <a:off x="17059800" y="7202813"/>
-            <a:ext cx="1149920" cy="2063"/>
+            <a:off x="18062679" y="5506939"/>
+            <a:ext cx="837493" cy="2058993"/>
           </a:xfrm>
           <a:prstGeom prst="bentConnector3">
             <a:avLst>
@@ -4095,15 +4891,15 @@
           </p:cNvPr>
           <p:cNvCxnSpPr>
             <a:cxnSpLocks/>
-            <a:stCxn id="31" idx="2"/>
+            <a:stCxn id="29" idx="2"/>
             <a:endCxn id="34" idx="0"/>
           </p:cNvCxnSpPr>
           <p:nvPr/>
         </p:nvCxnSpPr>
         <p:spPr>
           <a:xfrm rot="5400000">
-            <a:off x="16191646" y="6336132"/>
-            <a:ext cx="1149331" cy="1734836"/>
+            <a:off x="16012830" y="5516083"/>
+            <a:ext cx="837493" cy="2040706"/>
           </a:xfrm>
           <a:prstGeom prst="bentConnector3">
             <a:avLst/>
@@ -4126,26 +4922,590 @@
       </p:cxnSp>
       <p:cxnSp>
         <p:nvCxnSpPr>
-          <p:cNvPr id="79" name="직선 연결선[R] 78">
+          <p:cNvPr id="114" name="꺾인 연결선[E] 113">
             <a:extLst>
               <a:ext uri="{FF2B5EF4-FFF2-40B4-BE49-F238E27FC236}">
-                <a16:creationId xmlns:a16="http://schemas.microsoft.com/office/drawing/2014/main" id="{06F46847-2236-5E6E-7689-9820B489194E}"/>
+                <a16:creationId xmlns:a16="http://schemas.microsoft.com/office/drawing/2014/main" id="{43BC6B5F-7F8A-88EA-BF29-5A60A4DE4BC1}"/>
               </a:ext>
             </a:extLst>
           </p:cNvPr>
           <p:cNvCxnSpPr>
             <a:cxnSpLocks/>
-            <a:stCxn id="21" idx="2"/>
-            <a:endCxn id="141" idx="0"/>
+            <a:stCxn id="32" idx="2"/>
+            <a:endCxn id="113" idx="0"/>
           </p:cNvCxnSpPr>
           <p:nvPr/>
         </p:nvCxnSpPr>
         <p:spPr>
+          <a:xfrm rot="5400000">
+            <a:off x="19092176" y="7968289"/>
+            <a:ext cx="837493" cy="12700"/>
+          </a:xfrm>
+          <a:prstGeom prst="bentConnector3">
+            <a:avLst>
+              <a:gd name="adj1" fmla="val 50000"/>
+            </a:avLst>
+          </a:prstGeom>
+        </p:spPr>
+        <p:style>
+          <a:lnRef idx="1">
+            <a:schemeClr val="dk1"/>
+          </a:lnRef>
+          <a:fillRef idx="0">
+            <a:schemeClr val="dk1"/>
+          </a:fillRef>
+          <a:effectRef idx="0">
+            <a:schemeClr val="dk1"/>
+          </a:effectRef>
+          <a:fontRef idx="minor">
+            <a:schemeClr val="tx1"/>
+          </a:fontRef>
+        </p:style>
+      </p:cxnSp>
+      <p:sp>
+        <p:nvSpPr>
+          <p:cNvPr id="17" name="직사각형 16">
+            <a:extLst>
+              <a:ext uri="{FF2B5EF4-FFF2-40B4-BE49-F238E27FC236}">
+                <a16:creationId xmlns:a16="http://schemas.microsoft.com/office/drawing/2014/main" id="{23E68FCD-5437-2627-0A21-E3A11BDD2A99}"/>
+              </a:ext>
+            </a:extLst>
+          </p:cNvPr>
+          <p:cNvSpPr/>
+          <p:nvPr/>
+        </p:nvSpPr>
+        <p:spPr>
           <a:xfrm>
-            <a:off x="7478186" y="5110884"/>
-            <a:ext cx="7951" cy="1754254"/>
-          </a:xfrm>
-          <a:prstGeom prst="line">
+            <a:off x="16741367" y="4091477"/>
+            <a:ext cx="1417320" cy="594360"/>
+          </a:xfrm>
+          <a:prstGeom prst="rect">
+            <a:avLst/>
+          </a:prstGeom>
+        </p:spPr>
+        <p:style>
+          <a:lnRef idx="2">
+            <a:schemeClr val="dk1">
+              <a:shade val="15000"/>
+            </a:schemeClr>
+          </a:lnRef>
+          <a:fillRef idx="1">
+            <a:schemeClr val="dk1"/>
+          </a:fillRef>
+          <a:effectRef idx="0">
+            <a:schemeClr val="dk1"/>
+          </a:effectRef>
+          <a:fontRef idx="minor">
+            <a:schemeClr val="lt1"/>
+          </a:fontRef>
+        </p:style>
+        <p:txBody>
+          <a:bodyPr rtlCol="0" anchor="ctr"/>
+          <a:lstStyle/>
+          <a:p>
+            <a:pPr algn="ctr"/>
+            <a:r>
+              <a:rPr kumimoji="1" lang="en-US" altLang="ko-Kore-US" b="1" dirty="0"/>
+              <a:t>Presentation</a:t>
+            </a:r>
+            <a:endParaRPr kumimoji="1" lang="ko-Kore-US" altLang="en-US" b="1" dirty="0"/>
+          </a:p>
+        </p:txBody>
+      </p:sp>
+      <p:sp>
+        <p:nvSpPr>
+          <p:cNvPr id="28" name="직사각형 27">
+            <a:extLst>
+              <a:ext uri="{FF2B5EF4-FFF2-40B4-BE49-F238E27FC236}">
+                <a16:creationId xmlns:a16="http://schemas.microsoft.com/office/drawing/2014/main" id="{E9370EC3-BB5F-C45C-E1E1-A891246F490A}"/>
+              </a:ext>
+            </a:extLst>
+          </p:cNvPr>
+          <p:cNvSpPr/>
+          <p:nvPr/>
+        </p:nvSpPr>
+        <p:spPr>
+          <a:xfrm>
+            <a:off x="14702563" y="5523330"/>
+            <a:ext cx="1417320" cy="594360"/>
+          </a:xfrm>
+          <a:prstGeom prst="rect">
+            <a:avLst/>
+          </a:prstGeom>
+        </p:spPr>
+        <p:style>
+          <a:lnRef idx="2">
+            <a:schemeClr val="dk1">
+              <a:shade val="15000"/>
+            </a:schemeClr>
+          </a:lnRef>
+          <a:fillRef idx="1">
+            <a:schemeClr val="dk1"/>
+          </a:fillRef>
+          <a:effectRef idx="0">
+            <a:schemeClr val="dk1"/>
+          </a:effectRef>
+          <a:fontRef idx="minor">
+            <a:schemeClr val="lt1"/>
+          </a:fontRef>
+        </p:style>
+        <p:txBody>
+          <a:bodyPr rtlCol="0" anchor="ctr"/>
+          <a:lstStyle/>
+          <a:p>
+            <a:pPr algn="ctr"/>
+            <a:r>
+              <a:rPr kumimoji="1" lang="en-US" altLang="ko-Kore-US" b="1" dirty="0"/>
+              <a:t>Feature A</a:t>
+            </a:r>
+            <a:endParaRPr kumimoji="1" lang="ko-Kore-US" altLang="en-US" b="1" dirty="0"/>
+          </a:p>
+        </p:txBody>
+      </p:sp>
+      <p:sp>
+        <p:nvSpPr>
+          <p:cNvPr id="29" name="직사각형 28">
+            <a:extLst>
+              <a:ext uri="{FF2B5EF4-FFF2-40B4-BE49-F238E27FC236}">
+                <a16:creationId xmlns:a16="http://schemas.microsoft.com/office/drawing/2014/main" id="{85418869-F674-C3F5-3C29-9A5C8E4E698B}"/>
+              </a:ext>
+            </a:extLst>
+          </p:cNvPr>
+          <p:cNvSpPr/>
+          <p:nvPr/>
+        </p:nvSpPr>
+        <p:spPr>
+          <a:xfrm>
+            <a:off x="16743269" y="5523330"/>
+            <a:ext cx="1417320" cy="594360"/>
+          </a:xfrm>
+          <a:prstGeom prst="rect">
+            <a:avLst/>
+          </a:prstGeom>
+        </p:spPr>
+        <p:style>
+          <a:lnRef idx="2">
+            <a:schemeClr val="dk1">
+              <a:shade val="15000"/>
+            </a:schemeClr>
+          </a:lnRef>
+          <a:fillRef idx="1">
+            <a:schemeClr val="dk1"/>
+          </a:fillRef>
+          <a:effectRef idx="0">
+            <a:schemeClr val="dk1"/>
+          </a:effectRef>
+          <a:fontRef idx="minor">
+            <a:schemeClr val="lt1"/>
+          </a:fontRef>
+        </p:style>
+        <p:txBody>
+          <a:bodyPr rtlCol="0" anchor="ctr"/>
+          <a:lstStyle/>
+          <a:p>
+            <a:pPr algn="ctr"/>
+            <a:r>
+              <a:rPr kumimoji="1" lang="en-US" altLang="ko-Kore-US" b="1" dirty="0"/>
+              <a:t>Feature B</a:t>
+            </a:r>
+            <a:endParaRPr kumimoji="1" lang="ko-Kore-US" altLang="en-US" b="1" dirty="0"/>
+          </a:p>
+        </p:txBody>
+      </p:sp>
+      <p:sp>
+        <p:nvSpPr>
+          <p:cNvPr id="31" name="직사각형 30">
+            <a:extLst>
+              <a:ext uri="{FF2B5EF4-FFF2-40B4-BE49-F238E27FC236}">
+                <a16:creationId xmlns:a16="http://schemas.microsoft.com/office/drawing/2014/main" id="{E35F81E2-FD1D-F358-2AE1-8476DDE1D785}"/>
+              </a:ext>
+            </a:extLst>
+          </p:cNvPr>
+          <p:cNvSpPr/>
+          <p:nvPr/>
+        </p:nvSpPr>
+        <p:spPr>
+          <a:xfrm>
+            <a:off x="18802262" y="5523330"/>
+            <a:ext cx="1417320" cy="594360"/>
+          </a:xfrm>
+          <a:prstGeom prst="rect">
+            <a:avLst/>
+          </a:prstGeom>
+        </p:spPr>
+        <p:style>
+          <a:lnRef idx="2">
+            <a:schemeClr val="dk1">
+              <a:shade val="15000"/>
+            </a:schemeClr>
+          </a:lnRef>
+          <a:fillRef idx="1">
+            <a:schemeClr val="dk1"/>
+          </a:fillRef>
+          <a:effectRef idx="0">
+            <a:schemeClr val="dk1"/>
+          </a:effectRef>
+          <a:fontRef idx="minor">
+            <a:schemeClr val="lt1"/>
+          </a:fontRef>
+        </p:style>
+        <p:txBody>
+          <a:bodyPr rtlCol="0" anchor="ctr"/>
+          <a:lstStyle/>
+          <a:p>
+            <a:pPr algn="ctr"/>
+            <a:r>
+              <a:rPr lang="en-US" altLang="ko-Kore-US" b="1" dirty="0">
+                <a:solidFill>
+                  <a:schemeClr val="bg1"/>
+                </a:solidFill>
+                <a:latin typeface="Open Sans" panose="020F0502020204030204" pitchFamily="34" charset="0"/>
+              </a:rPr>
+              <a:t>·</a:t>
+            </a:r>
+            <a:r>
+              <a:rPr lang="en-US" altLang="ko-Kore-US" b="1" dirty="0">
+                <a:solidFill>
+                  <a:schemeClr val="bg1"/>
+                </a:solidFill>
+                <a:latin typeface="Open Sans" panose="020B0606030504020204" pitchFamily="34" charset="0"/>
+              </a:rPr>
+              <a:t>··</a:t>
+            </a:r>
+            <a:endParaRPr kumimoji="1" lang="ko-Kore-US" altLang="en-US" b="1" dirty="0">
+              <a:solidFill>
+                <a:schemeClr val="bg1"/>
+              </a:solidFill>
+            </a:endParaRPr>
+          </a:p>
+        </p:txBody>
+      </p:sp>
+      <p:sp>
+        <p:nvSpPr>
+          <p:cNvPr id="32" name="직사각형 31">
+            <a:extLst>
+              <a:ext uri="{FF2B5EF4-FFF2-40B4-BE49-F238E27FC236}">
+                <a16:creationId xmlns:a16="http://schemas.microsoft.com/office/drawing/2014/main" id="{56BA3D88-7933-21CD-059E-039890808633}"/>
+              </a:ext>
+            </a:extLst>
+          </p:cNvPr>
+          <p:cNvSpPr/>
+          <p:nvPr/>
+        </p:nvSpPr>
+        <p:spPr>
+          <a:xfrm>
+            <a:off x="18802262" y="6955183"/>
+            <a:ext cx="1417320" cy="594360"/>
+          </a:xfrm>
+          <a:prstGeom prst="rect">
+            <a:avLst/>
+          </a:prstGeom>
+        </p:spPr>
+        <p:style>
+          <a:lnRef idx="2">
+            <a:schemeClr val="dk1">
+              <a:shade val="15000"/>
+            </a:schemeClr>
+          </a:lnRef>
+          <a:fillRef idx="1">
+            <a:schemeClr val="dk1"/>
+          </a:fillRef>
+          <a:effectRef idx="0">
+            <a:schemeClr val="dk1"/>
+          </a:effectRef>
+          <a:fontRef idx="minor">
+            <a:schemeClr val="lt1"/>
+          </a:fontRef>
+        </p:style>
+        <p:txBody>
+          <a:bodyPr rtlCol="0" anchor="ctr"/>
+          <a:lstStyle/>
+          <a:p>
+            <a:pPr algn="ctr"/>
+            <a:r>
+              <a:rPr kumimoji="1" lang="en-US" altLang="ko-Kore-US" b="1" dirty="0"/>
+              <a:t>UI</a:t>
+            </a:r>
+            <a:endParaRPr kumimoji="1" lang="ko-Kore-US" altLang="en-US" b="1" dirty="0"/>
+          </a:p>
+        </p:txBody>
+      </p:sp>
+      <p:sp>
+        <p:nvSpPr>
+          <p:cNvPr id="33" name="직사각형 32">
+            <a:extLst>
+              <a:ext uri="{FF2B5EF4-FFF2-40B4-BE49-F238E27FC236}">
+                <a16:creationId xmlns:a16="http://schemas.microsoft.com/office/drawing/2014/main" id="{E1E0E67D-A952-ED44-A77A-52C3E67F0905}"/>
+              </a:ext>
+            </a:extLst>
+          </p:cNvPr>
+          <p:cNvSpPr/>
+          <p:nvPr/>
+        </p:nvSpPr>
+        <p:spPr>
+          <a:xfrm>
+            <a:off x="16752413" y="6955183"/>
+            <a:ext cx="1417320" cy="594360"/>
+          </a:xfrm>
+          <a:prstGeom prst="rect">
+            <a:avLst/>
+          </a:prstGeom>
+        </p:spPr>
+        <p:style>
+          <a:lnRef idx="2">
+            <a:schemeClr val="dk1">
+              <a:shade val="15000"/>
+            </a:schemeClr>
+          </a:lnRef>
+          <a:fillRef idx="1">
+            <a:schemeClr val="dk1"/>
+          </a:fillRef>
+          <a:effectRef idx="0">
+            <a:schemeClr val="dk1"/>
+          </a:effectRef>
+          <a:fontRef idx="minor">
+            <a:schemeClr val="lt1"/>
+          </a:fontRef>
+        </p:style>
+        <p:txBody>
+          <a:bodyPr rtlCol="0" anchor="ctr"/>
+          <a:lstStyle/>
+          <a:p>
+            <a:pPr algn="ctr"/>
+            <a:r>
+              <a:rPr kumimoji="1" lang="en-US" altLang="ko-Kore-US" b="1" dirty="0"/>
+              <a:t>ViewModel</a:t>
+            </a:r>
+          </a:p>
+        </p:txBody>
+      </p:sp>
+      <p:sp>
+        <p:nvSpPr>
+          <p:cNvPr id="34" name="직사각형 33">
+            <a:extLst>
+              <a:ext uri="{FF2B5EF4-FFF2-40B4-BE49-F238E27FC236}">
+                <a16:creationId xmlns:a16="http://schemas.microsoft.com/office/drawing/2014/main" id="{E6626FBA-F1F1-A59F-C65A-0E485DF763BA}"/>
+              </a:ext>
+            </a:extLst>
+          </p:cNvPr>
+          <p:cNvSpPr/>
+          <p:nvPr/>
+        </p:nvSpPr>
+        <p:spPr>
+          <a:xfrm>
+            <a:off x="14702563" y="6955183"/>
+            <a:ext cx="1417320" cy="594360"/>
+          </a:xfrm>
+          <a:prstGeom prst="rect">
+            <a:avLst/>
+          </a:prstGeom>
+        </p:spPr>
+        <p:style>
+          <a:lnRef idx="2">
+            <a:schemeClr val="dk1">
+              <a:shade val="15000"/>
+            </a:schemeClr>
+          </a:lnRef>
+          <a:fillRef idx="1">
+            <a:schemeClr val="dk1"/>
+          </a:fillRef>
+          <a:effectRef idx="0">
+            <a:schemeClr val="dk1"/>
+          </a:effectRef>
+          <a:fontRef idx="minor">
+            <a:schemeClr val="lt1"/>
+          </a:fontRef>
+        </p:style>
+        <p:txBody>
+          <a:bodyPr rtlCol="0" anchor="ctr"/>
+          <a:lstStyle/>
+          <a:p>
+            <a:pPr algn="ctr"/>
+            <a:r>
+              <a:rPr kumimoji="1" lang="en-US" altLang="ko-Kore-US" b="1" dirty="0"/>
+              <a:t>Model</a:t>
+            </a:r>
+            <a:endParaRPr kumimoji="1" lang="ko-Kore-US" altLang="en-US" b="1" dirty="0"/>
+          </a:p>
+        </p:txBody>
+      </p:sp>
+      <p:sp>
+        <p:nvSpPr>
+          <p:cNvPr id="113" name="직사각형 112">
+            <a:extLst>
+              <a:ext uri="{FF2B5EF4-FFF2-40B4-BE49-F238E27FC236}">
+                <a16:creationId xmlns:a16="http://schemas.microsoft.com/office/drawing/2014/main" id="{97775401-12FD-8746-2FB6-87048F406CCF}"/>
+              </a:ext>
+            </a:extLst>
+          </p:cNvPr>
+          <p:cNvSpPr/>
+          <p:nvPr/>
+        </p:nvSpPr>
+        <p:spPr>
+          <a:xfrm>
+            <a:off x="18802262" y="8387036"/>
+            <a:ext cx="1417320" cy="594360"/>
+          </a:xfrm>
+          <a:prstGeom prst="rect">
+            <a:avLst/>
+          </a:prstGeom>
+        </p:spPr>
+        <p:style>
+          <a:lnRef idx="2">
+            <a:schemeClr val="dk1">
+              <a:shade val="15000"/>
+            </a:schemeClr>
+          </a:lnRef>
+          <a:fillRef idx="1">
+            <a:schemeClr val="dk1"/>
+          </a:fillRef>
+          <a:effectRef idx="0">
+            <a:schemeClr val="dk1"/>
+          </a:effectRef>
+          <a:fontRef idx="minor">
+            <a:schemeClr val="lt1"/>
+          </a:fontRef>
+        </p:style>
+        <p:txBody>
+          <a:bodyPr rtlCol="0" anchor="ctr"/>
+          <a:lstStyle/>
+          <a:p>
+            <a:pPr algn="ctr"/>
+            <a:r>
+              <a:rPr kumimoji="1" lang="en-US" altLang="ko-Kore-US" b="1" dirty="0"/>
+              <a:t>Composable</a:t>
+            </a:r>
+          </a:p>
+          <a:p>
+            <a:pPr algn="ctr"/>
+            <a:r>
+              <a:rPr kumimoji="1" lang="en-US" altLang="ko-Kore-US" b="1" dirty="0"/>
+              <a:t>Screen</a:t>
+            </a:r>
+          </a:p>
+        </p:txBody>
+      </p:sp>
+      <p:sp>
+        <p:nvSpPr>
+          <p:cNvPr id="121" name="직사각형 120">
+            <a:extLst>
+              <a:ext uri="{FF2B5EF4-FFF2-40B4-BE49-F238E27FC236}">
+                <a16:creationId xmlns:a16="http://schemas.microsoft.com/office/drawing/2014/main" id="{41F50E6C-0185-151F-16A1-545A7C9A9F3F}"/>
+              </a:ext>
+            </a:extLst>
+          </p:cNvPr>
+          <p:cNvSpPr/>
+          <p:nvPr/>
+        </p:nvSpPr>
+        <p:spPr>
+          <a:xfrm>
+            <a:off x="16752413" y="8387036"/>
+            <a:ext cx="1417320" cy="594360"/>
+          </a:xfrm>
+          <a:prstGeom prst="rect">
+            <a:avLst/>
+          </a:prstGeom>
+        </p:spPr>
+        <p:style>
+          <a:lnRef idx="2">
+            <a:schemeClr val="dk1">
+              <a:shade val="15000"/>
+            </a:schemeClr>
+          </a:lnRef>
+          <a:fillRef idx="1">
+            <a:schemeClr val="dk1"/>
+          </a:fillRef>
+          <a:effectRef idx="0">
+            <a:schemeClr val="dk1"/>
+          </a:effectRef>
+          <a:fontRef idx="minor">
+            <a:schemeClr val="lt1"/>
+          </a:fontRef>
+        </p:style>
+        <p:txBody>
+          <a:bodyPr rtlCol="0" anchor="ctr"/>
+          <a:lstStyle/>
+          <a:p>
+            <a:pPr algn="ctr"/>
+            <a:r>
+              <a:rPr kumimoji="1" lang="en-US" altLang="ko-Kore-US" b="1" dirty="0"/>
+              <a:t>Side Effect</a:t>
+            </a:r>
+            <a:endParaRPr kumimoji="1" lang="ko-Kore-US" altLang="en-US" b="1" dirty="0"/>
+          </a:p>
+        </p:txBody>
+      </p:sp>
+      <p:sp>
+        <p:nvSpPr>
+          <p:cNvPr id="122" name="직사각형 121">
+            <a:extLst>
+              <a:ext uri="{FF2B5EF4-FFF2-40B4-BE49-F238E27FC236}">
+                <a16:creationId xmlns:a16="http://schemas.microsoft.com/office/drawing/2014/main" id="{F83383DA-151E-9E77-97E1-94A2821F984D}"/>
+              </a:ext>
+            </a:extLst>
+          </p:cNvPr>
+          <p:cNvSpPr/>
+          <p:nvPr/>
+        </p:nvSpPr>
+        <p:spPr>
+          <a:xfrm>
+            <a:off x="14711707" y="8387036"/>
+            <a:ext cx="1417320" cy="594360"/>
+          </a:xfrm>
+          <a:prstGeom prst="rect">
+            <a:avLst/>
+          </a:prstGeom>
+        </p:spPr>
+        <p:style>
+          <a:lnRef idx="2">
+            <a:schemeClr val="dk1">
+              <a:shade val="15000"/>
+            </a:schemeClr>
+          </a:lnRef>
+          <a:fillRef idx="1">
+            <a:schemeClr val="dk1"/>
+          </a:fillRef>
+          <a:effectRef idx="0">
+            <a:schemeClr val="dk1"/>
+          </a:effectRef>
+          <a:fontRef idx="minor">
+            <a:schemeClr val="lt1"/>
+          </a:fontRef>
+        </p:style>
+        <p:txBody>
+          <a:bodyPr rtlCol="0" anchor="ctr"/>
+          <a:lstStyle/>
+          <a:p>
+            <a:pPr algn="ctr"/>
+            <a:r>
+              <a:rPr kumimoji="1" lang="en-US" altLang="ko-Kore-US" b="1" dirty="0"/>
+              <a:t>State</a:t>
+            </a:r>
+            <a:endParaRPr kumimoji="1" lang="ko-Kore-US" altLang="en-US" b="1" dirty="0"/>
+          </a:p>
+        </p:txBody>
+      </p:sp>
+      <p:cxnSp>
+        <p:nvCxnSpPr>
+          <p:cNvPr id="124" name="꺾인 연결선[E] 123">
+            <a:extLst>
+              <a:ext uri="{FF2B5EF4-FFF2-40B4-BE49-F238E27FC236}">
+                <a16:creationId xmlns:a16="http://schemas.microsoft.com/office/drawing/2014/main" id="{B90FECF0-10D6-2C5D-0EBD-53A84263724A}"/>
+              </a:ext>
+            </a:extLst>
+          </p:cNvPr>
+          <p:cNvCxnSpPr>
+            <a:stCxn id="34" idx="2"/>
+            <a:endCxn id="122" idx="0"/>
+          </p:cNvCxnSpPr>
+          <p:nvPr/>
+        </p:nvCxnSpPr>
+        <p:spPr>
+          <a:xfrm rot="16200000" flipH="1">
+            <a:off x="14997049" y="7963717"/>
+            <a:ext cx="837493" cy="9144"/>
+          </a:xfrm>
+          <a:prstGeom prst="bentConnector3">
             <a:avLst/>
           </a:prstGeom>
         </p:spPr>
@@ -4166,24 +5526,23 @@
       </p:cxnSp>
       <p:cxnSp>
         <p:nvCxnSpPr>
-          <p:cNvPr id="81" name="꺾인 연결선[E] 80">
+          <p:cNvPr id="126" name="꺾인 연결선[E] 125">
             <a:extLst>
               <a:ext uri="{FF2B5EF4-FFF2-40B4-BE49-F238E27FC236}">
-                <a16:creationId xmlns:a16="http://schemas.microsoft.com/office/drawing/2014/main" id="{621B4B6B-FCB4-8CAA-7772-E6ED67154E79}"/>
+                <a16:creationId xmlns:a16="http://schemas.microsoft.com/office/drawing/2014/main" id="{47DC75F6-AAE8-0FC7-39D4-C65FD6E8C8FE}"/>
               </a:ext>
             </a:extLst>
           </p:cNvPr>
           <p:cNvCxnSpPr>
-            <a:cxnSpLocks/>
-            <a:stCxn id="21" idx="2"/>
-            <a:endCxn id="22" idx="0"/>
+            <a:stCxn id="34" idx="2"/>
+            <a:endCxn id="121" idx="0"/>
           </p:cNvCxnSpPr>
           <p:nvPr/>
         </p:nvCxnSpPr>
         <p:spPr>
-          <a:xfrm rot="5400000">
-            <a:off x="5864129" y="5251085"/>
-            <a:ext cx="1754258" cy="1473857"/>
+          <a:xfrm rot="16200000" flipH="1">
+            <a:off x="16017402" y="6943364"/>
+            <a:ext cx="837493" cy="2049850"/>
           </a:xfrm>
           <a:prstGeom prst="bentConnector3">
             <a:avLst/>
@@ -4204,71 +5563,177 @@
           </a:fontRef>
         </p:style>
       </p:cxnSp>
-      <p:cxnSp>
-        <p:nvCxnSpPr>
-          <p:cNvPr id="82" name="꺾인 연결선[E] 81">
+      <p:sp>
+        <p:nvSpPr>
+          <p:cNvPr id="146" name="TextBox 145">
             <a:extLst>
               <a:ext uri="{FF2B5EF4-FFF2-40B4-BE49-F238E27FC236}">
-                <a16:creationId xmlns:a16="http://schemas.microsoft.com/office/drawing/2014/main" id="{DCBF0A3C-3EBD-54D5-1EB5-1D5A95C8289B}"/>
+                <a16:creationId xmlns:a16="http://schemas.microsoft.com/office/drawing/2014/main" id="{75C3E808-FD27-4B5A-9928-214CAC003A81}"/>
               </a:ext>
             </a:extLst>
           </p:cNvPr>
-          <p:cNvCxnSpPr>
-            <a:cxnSpLocks/>
-            <a:stCxn id="21" idx="2"/>
-            <a:endCxn id="24" idx="0"/>
-          </p:cNvCxnSpPr>
+          <p:cNvSpPr txBox="1"/>
           <p:nvPr/>
-        </p:nvCxnSpPr>
-        <p:spPr>
-          <a:xfrm rot="16200000" flipH="1">
-            <a:off x="7345273" y="5243796"/>
-            <a:ext cx="1754258" cy="1488433"/>
-          </a:xfrm>
-          <a:prstGeom prst="bentConnector3">
-            <a:avLst>
-              <a:gd name="adj1" fmla="val 50000"/>
-            </a:avLst>
+        </p:nvSpPr>
+        <p:spPr>
+          <a:xfrm>
+            <a:off x="18636374" y="9065486"/>
+            <a:ext cx="1479829" cy="307777"/>
+          </a:xfrm>
+          <a:prstGeom prst="rect">
+            <a:avLst/>
           </a:prstGeom>
+          <a:noFill/>
+        </p:spPr>
+        <p:txBody>
+          <a:bodyPr wrap="none" rtlCol="0">
+            <a:spAutoFit/>
+          </a:bodyPr>
+          <a:lstStyle/>
+          <a:p>
+            <a:r>
+              <a:rPr kumimoji="1" lang="en-US" altLang="ko-Kore-US" sz="1400" b="1" dirty="0">
+                <a:solidFill>
+                  <a:schemeClr val="accent6">
+                    <a:lumMod val="75000"/>
+                  </a:schemeClr>
+                </a:solidFill>
+              </a:rPr>
+              <a:t>MVI Components</a:t>
+            </a:r>
+            <a:endParaRPr kumimoji="1" lang="ko-Kore-US" altLang="en-US" sz="1400" b="1" dirty="0">
+              <a:solidFill>
+                <a:schemeClr val="accent6">
+                  <a:lumMod val="75000"/>
+                </a:schemeClr>
+              </a:solidFill>
+            </a:endParaRPr>
+          </a:p>
+        </p:txBody>
+      </p:sp>
+      <p:sp>
+        <p:nvSpPr>
+          <p:cNvPr id="147" name="직사각형 146">
+            <a:extLst>
+              <a:ext uri="{FF2B5EF4-FFF2-40B4-BE49-F238E27FC236}">
+                <a16:creationId xmlns:a16="http://schemas.microsoft.com/office/drawing/2014/main" id="{265C5A7B-0299-A4B8-E889-0C01D8928A46}"/>
+              </a:ext>
+            </a:extLst>
+          </p:cNvPr>
+          <p:cNvSpPr/>
+          <p:nvPr/>
+        </p:nvSpPr>
+        <p:spPr>
+          <a:xfrm>
+            <a:off x="12765692" y="7760830"/>
+            <a:ext cx="1417320" cy="594360"/>
+          </a:xfrm>
+          <a:prstGeom prst="rect">
+            <a:avLst/>
+          </a:prstGeom>
         </p:spPr>
         <p:style>
-          <a:lnRef idx="1">
-            <a:schemeClr val="dk1"/>
+          <a:lnRef idx="2">
+            <a:schemeClr val="dk1">
+              <a:shade val="15000"/>
+            </a:schemeClr>
           </a:lnRef>
-          <a:fillRef idx="0">
+          <a:fillRef idx="1">
             <a:schemeClr val="dk1"/>
           </a:fillRef>
           <a:effectRef idx="0">
             <a:schemeClr val="dk1"/>
           </a:effectRef>
           <a:fontRef idx="minor">
-            <a:schemeClr val="tx1"/>
+            <a:schemeClr val="lt1"/>
           </a:fontRef>
         </p:style>
-      </p:cxnSp>
+        <p:txBody>
+          <a:bodyPr rtlCol="0" anchor="ctr"/>
+          <a:lstStyle/>
+          <a:p>
+            <a:pPr algn="ctr"/>
+            <a:r>
+              <a:rPr kumimoji="1" lang="en-US" altLang="ko-Kore-US" b="1" dirty="0"/>
+              <a:t>Use Case</a:t>
+            </a:r>
+            <a:endParaRPr kumimoji="1" lang="ko-Kore-US" altLang="en-US" b="1" dirty="0"/>
+          </a:p>
+        </p:txBody>
+      </p:sp>
+      <p:sp>
+        <p:nvSpPr>
+          <p:cNvPr id="157" name="TextBox 156">
+            <a:extLst>
+              <a:ext uri="{FF2B5EF4-FFF2-40B4-BE49-F238E27FC236}">
+                <a16:creationId xmlns:a16="http://schemas.microsoft.com/office/drawing/2014/main" id="{6E2A392D-47DD-5758-5506-0FCE518F73EA}"/>
+              </a:ext>
+            </a:extLst>
+          </p:cNvPr>
+          <p:cNvSpPr txBox="1"/>
+          <p:nvPr/>
+        </p:nvSpPr>
+        <p:spPr>
+          <a:xfrm>
+            <a:off x="17223226" y="10012275"/>
+            <a:ext cx="2545505" cy="307777"/>
+          </a:xfrm>
+          <a:prstGeom prst="rect">
+            <a:avLst/>
+          </a:prstGeom>
+          <a:noFill/>
+        </p:spPr>
+        <p:txBody>
+          <a:bodyPr wrap="none" rtlCol="0">
+            <a:spAutoFit/>
+          </a:bodyPr>
+          <a:lstStyle/>
+          <a:p>
+            <a:r>
+              <a:rPr kumimoji="1" lang="en-US" altLang="ko-Kore-US" sz="1400" b="1" dirty="0">
+                <a:solidFill>
+                  <a:schemeClr val="bg1">
+                    <a:lumMod val="50000"/>
+                  </a:schemeClr>
+                </a:solidFill>
+              </a:rPr>
+              <a:t>Clean Architecture Components</a:t>
+            </a:r>
+            <a:endParaRPr kumimoji="1" lang="ko-Kore-US" altLang="en-US" sz="1400" b="1" dirty="0">
+              <a:solidFill>
+                <a:schemeClr val="bg1">
+                  <a:lumMod val="50000"/>
+                </a:schemeClr>
+              </a:solidFill>
+            </a:endParaRPr>
+          </a:p>
+        </p:txBody>
+      </p:sp>
       <p:cxnSp>
         <p:nvCxnSpPr>
-          <p:cNvPr id="86" name="직선 연결선[R] 85">
+          <p:cNvPr id="89" name="꺾인 연결선[E] 88">
             <a:extLst>
               <a:ext uri="{FF2B5EF4-FFF2-40B4-BE49-F238E27FC236}">
-                <a16:creationId xmlns:a16="http://schemas.microsoft.com/office/drawing/2014/main" id="{5DF57887-74E1-9B2A-D832-C5AA9C95EBFA}"/>
+                <a16:creationId xmlns:a16="http://schemas.microsoft.com/office/drawing/2014/main" id="{942E890D-B76B-2D5A-B4BC-30C372D721B9}"/>
               </a:ext>
             </a:extLst>
           </p:cNvPr>
           <p:cNvCxnSpPr>
             <a:cxnSpLocks/>
             <a:stCxn id="9" idx="2"/>
-            <a:endCxn id="20" idx="0"/>
+            <a:endCxn id="17" idx="0"/>
           </p:cNvCxnSpPr>
           <p:nvPr/>
         </p:nvCxnSpPr>
         <p:spPr>
-          <a:xfrm flipH="1">
-            <a:off x="11842063" y="3452561"/>
-            <a:ext cx="1483" cy="2156969"/>
-          </a:xfrm>
-          <a:prstGeom prst="line">
-            <a:avLst/>
+          <a:xfrm rot="16200000" flipH="1">
+            <a:off x="14343327" y="984777"/>
+            <a:ext cx="628680" cy="5584720"/>
+          </a:xfrm>
+          <a:prstGeom prst="bentConnector3">
+            <a:avLst>
+              <a:gd name="adj1" fmla="val 50000"/>
+            </a:avLst>
           </a:prstGeom>
         </p:spPr>
         <p:style>
@@ -4304,8 +5769,8 @@
         </p:nvCxnSpPr>
         <p:spPr>
           <a:xfrm rot="5400000">
-            <a:off x="8991874" y="1938873"/>
-            <a:ext cx="1337985" cy="4365360"/>
+            <a:off x="8859345" y="1713637"/>
+            <a:ext cx="1256803" cy="4755123"/>
           </a:xfrm>
           <a:prstGeom prst="bentConnector3">
             <a:avLst/>
@@ -4326,1031 +5791,6 @@
           </a:fontRef>
         </p:style>
       </p:cxnSp>
-      <p:cxnSp>
-        <p:nvCxnSpPr>
-          <p:cNvPr id="89" name="꺾인 연결선[E] 88">
-            <a:extLst>
-              <a:ext uri="{FF2B5EF4-FFF2-40B4-BE49-F238E27FC236}">
-                <a16:creationId xmlns:a16="http://schemas.microsoft.com/office/drawing/2014/main" id="{942E890D-B76B-2D5A-B4BC-30C372D721B9}"/>
-              </a:ext>
-            </a:extLst>
-          </p:cNvPr>
-          <p:cNvCxnSpPr>
-            <a:cxnSpLocks/>
-            <a:stCxn id="9" idx="2"/>
-            <a:endCxn id="17" idx="0"/>
-          </p:cNvCxnSpPr>
-          <p:nvPr/>
-        </p:nvCxnSpPr>
-        <p:spPr>
-          <a:xfrm rot="16200000" flipH="1">
-            <a:off x="13335534" y="1960572"/>
-            <a:ext cx="1337985" cy="4321961"/>
-          </a:xfrm>
-          <a:prstGeom prst="bentConnector3">
-            <a:avLst>
-              <a:gd name="adj1" fmla="val 50000"/>
-            </a:avLst>
-          </a:prstGeom>
-        </p:spPr>
-        <p:style>
-          <a:lnRef idx="1">
-            <a:schemeClr val="dk1"/>
-          </a:lnRef>
-          <a:fillRef idx="0">
-            <a:schemeClr val="dk1"/>
-          </a:fillRef>
-          <a:effectRef idx="0">
-            <a:schemeClr val="dk1"/>
-          </a:effectRef>
-          <a:fontRef idx="minor">
-            <a:schemeClr val="tx1"/>
-          </a:fontRef>
-        </p:style>
-      </p:cxnSp>
-      <p:sp>
-        <p:nvSpPr>
-          <p:cNvPr id="95" name="직사각형 94">
-            <a:extLst>
-              <a:ext uri="{FF2B5EF4-FFF2-40B4-BE49-F238E27FC236}">
-                <a16:creationId xmlns:a16="http://schemas.microsoft.com/office/drawing/2014/main" id="{7069798D-9E5A-2895-DB61-2D4963E079F3}"/>
-              </a:ext>
-            </a:extLst>
-          </p:cNvPr>
-          <p:cNvSpPr/>
-          <p:nvPr/>
-        </p:nvSpPr>
-        <p:spPr>
-          <a:xfrm>
-            <a:off x="4113388" y="8819840"/>
-            <a:ext cx="931079" cy="320338"/>
-          </a:xfrm>
-          <a:prstGeom prst="rect">
-            <a:avLst/>
-          </a:prstGeom>
-        </p:spPr>
-        <p:style>
-          <a:lnRef idx="2">
-            <a:schemeClr val="dk1">
-              <a:shade val="15000"/>
-            </a:schemeClr>
-          </a:lnRef>
-          <a:fillRef idx="1">
-            <a:schemeClr val="dk1"/>
-          </a:fillRef>
-          <a:effectRef idx="0">
-            <a:schemeClr val="dk1"/>
-          </a:effectRef>
-          <a:fontRef idx="minor">
-            <a:schemeClr val="lt1"/>
-          </a:fontRef>
-        </p:style>
-        <p:txBody>
-          <a:bodyPr rtlCol="0" anchor="ctr"/>
-          <a:lstStyle/>
-          <a:p>
-            <a:pPr algn="ctr"/>
-            <a:r>
-              <a:rPr kumimoji="1" lang="en-US" altLang="ko-Kore-US" sz="1000" b="1" dirty="0"/>
-              <a:t>Data</a:t>
-            </a:r>
-          </a:p>
-          <a:p>
-            <a:pPr algn="ctr"/>
-            <a:r>
-              <a:rPr kumimoji="1" lang="en-US" altLang="ko-Kore-US" sz="1000" b="1" dirty="0"/>
-              <a:t>Source</a:t>
-            </a:r>
-            <a:endParaRPr kumimoji="1" lang="ko-Kore-US" altLang="en-US" sz="1000" b="1" dirty="0"/>
-          </a:p>
-        </p:txBody>
-      </p:sp>
-      <p:sp>
-        <p:nvSpPr>
-          <p:cNvPr id="96" name="직사각형 95">
-            <a:extLst>
-              <a:ext uri="{FF2B5EF4-FFF2-40B4-BE49-F238E27FC236}">
-                <a16:creationId xmlns:a16="http://schemas.microsoft.com/office/drawing/2014/main" id="{18B03336-5D11-7B3D-0918-61C7B9722460}"/>
-              </a:ext>
-            </a:extLst>
-          </p:cNvPr>
-          <p:cNvSpPr/>
-          <p:nvPr/>
-        </p:nvSpPr>
-        <p:spPr>
-          <a:xfrm>
-            <a:off x="7019934" y="8819840"/>
-            <a:ext cx="931079" cy="320338"/>
-          </a:xfrm>
-          <a:prstGeom prst="rect">
-            <a:avLst/>
-          </a:prstGeom>
-        </p:spPr>
-        <p:style>
-          <a:lnRef idx="2">
-            <a:schemeClr val="dk1">
-              <a:shade val="15000"/>
-            </a:schemeClr>
-          </a:lnRef>
-          <a:fillRef idx="1">
-            <a:schemeClr val="dk1"/>
-          </a:fillRef>
-          <a:effectRef idx="0">
-            <a:schemeClr val="dk1"/>
-          </a:effectRef>
-          <a:fontRef idx="minor">
-            <a:schemeClr val="lt1"/>
-          </a:fontRef>
-        </p:style>
-        <p:txBody>
-          <a:bodyPr rtlCol="0" anchor="ctr"/>
-          <a:lstStyle/>
-          <a:p>
-            <a:pPr algn="ctr"/>
-            <a:r>
-              <a:rPr lang="en-US" altLang="ko-Kore-US" sz="1000" b="1" dirty="0">
-                <a:solidFill>
-                  <a:schemeClr val="bg1"/>
-                </a:solidFill>
-                <a:latin typeface="Open Sans" panose="020F0502020204030204" pitchFamily="34" charset="0"/>
-              </a:rPr>
-              <a:t>·</a:t>
-            </a:r>
-            <a:r>
-              <a:rPr lang="en-US" altLang="ko-Kore-US" sz="1000" b="1" dirty="0">
-                <a:solidFill>
-                  <a:schemeClr val="bg1"/>
-                </a:solidFill>
-                <a:latin typeface="Open Sans" panose="020B0606030504020204" pitchFamily="34" charset="0"/>
-              </a:rPr>
-              <a:t>··</a:t>
-            </a:r>
-            <a:endParaRPr kumimoji="1" lang="ko-Kore-US" altLang="en-US" sz="1000" b="1" dirty="0">
-              <a:solidFill>
-                <a:schemeClr val="bg1"/>
-              </a:solidFill>
-            </a:endParaRPr>
-          </a:p>
-        </p:txBody>
-      </p:sp>
-      <p:cxnSp>
-        <p:nvCxnSpPr>
-          <p:cNvPr id="101" name="꺾인 연결선[E] 100">
-            <a:extLst>
-              <a:ext uri="{FF2B5EF4-FFF2-40B4-BE49-F238E27FC236}">
-                <a16:creationId xmlns:a16="http://schemas.microsoft.com/office/drawing/2014/main" id="{E2266404-A0C7-69EB-36E9-4DA9A15AA6EB}"/>
-              </a:ext>
-            </a:extLst>
-          </p:cNvPr>
-          <p:cNvCxnSpPr>
-            <a:stCxn id="22" idx="2"/>
-            <a:endCxn id="96" idx="0"/>
-          </p:cNvCxnSpPr>
-          <p:nvPr/>
-        </p:nvCxnSpPr>
-        <p:spPr>
-          <a:xfrm rot="16200000" flipH="1">
-            <a:off x="5927721" y="7262087"/>
-            <a:ext cx="1634360" cy="1481145"/>
-          </a:xfrm>
-          <a:prstGeom prst="bentConnector3">
-            <a:avLst/>
-          </a:prstGeom>
-        </p:spPr>
-        <p:style>
-          <a:lnRef idx="1">
-            <a:schemeClr val="dk1"/>
-          </a:lnRef>
-          <a:fillRef idx="0">
-            <a:schemeClr val="dk1"/>
-          </a:fillRef>
-          <a:effectRef idx="0">
-            <a:schemeClr val="dk1"/>
-          </a:effectRef>
-          <a:fontRef idx="minor">
-            <a:schemeClr val="tx1"/>
-          </a:fontRef>
-        </p:style>
-      </p:cxnSp>
-      <p:cxnSp>
-        <p:nvCxnSpPr>
-          <p:cNvPr id="107" name="꺾인 연결선[E] 106">
-            <a:extLst>
-              <a:ext uri="{FF2B5EF4-FFF2-40B4-BE49-F238E27FC236}">
-                <a16:creationId xmlns:a16="http://schemas.microsoft.com/office/drawing/2014/main" id="{829862C3-75CE-835D-6230-2B2FA21D6502}"/>
-              </a:ext>
-            </a:extLst>
-          </p:cNvPr>
-          <p:cNvCxnSpPr>
-            <a:stCxn id="22" idx="2"/>
-            <a:endCxn id="95" idx="0"/>
-          </p:cNvCxnSpPr>
-          <p:nvPr/>
-        </p:nvCxnSpPr>
-        <p:spPr>
-          <a:xfrm rot="5400000">
-            <a:off x="4474449" y="7289960"/>
-            <a:ext cx="1634360" cy="1425401"/>
-          </a:xfrm>
-          <a:prstGeom prst="bentConnector3">
-            <a:avLst/>
-          </a:prstGeom>
-        </p:spPr>
-        <p:style>
-          <a:lnRef idx="1">
-            <a:schemeClr val="dk1"/>
-          </a:lnRef>
-          <a:fillRef idx="0">
-            <a:schemeClr val="dk1"/>
-          </a:fillRef>
-          <a:effectRef idx="0">
-            <a:schemeClr val="dk1"/>
-          </a:effectRef>
-          <a:fontRef idx="minor">
-            <a:schemeClr val="tx1"/>
-          </a:fontRef>
-        </p:style>
-      </p:cxnSp>
-      <p:sp>
-        <p:nvSpPr>
-          <p:cNvPr id="108" name="직사각형 107">
-            <a:extLst>
-              <a:ext uri="{FF2B5EF4-FFF2-40B4-BE49-F238E27FC236}">
-                <a16:creationId xmlns:a16="http://schemas.microsoft.com/office/drawing/2014/main" id="{36EB5AB3-2B65-A1FC-AD49-FC668BDA7242}"/>
-              </a:ext>
-            </a:extLst>
-          </p:cNvPr>
-          <p:cNvSpPr/>
-          <p:nvPr/>
-        </p:nvSpPr>
-        <p:spPr>
-          <a:xfrm>
-            <a:off x="5540693" y="8819834"/>
-            <a:ext cx="931079" cy="320338"/>
-          </a:xfrm>
-          <a:prstGeom prst="rect">
-            <a:avLst/>
-          </a:prstGeom>
-        </p:spPr>
-        <p:style>
-          <a:lnRef idx="2">
-            <a:schemeClr val="dk1">
-              <a:shade val="15000"/>
-            </a:schemeClr>
-          </a:lnRef>
-          <a:fillRef idx="1">
-            <a:schemeClr val="dk1"/>
-          </a:fillRef>
-          <a:effectRef idx="0">
-            <a:schemeClr val="dk1"/>
-          </a:effectRef>
-          <a:fontRef idx="minor">
-            <a:schemeClr val="lt1"/>
-          </a:fontRef>
-        </p:style>
-        <p:txBody>
-          <a:bodyPr rtlCol="0" anchor="ctr"/>
-          <a:lstStyle/>
-          <a:p>
-            <a:pPr algn="ctr"/>
-            <a:r>
-              <a:rPr kumimoji="1" lang="en-US" altLang="ko-Kore-US" sz="1000" b="1" dirty="0"/>
-              <a:t>Entity</a:t>
-            </a:r>
-            <a:endParaRPr kumimoji="1" lang="ko-Kore-US" altLang="en-US" sz="1000" b="1" dirty="0"/>
-          </a:p>
-        </p:txBody>
-      </p:sp>
-      <p:cxnSp>
-        <p:nvCxnSpPr>
-          <p:cNvPr id="111" name="직선 연결선[R] 110">
-            <a:extLst>
-              <a:ext uri="{FF2B5EF4-FFF2-40B4-BE49-F238E27FC236}">
-                <a16:creationId xmlns:a16="http://schemas.microsoft.com/office/drawing/2014/main" id="{6018CC99-D7D2-AEE8-12CA-8677F142F6F4}"/>
-              </a:ext>
-            </a:extLst>
-          </p:cNvPr>
-          <p:cNvCxnSpPr>
-            <a:cxnSpLocks/>
-            <a:stCxn id="22" idx="2"/>
-            <a:endCxn id="108" idx="0"/>
-          </p:cNvCxnSpPr>
-          <p:nvPr/>
-        </p:nvCxnSpPr>
-        <p:spPr>
-          <a:xfrm>
-            <a:off x="6004329" y="7185480"/>
-            <a:ext cx="1904" cy="1634354"/>
-          </a:xfrm>
-          <a:prstGeom prst="line">
-            <a:avLst/>
-          </a:prstGeom>
-        </p:spPr>
-        <p:style>
-          <a:lnRef idx="1">
-            <a:schemeClr val="dk1"/>
-          </a:lnRef>
-          <a:fillRef idx="0">
-            <a:schemeClr val="dk1"/>
-          </a:fillRef>
-          <a:effectRef idx="0">
-            <a:schemeClr val="dk1"/>
-          </a:effectRef>
-          <a:fontRef idx="minor">
-            <a:schemeClr val="tx1"/>
-          </a:fontRef>
-        </p:style>
-      </p:cxnSp>
-      <p:sp>
-        <p:nvSpPr>
-          <p:cNvPr id="113" name="직사각형 112">
-            <a:extLst>
-              <a:ext uri="{FF2B5EF4-FFF2-40B4-BE49-F238E27FC236}">
-                <a16:creationId xmlns:a16="http://schemas.microsoft.com/office/drawing/2014/main" id="{97775401-12FD-8746-2FB6-87048F406CCF}"/>
-              </a:ext>
-            </a:extLst>
-          </p:cNvPr>
-          <p:cNvSpPr/>
-          <p:nvPr/>
-        </p:nvSpPr>
-        <p:spPr>
-          <a:xfrm>
-            <a:off x="17168952" y="9041713"/>
-            <a:ext cx="931079" cy="320338"/>
-          </a:xfrm>
-          <a:prstGeom prst="rect">
-            <a:avLst/>
-          </a:prstGeom>
-        </p:spPr>
-        <p:style>
-          <a:lnRef idx="2">
-            <a:schemeClr val="dk1">
-              <a:shade val="15000"/>
-            </a:schemeClr>
-          </a:lnRef>
-          <a:fillRef idx="1">
-            <a:schemeClr val="dk1"/>
-          </a:fillRef>
-          <a:effectRef idx="0">
-            <a:schemeClr val="dk1"/>
-          </a:effectRef>
-          <a:fontRef idx="minor">
-            <a:schemeClr val="lt1"/>
-          </a:fontRef>
-        </p:style>
-        <p:txBody>
-          <a:bodyPr rtlCol="0" anchor="ctr"/>
-          <a:lstStyle/>
-          <a:p>
-            <a:pPr algn="ctr"/>
-            <a:r>
-              <a:rPr kumimoji="1" lang="en-US" altLang="ko-Kore-US" sz="1000" b="1" dirty="0"/>
-              <a:t>Composable</a:t>
-            </a:r>
-          </a:p>
-          <a:p>
-            <a:pPr algn="ctr"/>
-            <a:r>
-              <a:rPr kumimoji="1" lang="en-US" altLang="ko-Kore-US" sz="1000" b="1" dirty="0"/>
-              <a:t>Screen</a:t>
-            </a:r>
-          </a:p>
-        </p:txBody>
-      </p:sp>
-      <p:cxnSp>
-        <p:nvCxnSpPr>
-          <p:cNvPr id="114" name="꺾인 연결선[E] 113">
-            <a:extLst>
-              <a:ext uri="{FF2B5EF4-FFF2-40B4-BE49-F238E27FC236}">
-                <a16:creationId xmlns:a16="http://schemas.microsoft.com/office/drawing/2014/main" id="{43BC6B5F-7F8A-88EA-BF29-5A60A4DE4BC1}"/>
-              </a:ext>
-            </a:extLst>
-          </p:cNvPr>
-          <p:cNvCxnSpPr>
-            <a:cxnSpLocks/>
-            <a:stCxn id="32" idx="2"/>
-            <a:endCxn id="113" idx="0"/>
-          </p:cNvCxnSpPr>
-          <p:nvPr/>
-        </p:nvCxnSpPr>
-        <p:spPr>
-          <a:xfrm rot="5400000">
-            <a:off x="17163857" y="8569778"/>
-            <a:ext cx="942570" cy="1300"/>
-          </a:xfrm>
-          <a:prstGeom prst="bentConnector3">
-            <a:avLst>
-              <a:gd name="adj1" fmla="val 50000"/>
-            </a:avLst>
-          </a:prstGeom>
-        </p:spPr>
-        <p:style>
-          <a:lnRef idx="1">
-            <a:schemeClr val="dk1"/>
-          </a:lnRef>
-          <a:fillRef idx="0">
-            <a:schemeClr val="dk1"/>
-          </a:fillRef>
-          <a:effectRef idx="0">
-            <a:schemeClr val="dk1"/>
-          </a:effectRef>
-          <a:fontRef idx="minor">
-            <a:schemeClr val="tx1"/>
-          </a:fontRef>
-        </p:style>
-      </p:cxnSp>
-      <p:sp>
-        <p:nvSpPr>
-          <p:cNvPr id="121" name="직사각형 120">
-            <a:extLst>
-              <a:ext uri="{FF2B5EF4-FFF2-40B4-BE49-F238E27FC236}">
-                <a16:creationId xmlns:a16="http://schemas.microsoft.com/office/drawing/2014/main" id="{41F50E6C-0185-151F-16A1-545A7C9A9F3F}"/>
-              </a:ext>
-            </a:extLst>
-          </p:cNvPr>
-          <p:cNvSpPr/>
-          <p:nvPr/>
-        </p:nvSpPr>
-        <p:spPr>
-          <a:xfrm>
-            <a:off x="16017197" y="9041713"/>
-            <a:ext cx="931079" cy="320338"/>
-          </a:xfrm>
-          <a:prstGeom prst="rect">
-            <a:avLst/>
-          </a:prstGeom>
-        </p:spPr>
-        <p:style>
-          <a:lnRef idx="2">
-            <a:schemeClr val="dk1">
-              <a:shade val="15000"/>
-            </a:schemeClr>
-          </a:lnRef>
-          <a:fillRef idx="1">
-            <a:schemeClr val="dk1"/>
-          </a:fillRef>
-          <a:effectRef idx="0">
-            <a:schemeClr val="dk1"/>
-          </a:effectRef>
-          <a:fontRef idx="minor">
-            <a:schemeClr val="lt1"/>
-          </a:fontRef>
-        </p:style>
-        <p:txBody>
-          <a:bodyPr rtlCol="0" anchor="ctr"/>
-          <a:lstStyle/>
-          <a:p>
-            <a:pPr algn="ctr"/>
-            <a:r>
-              <a:rPr kumimoji="1" lang="en-US" altLang="ko-Kore-US" sz="1000" b="1" dirty="0"/>
-              <a:t>Side Effect</a:t>
-            </a:r>
-            <a:endParaRPr kumimoji="1" lang="ko-Kore-US" altLang="en-US" sz="1000" b="1" dirty="0"/>
-          </a:p>
-        </p:txBody>
-      </p:sp>
-      <p:sp>
-        <p:nvSpPr>
-          <p:cNvPr id="122" name="직사각형 121">
-            <a:extLst>
-              <a:ext uri="{FF2B5EF4-FFF2-40B4-BE49-F238E27FC236}">
-                <a16:creationId xmlns:a16="http://schemas.microsoft.com/office/drawing/2014/main" id="{F83383DA-151E-9E77-97E1-94A2821F984D}"/>
-              </a:ext>
-            </a:extLst>
-          </p:cNvPr>
-          <p:cNvSpPr/>
-          <p:nvPr/>
-        </p:nvSpPr>
-        <p:spPr>
-          <a:xfrm>
-            <a:off x="14877167" y="9041713"/>
-            <a:ext cx="931079" cy="320338"/>
-          </a:xfrm>
-          <a:prstGeom prst="rect">
-            <a:avLst/>
-          </a:prstGeom>
-        </p:spPr>
-        <p:style>
-          <a:lnRef idx="2">
-            <a:schemeClr val="dk1">
-              <a:shade val="15000"/>
-            </a:schemeClr>
-          </a:lnRef>
-          <a:fillRef idx="1">
-            <a:schemeClr val="dk1"/>
-          </a:fillRef>
-          <a:effectRef idx="0">
-            <a:schemeClr val="dk1"/>
-          </a:effectRef>
-          <a:fontRef idx="minor">
-            <a:schemeClr val="lt1"/>
-          </a:fontRef>
-        </p:style>
-        <p:txBody>
-          <a:bodyPr rtlCol="0" anchor="ctr"/>
-          <a:lstStyle/>
-          <a:p>
-            <a:pPr algn="ctr"/>
-            <a:r>
-              <a:rPr kumimoji="1" lang="en-US" altLang="ko-Kore-US" sz="1000" b="1" dirty="0"/>
-              <a:t>State</a:t>
-            </a:r>
-            <a:endParaRPr kumimoji="1" lang="ko-Kore-US" altLang="en-US" sz="1000" b="1" dirty="0"/>
-          </a:p>
-        </p:txBody>
-      </p:sp>
-      <p:cxnSp>
-        <p:nvCxnSpPr>
-          <p:cNvPr id="124" name="꺾인 연결선[E] 123">
-            <a:extLst>
-              <a:ext uri="{FF2B5EF4-FFF2-40B4-BE49-F238E27FC236}">
-                <a16:creationId xmlns:a16="http://schemas.microsoft.com/office/drawing/2014/main" id="{B90FECF0-10D6-2C5D-0EBD-53A84263724A}"/>
-              </a:ext>
-            </a:extLst>
-          </p:cNvPr>
-          <p:cNvCxnSpPr>
-            <a:stCxn id="34" idx="2"/>
-            <a:endCxn id="122" idx="0"/>
-          </p:cNvCxnSpPr>
-          <p:nvPr/>
-        </p:nvCxnSpPr>
-        <p:spPr>
-          <a:xfrm rot="5400000">
-            <a:off x="15149221" y="8292040"/>
-            <a:ext cx="943159" cy="556186"/>
-          </a:xfrm>
-          <a:prstGeom prst="bentConnector3">
-            <a:avLst/>
-          </a:prstGeom>
-        </p:spPr>
-        <p:style>
-          <a:lnRef idx="1">
-            <a:schemeClr val="dk1"/>
-          </a:lnRef>
-          <a:fillRef idx="0">
-            <a:schemeClr val="dk1"/>
-          </a:fillRef>
-          <a:effectRef idx="0">
-            <a:schemeClr val="dk1"/>
-          </a:effectRef>
-          <a:fontRef idx="minor">
-            <a:schemeClr val="tx1"/>
-          </a:fontRef>
-        </p:style>
-      </p:cxnSp>
-      <p:cxnSp>
-        <p:nvCxnSpPr>
-          <p:cNvPr id="126" name="꺾인 연결선[E] 125">
-            <a:extLst>
-              <a:ext uri="{FF2B5EF4-FFF2-40B4-BE49-F238E27FC236}">
-                <a16:creationId xmlns:a16="http://schemas.microsoft.com/office/drawing/2014/main" id="{47DC75F6-AAE8-0FC7-39D4-C65FD6E8C8FE}"/>
-              </a:ext>
-            </a:extLst>
-          </p:cNvPr>
-          <p:cNvCxnSpPr>
-            <a:stCxn id="34" idx="2"/>
-            <a:endCxn id="121" idx="0"/>
-          </p:cNvCxnSpPr>
-          <p:nvPr/>
-        </p:nvCxnSpPr>
-        <p:spPr>
-          <a:xfrm rot="16200000" flipH="1">
-            <a:off x="15719236" y="8278211"/>
-            <a:ext cx="943159" cy="583844"/>
-          </a:xfrm>
-          <a:prstGeom prst="bentConnector3">
-            <a:avLst/>
-          </a:prstGeom>
-        </p:spPr>
-        <p:style>
-          <a:lnRef idx="1">
-            <a:schemeClr val="dk1"/>
-          </a:lnRef>
-          <a:fillRef idx="0">
-            <a:schemeClr val="dk1"/>
-          </a:fillRef>
-          <a:effectRef idx="0">
-            <a:schemeClr val="dk1"/>
-          </a:effectRef>
-          <a:fontRef idx="minor">
-            <a:schemeClr val="tx1"/>
-          </a:fontRef>
-        </p:style>
-      </p:cxnSp>
-      <p:sp>
-        <p:nvSpPr>
-          <p:cNvPr id="128" name="직사각형 127">
-            <a:extLst>
-              <a:ext uri="{FF2B5EF4-FFF2-40B4-BE49-F238E27FC236}">
-                <a16:creationId xmlns:a16="http://schemas.microsoft.com/office/drawing/2014/main" id="{60EAD684-1DF4-2F86-D9B3-443A9FD70099}"/>
-              </a:ext>
-            </a:extLst>
-          </p:cNvPr>
-          <p:cNvSpPr/>
-          <p:nvPr/>
-        </p:nvSpPr>
-        <p:spPr>
-          <a:xfrm>
-            <a:off x="9896171" y="7760830"/>
-            <a:ext cx="931079" cy="320338"/>
-          </a:xfrm>
-          <a:prstGeom prst="rect">
-            <a:avLst/>
-          </a:prstGeom>
-        </p:spPr>
-        <p:style>
-          <a:lnRef idx="2">
-            <a:schemeClr val="dk1">
-              <a:shade val="15000"/>
-            </a:schemeClr>
-          </a:lnRef>
-          <a:fillRef idx="1">
-            <a:schemeClr val="dk1"/>
-          </a:fillRef>
-          <a:effectRef idx="0">
-            <a:schemeClr val="dk1"/>
-          </a:effectRef>
-          <a:fontRef idx="minor">
-            <a:schemeClr val="lt1"/>
-          </a:fontRef>
-        </p:style>
-        <p:txBody>
-          <a:bodyPr rtlCol="0" anchor="ctr"/>
-          <a:lstStyle/>
-          <a:p>
-            <a:pPr algn="ctr"/>
-            <a:r>
-              <a:rPr kumimoji="1" lang="en-US" altLang="ko-Kore-US" sz="1000" b="1" dirty="0"/>
-              <a:t>Repository</a:t>
-            </a:r>
-            <a:endParaRPr kumimoji="1" lang="ko-Kore-US" altLang="en-US" sz="1000" b="1" dirty="0"/>
-          </a:p>
-        </p:txBody>
-      </p:sp>
-      <p:sp>
-        <p:nvSpPr>
-          <p:cNvPr id="129" name="직사각형 128">
-            <a:extLst>
-              <a:ext uri="{FF2B5EF4-FFF2-40B4-BE49-F238E27FC236}">
-                <a16:creationId xmlns:a16="http://schemas.microsoft.com/office/drawing/2014/main" id="{2BCFC022-3BAB-58E9-E6CC-D0671A6A70DE}"/>
-              </a:ext>
-            </a:extLst>
-          </p:cNvPr>
-          <p:cNvSpPr/>
-          <p:nvPr/>
-        </p:nvSpPr>
-        <p:spPr>
-          <a:xfrm>
-            <a:off x="11377316" y="7760830"/>
-            <a:ext cx="931079" cy="320338"/>
-          </a:xfrm>
-          <a:prstGeom prst="rect">
-            <a:avLst/>
-          </a:prstGeom>
-        </p:spPr>
-        <p:style>
-          <a:lnRef idx="2">
-            <a:schemeClr val="dk1">
-              <a:shade val="15000"/>
-            </a:schemeClr>
-          </a:lnRef>
-          <a:fillRef idx="1">
-            <a:schemeClr val="dk1"/>
-          </a:fillRef>
-          <a:effectRef idx="0">
-            <a:schemeClr val="dk1"/>
-          </a:effectRef>
-          <a:fontRef idx="minor">
-            <a:schemeClr val="lt1"/>
-          </a:fontRef>
-        </p:style>
-        <p:txBody>
-          <a:bodyPr rtlCol="0" anchor="ctr"/>
-          <a:lstStyle/>
-          <a:p>
-            <a:pPr algn="ctr"/>
-            <a:r>
-              <a:rPr kumimoji="1" lang="en-US" altLang="ko-Kore-US" sz="1000" b="1" dirty="0"/>
-              <a:t>Model</a:t>
-            </a:r>
-            <a:endParaRPr kumimoji="1" lang="ko-Kore-US" altLang="en-US" sz="1000" b="1" dirty="0"/>
-          </a:p>
-        </p:txBody>
-      </p:sp>
-      <p:cxnSp>
-        <p:nvCxnSpPr>
-          <p:cNvPr id="132" name="직선 연결선[R] 131">
-            <a:extLst>
-              <a:ext uri="{FF2B5EF4-FFF2-40B4-BE49-F238E27FC236}">
-                <a16:creationId xmlns:a16="http://schemas.microsoft.com/office/drawing/2014/main" id="{71027DCC-EAD9-65D5-282D-31B1BB4A13EF}"/>
-              </a:ext>
-            </a:extLst>
-          </p:cNvPr>
-          <p:cNvCxnSpPr>
-            <a:stCxn id="20" idx="2"/>
-            <a:endCxn id="129" idx="0"/>
-          </p:cNvCxnSpPr>
-          <p:nvPr/>
-        </p:nvCxnSpPr>
-        <p:spPr>
-          <a:xfrm>
-            <a:off x="11842063" y="5929868"/>
-            <a:ext cx="793" cy="1830962"/>
-          </a:xfrm>
-          <a:prstGeom prst="line">
-            <a:avLst/>
-          </a:prstGeom>
-        </p:spPr>
-        <p:style>
-          <a:lnRef idx="1">
-            <a:schemeClr val="dk1"/>
-          </a:lnRef>
-          <a:fillRef idx="0">
-            <a:schemeClr val="dk1"/>
-          </a:fillRef>
-          <a:effectRef idx="0">
-            <a:schemeClr val="dk1"/>
-          </a:effectRef>
-          <a:fontRef idx="minor">
-            <a:schemeClr val="tx1"/>
-          </a:fontRef>
-        </p:style>
-      </p:cxnSp>
-      <p:cxnSp>
-        <p:nvCxnSpPr>
-          <p:cNvPr id="134" name="꺾인 연결선[E] 133">
-            <a:extLst>
-              <a:ext uri="{FF2B5EF4-FFF2-40B4-BE49-F238E27FC236}">
-                <a16:creationId xmlns:a16="http://schemas.microsoft.com/office/drawing/2014/main" id="{3CA96AEF-BB23-C07C-7E37-5987136BF098}"/>
-              </a:ext>
-            </a:extLst>
-          </p:cNvPr>
-          <p:cNvCxnSpPr>
-            <a:stCxn id="20" idx="2"/>
-            <a:endCxn id="128" idx="0"/>
-          </p:cNvCxnSpPr>
-          <p:nvPr/>
-        </p:nvCxnSpPr>
-        <p:spPr>
-          <a:xfrm rot="5400000">
-            <a:off x="10186406" y="6105173"/>
-            <a:ext cx="1830962" cy="1480352"/>
-          </a:xfrm>
-          <a:prstGeom prst="bentConnector3">
-            <a:avLst/>
-          </a:prstGeom>
-        </p:spPr>
-        <p:style>
-          <a:lnRef idx="1">
-            <a:schemeClr val="dk1"/>
-          </a:lnRef>
-          <a:fillRef idx="0">
-            <a:schemeClr val="dk1"/>
-          </a:fillRef>
-          <a:effectRef idx="0">
-            <a:schemeClr val="dk1"/>
-          </a:effectRef>
-          <a:fontRef idx="minor">
-            <a:schemeClr val="tx1"/>
-          </a:fontRef>
-        </p:style>
-      </p:cxnSp>
-      <p:cxnSp>
-        <p:nvCxnSpPr>
-          <p:cNvPr id="136" name="꺾인 연결선[E] 135">
-            <a:extLst>
-              <a:ext uri="{FF2B5EF4-FFF2-40B4-BE49-F238E27FC236}">
-                <a16:creationId xmlns:a16="http://schemas.microsoft.com/office/drawing/2014/main" id="{91F0E85A-08F7-498E-B9E2-6A6194BD1408}"/>
-              </a:ext>
-            </a:extLst>
-          </p:cNvPr>
-          <p:cNvCxnSpPr>
-            <a:cxnSpLocks/>
-            <a:stCxn id="20" idx="2"/>
-            <a:endCxn id="147" idx="0"/>
-          </p:cNvCxnSpPr>
-          <p:nvPr/>
-        </p:nvCxnSpPr>
-        <p:spPr>
-          <a:xfrm rot="16200000" flipH="1">
-            <a:off x="11680602" y="6091328"/>
-            <a:ext cx="1830962" cy="1508041"/>
-          </a:xfrm>
-          <a:prstGeom prst="bentConnector3">
-            <a:avLst/>
-          </a:prstGeom>
-        </p:spPr>
-        <p:style>
-          <a:lnRef idx="1">
-            <a:schemeClr val="dk1"/>
-          </a:lnRef>
-          <a:fillRef idx="0">
-            <a:schemeClr val="dk1"/>
-          </a:fillRef>
-          <a:effectRef idx="0">
-            <a:schemeClr val="dk1"/>
-          </a:effectRef>
-          <a:fontRef idx="minor">
-            <a:schemeClr val="tx1"/>
-          </a:fontRef>
-        </p:style>
-      </p:cxnSp>
-      <p:sp>
-        <p:nvSpPr>
-          <p:cNvPr id="141" name="직사각형 140">
-            <a:extLst>
-              <a:ext uri="{FF2B5EF4-FFF2-40B4-BE49-F238E27FC236}">
-                <a16:creationId xmlns:a16="http://schemas.microsoft.com/office/drawing/2014/main" id="{4E74859C-1AE3-AE10-4779-5676D6D6F967}"/>
-              </a:ext>
-            </a:extLst>
-          </p:cNvPr>
-          <p:cNvSpPr/>
-          <p:nvPr/>
-        </p:nvSpPr>
-        <p:spPr>
-          <a:xfrm>
-            <a:off x="7020597" y="6865138"/>
-            <a:ext cx="931079" cy="320338"/>
-          </a:xfrm>
-          <a:prstGeom prst="rect">
-            <a:avLst/>
-          </a:prstGeom>
-        </p:spPr>
-        <p:style>
-          <a:lnRef idx="2">
-            <a:schemeClr val="dk1">
-              <a:shade val="15000"/>
-            </a:schemeClr>
-          </a:lnRef>
-          <a:fillRef idx="1">
-            <a:schemeClr val="dk1"/>
-          </a:fillRef>
-          <a:effectRef idx="0">
-            <a:schemeClr val="dk1"/>
-          </a:effectRef>
-          <a:fontRef idx="minor">
-            <a:schemeClr val="lt1"/>
-          </a:fontRef>
-        </p:style>
-        <p:txBody>
-          <a:bodyPr rtlCol="0" anchor="ctr"/>
-          <a:lstStyle/>
-          <a:p>
-            <a:pPr algn="ctr"/>
-            <a:r>
-              <a:rPr kumimoji="1" lang="en-US" altLang="ko-Kore-US" sz="1000" b="1" dirty="0"/>
-              <a:t>Database</a:t>
-            </a:r>
-            <a:endParaRPr kumimoji="1" lang="ko-Kore-US" altLang="en-US" sz="1000" b="1" dirty="0"/>
-          </a:p>
-        </p:txBody>
-      </p:sp>
-      <p:sp>
-        <p:nvSpPr>
-          <p:cNvPr id="146" name="TextBox 145">
-            <a:extLst>
-              <a:ext uri="{FF2B5EF4-FFF2-40B4-BE49-F238E27FC236}">
-                <a16:creationId xmlns:a16="http://schemas.microsoft.com/office/drawing/2014/main" id="{75C3E808-FD27-4B5A-9928-214CAC003A81}"/>
-              </a:ext>
-            </a:extLst>
-          </p:cNvPr>
-          <p:cNvSpPr txBox="1"/>
-          <p:nvPr/>
-        </p:nvSpPr>
-        <p:spPr>
-          <a:xfrm>
-            <a:off x="18288902" y="9028910"/>
-            <a:ext cx="1479829" cy="307777"/>
-          </a:xfrm>
-          <a:prstGeom prst="rect">
-            <a:avLst/>
-          </a:prstGeom>
-          <a:noFill/>
-        </p:spPr>
-        <p:txBody>
-          <a:bodyPr wrap="none" rtlCol="0">
-            <a:spAutoFit/>
-          </a:bodyPr>
-          <a:lstStyle/>
-          <a:p>
-            <a:r>
-              <a:rPr kumimoji="1" lang="en-US" altLang="ko-Kore-US" sz="1400" b="1" dirty="0">
-                <a:solidFill>
-                  <a:schemeClr val="accent6">
-                    <a:lumMod val="75000"/>
-                  </a:schemeClr>
-                </a:solidFill>
-              </a:rPr>
-              <a:t>MVI Components</a:t>
-            </a:r>
-            <a:endParaRPr kumimoji="1" lang="ko-Kore-US" altLang="en-US" sz="1400" b="1" dirty="0">
-              <a:solidFill>
-                <a:schemeClr val="accent6">
-                  <a:lumMod val="75000"/>
-                </a:schemeClr>
-              </a:solidFill>
-            </a:endParaRPr>
-          </a:p>
-        </p:txBody>
-      </p:sp>
-      <p:sp>
-        <p:nvSpPr>
-          <p:cNvPr id="147" name="직사각형 146">
-            <a:extLst>
-              <a:ext uri="{FF2B5EF4-FFF2-40B4-BE49-F238E27FC236}">
-                <a16:creationId xmlns:a16="http://schemas.microsoft.com/office/drawing/2014/main" id="{265C5A7B-0299-A4B8-E889-0C01D8928A46}"/>
-              </a:ext>
-            </a:extLst>
-          </p:cNvPr>
-          <p:cNvSpPr/>
-          <p:nvPr/>
-        </p:nvSpPr>
-        <p:spPr>
-          <a:xfrm>
-            <a:off x="12884564" y="7760830"/>
-            <a:ext cx="931079" cy="320338"/>
-          </a:xfrm>
-          <a:prstGeom prst="rect">
-            <a:avLst/>
-          </a:prstGeom>
-        </p:spPr>
-        <p:style>
-          <a:lnRef idx="2">
-            <a:schemeClr val="dk1">
-              <a:shade val="15000"/>
-            </a:schemeClr>
-          </a:lnRef>
-          <a:fillRef idx="1">
-            <a:schemeClr val="dk1"/>
-          </a:fillRef>
-          <a:effectRef idx="0">
-            <a:schemeClr val="dk1"/>
-          </a:effectRef>
-          <a:fontRef idx="minor">
-            <a:schemeClr val="lt1"/>
-          </a:fontRef>
-        </p:style>
-        <p:txBody>
-          <a:bodyPr rtlCol="0" anchor="ctr"/>
-          <a:lstStyle/>
-          <a:p>
-            <a:pPr algn="ctr"/>
-            <a:r>
-              <a:rPr kumimoji="1" lang="en-US" altLang="ko-Kore-US" sz="1000" b="1" dirty="0"/>
-              <a:t>Use Case</a:t>
-            </a:r>
-            <a:endParaRPr kumimoji="1" lang="ko-Kore-US" altLang="en-US" sz="1000" b="1" dirty="0"/>
-          </a:p>
-        </p:txBody>
-      </p:sp>
-      <p:sp>
-        <p:nvSpPr>
-          <p:cNvPr id="157" name="TextBox 156">
-            <a:extLst>
-              <a:ext uri="{FF2B5EF4-FFF2-40B4-BE49-F238E27FC236}">
-                <a16:creationId xmlns:a16="http://schemas.microsoft.com/office/drawing/2014/main" id="{6E2A392D-47DD-5758-5506-0FCE518F73EA}"/>
-              </a:ext>
-            </a:extLst>
-          </p:cNvPr>
-          <p:cNvSpPr txBox="1"/>
-          <p:nvPr/>
-        </p:nvSpPr>
-        <p:spPr>
-          <a:xfrm>
-            <a:off x="17223226" y="10012275"/>
-            <a:ext cx="2545505" cy="307777"/>
-          </a:xfrm>
-          <a:prstGeom prst="rect">
-            <a:avLst/>
-          </a:prstGeom>
-          <a:noFill/>
-        </p:spPr>
-        <p:txBody>
-          <a:bodyPr wrap="none" rtlCol="0">
-            <a:spAutoFit/>
-          </a:bodyPr>
-          <a:lstStyle/>
-          <a:p>
-            <a:r>
-              <a:rPr kumimoji="1" lang="en-US" altLang="ko-Kore-US" sz="1400" b="1" dirty="0">
-                <a:solidFill>
-                  <a:schemeClr val="bg1">
-                    <a:lumMod val="50000"/>
-                  </a:schemeClr>
-                </a:solidFill>
-              </a:rPr>
-              <a:t>Clean Architecture Components</a:t>
-            </a:r>
-            <a:endParaRPr kumimoji="1" lang="ko-Kore-US" altLang="en-US" sz="1400" b="1" dirty="0">
-              <a:solidFill>
-                <a:schemeClr val="bg1">
-                  <a:lumMod val="50000"/>
-                </a:schemeClr>
-              </a:solidFill>
-            </a:endParaRPr>
-          </a:p>
-        </p:txBody>
-      </p:sp>
     </p:spTree>
     <p:extLst>
       <p:ext uri="{BB962C8B-B14F-4D97-AF65-F5344CB8AC3E}">
@@ -5623,4 +6063,299 @@
     </a:ext>
   </a:extLst>
 </a:theme>
+</file>
+
+<file path=ppt/theme/theme2.xml><?xml version="1.0" encoding="utf-8"?>
+<a:theme xmlns:a="http://schemas.openxmlformats.org/drawingml/2006/main" name="Office 테마">
+  <a:themeElements>
+    <a:clrScheme name="Office">
+      <a:dk1>
+        <a:sysClr val="windowText" lastClr="000000"/>
+      </a:dk1>
+      <a:lt1>
+        <a:sysClr val="window" lastClr="FFFFFF"/>
+      </a:lt1>
+      <a:dk2>
+        <a:srgbClr val="44546A"/>
+      </a:dk2>
+      <a:lt2>
+        <a:srgbClr val="E7E6E6"/>
+      </a:lt2>
+      <a:accent1>
+        <a:srgbClr val="4472C4"/>
+      </a:accent1>
+      <a:accent2>
+        <a:srgbClr val="ED7D31"/>
+      </a:accent2>
+      <a:accent3>
+        <a:srgbClr val="A5A5A5"/>
+      </a:accent3>
+      <a:accent4>
+        <a:srgbClr val="FFC000"/>
+      </a:accent4>
+      <a:accent5>
+        <a:srgbClr val="5B9BD5"/>
+      </a:accent5>
+      <a:accent6>
+        <a:srgbClr val="70AD47"/>
+      </a:accent6>
+      <a:hlink>
+        <a:srgbClr val="0563C1"/>
+      </a:hlink>
+      <a:folHlink>
+        <a:srgbClr val="954F72"/>
+      </a:folHlink>
+    </a:clrScheme>
+    <a:fontScheme name="Office">
+      <a:majorFont>
+        <a:latin typeface="Calibri Light" panose="020F0302020204030204"/>
+        <a:ea typeface=""/>
+        <a:cs typeface=""/>
+        <a:font script="Jpan" typeface="游ゴシック Light"/>
+        <a:font script="Hang" typeface="맑은 고딕"/>
+        <a:font script="Hans" typeface="等线 Light"/>
+        <a:font script="Hant" typeface="新細明體"/>
+        <a:font script="Arab" typeface="Times New Roman"/>
+        <a:font script="Hebr" typeface="Times New Roman"/>
+        <a:font script="Thai" typeface="Angsana New"/>
+        <a:font script="Ethi" typeface="Nyala"/>
+        <a:font script="Beng" typeface="Vrinda"/>
+        <a:font script="Gujr" typeface="Shruti"/>
+        <a:font script="Khmr" typeface="MoolBoran"/>
+        <a:font script="Knda" typeface="Tunga"/>
+        <a:font script="Guru" typeface="Raavi"/>
+        <a:font script="Cans" typeface="Euphemia"/>
+        <a:font script="Cher" typeface="Plantagenet Cherokee"/>
+        <a:font script="Yiii" typeface="Microsoft Yi Baiti"/>
+        <a:font script="Tibt" typeface="Microsoft Himalaya"/>
+        <a:font script="Thaa" typeface="MV Boli"/>
+        <a:font script="Deva" typeface="Mangal"/>
+        <a:font script="Telu" typeface="Gautami"/>
+        <a:font script="Taml" typeface="Latha"/>
+        <a:font script="Syrc" typeface="Estrangelo Edessa"/>
+        <a:font script="Orya" typeface="Kalinga"/>
+        <a:font script="Mlym" typeface="Kartika"/>
+        <a:font script="Laoo" typeface="DokChampa"/>
+        <a:font script="Sinh" typeface="Iskoola Pota"/>
+        <a:font script="Mong" typeface="Mongolian Baiti"/>
+        <a:font script="Viet" typeface="Times New Roman"/>
+        <a:font script="Uigh" typeface="Microsoft Uighur"/>
+        <a:font script="Geor" typeface="Sylfaen"/>
+        <a:font script="Armn" typeface="Arial"/>
+        <a:font script="Bugi" typeface="Leelawadee UI"/>
+        <a:font script="Bopo" typeface="Microsoft JhengHei"/>
+        <a:font script="Java" typeface="Javanese Text"/>
+        <a:font script="Lisu" typeface="Segoe UI"/>
+        <a:font script="Mymr" typeface="Myanmar Text"/>
+        <a:font script="Nkoo" typeface="Ebrima"/>
+        <a:font script="Olck" typeface="Nirmala UI"/>
+        <a:font script="Osma" typeface="Ebrima"/>
+        <a:font script="Phag" typeface="Phagspa"/>
+        <a:font script="Syrn" typeface="Estrangelo Edessa"/>
+        <a:font script="Syrj" typeface="Estrangelo Edessa"/>
+        <a:font script="Syre" typeface="Estrangelo Edessa"/>
+        <a:font script="Sora" typeface="Nirmala UI"/>
+        <a:font script="Tale" typeface="Microsoft Tai Le"/>
+        <a:font script="Talu" typeface="Microsoft New Tai Lue"/>
+        <a:font script="Tfng" typeface="Ebrima"/>
+      </a:majorFont>
+      <a:minorFont>
+        <a:latin typeface="Calibri" panose="020F0502020204030204"/>
+        <a:ea typeface=""/>
+        <a:cs typeface=""/>
+        <a:font script="Jpan" typeface="游ゴシック"/>
+        <a:font script="Hang" typeface="맑은 고딕"/>
+        <a:font script="Hans" typeface="等线"/>
+        <a:font script="Hant" typeface="新細明體"/>
+        <a:font script="Arab" typeface="Arial"/>
+        <a:font script="Hebr" typeface="Arial"/>
+        <a:font script="Thai" typeface="Cordia New"/>
+        <a:font script="Ethi" typeface="Nyala"/>
+        <a:font script="Beng" typeface="Vrinda"/>
+        <a:font script="Gujr" typeface="Shruti"/>
+        <a:font script="Khmr" typeface="DaunPenh"/>
+        <a:font script="Knda" typeface="Tunga"/>
+        <a:font script="Guru" typeface="Raavi"/>
+        <a:font script="Cans" typeface="Euphemia"/>
+        <a:font script="Cher" typeface="Plantagenet Cherokee"/>
+        <a:font script="Yiii" typeface="Microsoft Yi Baiti"/>
+        <a:font script="Tibt" typeface="Microsoft Himalaya"/>
+        <a:font script="Thaa" typeface="MV Boli"/>
+        <a:font script="Deva" typeface="Mangal"/>
+        <a:font script="Telu" typeface="Gautami"/>
+        <a:font script="Taml" typeface="Latha"/>
+        <a:font script="Syrc" typeface="Estrangelo Edessa"/>
+        <a:font script="Orya" typeface="Kalinga"/>
+        <a:font script="Mlym" typeface="Kartika"/>
+        <a:font script="Laoo" typeface="DokChampa"/>
+        <a:font script="Sinh" typeface="Iskoola Pota"/>
+        <a:font script="Mong" typeface="Mongolian Baiti"/>
+        <a:font script="Viet" typeface="Arial"/>
+        <a:font script="Uigh" typeface="Microsoft Uighur"/>
+        <a:font script="Geor" typeface="Sylfaen"/>
+        <a:font script="Armn" typeface="Arial"/>
+        <a:font script="Bugi" typeface="Leelawadee UI"/>
+        <a:font script="Bopo" typeface="Microsoft JhengHei"/>
+        <a:font script="Java" typeface="Javanese Text"/>
+        <a:font script="Lisu" typeface="Segoe UI"/>
+        <a:font script="Mymr" typeface="Myanmar Text"/>
+        <a:font script="Nkoo" typeface="Ebrima"/>
+        <a:font script="Olck" typeface="Nirmala UI"/>
+        <a:font script="Osma" typeface="Ebrima"/>
+        <a:font script="Phag" typeface="Phagspa"/>
+        <a:font script="Syrn" typeface="Estrangelo Edessa"/>
+        <a:font script="Syrj" typeface="Estrangelo Edessa"/>
+        <a:font script="Syre" typeface="Estrangelo Edessa"/>
+        <a:font script="Sora" typeface="Nirmala UI"/>
+        <a:font script="Tale" typeface="Microsoft Tai Le"/>
+        <a:font script="Talu" typeface="Microsoft New Tai Lue"/>
+        <a:font script="Tfng" typeface="Ebrima"/>
+      </a:minorFont>
+    </a:fontScheme>
+    <a:fmtScheme name="Office">
+      <a:fillStyleLst>
+        <a:solidFill>
+          <a:schemeClr val="phClr"/>
+        </a:solidFill>
+        <a:gradFill rotWithShape="1">
+          <a:gsLst>
+            <a:gs pos="0">
+              <a:schemeClr val="phClr">
+                <a:lumMod val="110000"/>
+                <a:satMod val="105000"/>
+                <a:tint val="67000"/>
+              </a:schemeClr>
+            </a:gs>
+            <a:gs pos="50000">
+              <a:schemeClr val="phClr">
+                <a:lumMod val="105000"/>
+                <a:satMod val="103000"/>
+                <a:tint val="73000"/>
+              </a:schemeClr>
+            </a:gs>
+            <a:gs pos="100000">
+              <a:schemeClr val="phClr">
+                <a:lumMod val="105000"/>
+                <a:satMod val="109000"/>
+                <a:tint val="81000"/>
+              </a:schemeClr>
+            </a:gs>
+          </a:gsLst>
+          <a:lin ang="5400000" scaled="0"/>
+        </a:gradFill>
+        <a:gradFill rotWithShape="1">
+          <a:gsLst>
+            <a:gs pos="0">
+              <a:schemeClr val="phClr">
+                <a:satMod val="103000"/>
+                <a:lumMod val="102000"/>
+                <a:tint val="94000"/>
+              </a:schemeClr>
+            </a:gs>
+            <a:gs pos="50000">
+              <a:schemeClr val="phClr">
+                <a:satMod val="110000"/>
+                <a:lumMod val="100000"/>
+                <a:shade val="100000"/>
+              </a:schemeClr>
+            </a:gs>
+            <a:gs pos="100000">
+              <a:schemeClr val="phClr">
+                <a:lumMod val="99000"/>
+                <a:satMod val="120000"/>
+                <a:shade val="78000"/>
+              </a:schemeClr>
+            </a:gs>
+          </a:gsLst>
+          <a:lin ang="5400000" scaled="0"/>
+        </a:gradFill>
+      </a:fillStyleLst>
+      <a:lnStyleLst>
+        <a:ln w="6350" cap="flat" cmpd="sng" algn="ctr">
+          <a:solidFill>
+            <a:schemeClr val="phClr"/>
+          </a:solidFill>
+          <a:prstDash val="solid"/>
+          <a:miter lim="800000"/>
+        </a:ln>
+        <a:ln w="12700" cap="flat" cmpd="sng" algn="ctr">
+          <a:solidFill>
+            <a:schemeClr val="phClr"/>
+          </a:solidFill>
+          <a:prstDash val="solid"/>
+          <a:miter lim="800000"/>
+        </a:ln>
+        <a:ln w="19050" cap="flat" cmpd="sng" algn="ctr">
+          <a:solidFill>
+            <a:schemeClr val="phClr"/>
+          </a:solidFill>
+          <a:prstDash val="solid"/>
+          <a:miter lim="800000"/>
+        </a:ln>
+      </a:lnStyleLst>
+      <a:effectStyleLst>
+        <a:effectStyle>
+          <a:effectLst/>
+        </a:effectStyle>
+        <a:effectStyle>
+          <a:effectLst/>
+        </a:effectStyle>
+        <a:effectStyle>
+          <a:effectLst>
+            <a:outerShdw blurRad="57150" dist="19050" dir="5400000" algn="ctr" rotWithShape="0">
+              <a:srgbClr val="000000">
+                <a:alpha val="63000"/>
+              </a:srgbClr>
+            </a:outerShdw>
+          </a:effectLst>
+        </a:effectStyle>
+      </a:effectStyleLst>
+      <a:bgFillStyleLst>
+        <a:solidFill>
+          <a:schemeClr val="phClr"/>
+        </a:solidFill>
+        <a:solidFill>
+          <a:schemeClr val="phClr">
+            <a:tint val="95000"/>
+            <a:satMod val="170000"/>
+          </a:schemeClr>
+        </a:solidFill>
+        <a:gradFill rotWithShape="1">
+          <a:gsLst>
+            <a:gs pos="0">
+              <a:schemeClr val="phClr">
+                <a:tint val="93000"/>
+                <a:satMod val="150000"/>
+                <a:shade val="98000"/>
+                <a:lumMod val="102000"/>
+              </a:schemeClr>
+            </a:gs>
+            <a:gs pos="50000">
+              <a:schemeClr val="phClr">
+                <a:tint val="98000"/>
+                <a:satMod val="130000"/>
+                <a:shade val="90000"/>
+                <a:lumMod val="103000"/>
+              </a:schemeClr>
+            </a:gs>
+            <a:gs pos="100000">
+              <a:schemeClr val="phClr">
+                <a:shade val="63000"/>
+                <a:satMod val="120000"/>
+              </a:schemeClr>
+            </a:gs>
+          </a:gsLst>
+          <a:lin ang="5400000" scaled="0"/>
+        </a:gradFill>
+      </a:bgFillStyleLst>
+    </a:fmtScheme>
+  </a:themeElements>
+  <a:objectDefaults/>
+  <a:extraClrSchemeLst/>
+  <a:extLst>
+    <a:ext uri="{05A4C25C-085E-4340-85A3-A5531E510DB2}">
+      <thm15:themeFamily xmlns:thm15="http://schemas.microsoft.com/office/thememl/2012/main" name="Office Theme" id="{62F939B6-93AF-4DB8-9C6B-D6C7DFDC589F}" vid="{4A3C46E8-61CC-4603-A589-7422A47A8E4A}"/>
+    </a:ext>
+  </a:extLst>
+</a:theme>
 </file>
--- a/.github/Project structure.pptx
+++ b/.github/Project structure.pptx
@@ -5675,8 +5675,8 @@
         </p:nvSpPr>
         <p:spPr>
           <a:xfrm>
-            <a:off x="17223226" y="10012275"/>
-            <a:ext cx="2545505" cy="307777"/>
+            <a:off x="16553915" y="9911143"/>
+            <a:ext cx="3209544" cy="369332"/>
           </a:xfrm>
           <a:prstGeom prst="rect">
             <a:avLst/>
@@ -5684,13 +5684,13 @@
           <a:noFill/>
         </p:spPr>
         <p:txBody>
-          <a:bodyPr wrap="none" rtlCol="0">
+          <a:bodyPr wrap="square" rtlCol="0">
             <a:spAutoFit/>
           </a:bodyPr>
           <a:lstStyle/>
           <a:p>
             <a:r>
-              <a:rPr kumimoji="1" lang="en-US" altLang="ko-Kore-US" sz="1400" b="1" dirty="0">
+              <a:rPr kumimoji="1" lang="en-US" altLang="ko-Kore-US" b="1" dirty="0">
                 <a:solidFill>
                   <a:schemeClr val="bg1">
                     <a:lumMod val="50000"/>
@@ -5699,7 +5699,7 @@
               </a:rPr>
               <a:t>Clean Architecture Components</a:t>
             </a:r>
-            <a:endParaRPr kumimoji="1" lang="ko-Kore-US" altLang="en-US" sz="1400" b="1" dirty="0">
+            <a:endParaRPr kumimoji="1" lang="ko-Kore-US" altLang="en-US" b="1" dirty="0">
               <a:solidFill>
                 <a:schemeClr val="bg1">
                   <a:lumMod val="50000"/>

--- a/.github/Project structure.pptx
+++ b/.github/Project structure.pptx
@@ -197,7 +197,7 @@
           <a:p>
             <a:fld id="{1EEFF601-838E-8040-8716-B29F4446C973}" type="datetimeFigureOut">
               <a:rPr kumimoji="1" lang="ko-Kore-US" altLang="en-US" smtClean="0"/>
-              <a:t>12/11/23</a:t>
+              <a:t>12/13/23</a:t>
             </a:fld>
             <a:endParaRPr kumimoji="1" lang="ko-Kore-US" altLang="en-US"/>
           </a:p>
@@ -509,7 +509,7 @@
           <a:bodyPr/>
           <a:lstStyle/>
           <a:p>
-            <a:endParaRPr kumimoji="1" lang="ko-Kore-US" altLang="en-US" dirty="0"/>
+            <a:endParaRPr kumimoji="1" lang="ko-Kore-US" altLang="en-US"/>
           </a:p>
         </p:txBody>
       </p:sp>
@@ -680,7 +680,7 @@
           <a:p>
             <a:fld id="{97A6BB9E-E686-F04C-B4A2-FCC986B7D119}" type="datetimeFigureOut">
               <a:rPr kumimoji="1" lang="ko-Kore-US" altLang="en-US" smtClean="0"/>
-              <a:t>12/11/23</a:t>
+              <a:t>12/13/23</a:t>
             </a:fld>
             <a:endParaRPr kumimoji="1" lang="ko-Kore-US" altLang="en-US"/>
           </a:p>
@@ -850,7 +850,7 @@
           <a:p>
             <a:fld id="{97A6BB9E-E686-F04C-B4A2-FCC986B7D119}" type="datetimeFigureOut">
               <a:rPr kumimoji="1" lang="ko-Kore-US" altLang="en-US" smtClean="0"/>
-              <a:t>12/11/23</a:t>
+              <a:t>12/13/23</a:t>
             </a:fld>
             <a:endParaRPr kumimoji="1" lang="ko-Kore-US" altLang="en-US"/>
           </a:p>
@@ -1030,7 +1030,7 @@
           <a:p>
             <a:fld id="{97A6BB9E-E686-F04C-B4A2-FCC986B7D119}" type="datetimeFigureOut">
               <a:rPr kumimoji="1" lang="ko-Kore-US" altLang="en-US" smtClean="0"/>
-              <a:t>12/11/23</a:t>
+              <a:t>12/13/23</a:t>
             </a:fld>
             <a:endParaRPr kumimoji="1" lang="ko-Kore-US" altLang="en-US"/>
           </a:p>
@@ -1200,7 +1200,7 @@
           <a:p>
             <a:fld id="{97A6BB9E-E686-F04C-B4A2-FCC986B7D119}" type="datetimeFigureOut">
               <a:rPr kumimoji="1" lang="ko-Kore-US" altLang="en-US" smtClean="0"/>
-              <a:t>12/11/23</a:t>
+              <a:t>12/13/23</a:t>
             </a:fld>
             <a:endParaRPr kumimoji="1" lang="ko-Kore-US" altLang="en-US"/>
           </a:p>
@@ -1446,7 +1446,7 @@
           <a:p>
             <a:fld id="{97A6BB9E-E686-F04C-B4A2-FCC986B7D119}" type="datetimeFigureOut">
               <a:rPr kumimoji="1" lang="ko-Kore-US" altLang="en-US" smtClean="0"/>
-              <a:t>12/11/23</a:t>
+              <a:t>12/13/23</a:t>
             </a:fld>
             <a:endParaRPr kumimoji="1" lang="ko-Kore-US" altLang="en-US"/>
           </a:p>
@@ -1678,7 +1678,7 @@
           <a:p>
             <a:fld id="{97A6BB9E-E686-F04C-B4A2-FCC986B7D119}" type="datetimeFigureOut">
               <a:rPr kumimoji="1" lang="ko-Kore-US" altLang="en-US" smtClean="0"/>
-              <a:t>12/11/23</a:t>
+              <a:t>12/13/23</a:t>
             </a:fld>
             <a:endParaRPr kumimoji="1" lang="ko-Kore-US" altLang="en-US"/>
           </a:p>
@@ -2045,7 +2045,7 @@
           <a:p>
             <a:fld id="{97A6BB9E-E686-F04C-B4A2-FCC986B7D119}" type="datetimeFigureOut">
               <a:rPr kumimoji="1" lang="ko-Kore-US" altLang="en-US" smtClean="0"/>
-              <a:t>12/11/23</a:t>
+              <a:t>12/13/23</a:t>
             </a:fld>
             <a:endParaRPr kumimoji="1" lang="ko-Kore-US" altLang="en-US"/>
           </a:p>
@@ -2163,7 +2163,7 @@
           <a:p>
             <a:fld id="{97A6BB9E-E686-F04C-B4A2-FCC986B7D119}" type="datetimeFigureOut">
               <a:rPr kumimoji="1" lang="ko-Kore-US" altLang="en-US" smtClean="0"/>
-              <a:t>12/11/23</a:t>
+              <a:t>12/13/23</a:t>
             </a:fld>
             <a:endParaRPr kumimoji="1" lang="ko-Kore-US" altLang="en-US"/>
           </a:p>
@@ -2258,7 +2258,7 @@
           <a:p>
             <a:fld id="{97A6BB9E-E686-F04C-B4A2-FCC986B7D119}" type="datetimeFigureOut">
               <a:rPr kumimoji="1" lang="ko-Kore-US" altLang="en-US" smtClean="0"/>
-              <a:t>12/11/23</a:t>
+              <a:t>12/13/23</a:t>
             </a:fld>
             <a:endParaRPr kumimoji="1" lang="ko-Kore-US" altLang="en-US"/>
           </a:p>
@@ -2535,7 +2535,7 @@
           <a:p>
             <a:fld id="{97A6BB9E-E686-F04C-B4A2-FCC986B7D119}" type="datetimeFigureOut">
               <a:rPr kumimoji="1" lang="ko-Kore-US" altLang="en-US" smtClean="0"/>
-              <a:t>12/11/23</a:t>
+              <a:t>12/13/23</a:t>
             </a:fld>
             <a:endParaRPr kumimoji="1" lang="ko-Kore-US" altLang="en-US"/>
           </a:p>
@@ -2703,7 +2703,7 @@
           </a:lstStyle>
           <a:p>
             <a:r>
-              <a:rPr lang="ko-KR" altLang="en-US"/>
+              <a:rPr lang="ko-KR" altLang="en-US" dirty="0"/>
               <a:t>그림을 추가하려면 아이콘을 클릭하십시오</a:t>
             </a:r>
             <a:endParaRPr lang="en-US" dirty="0"/>
@@ -2792,7 +2792,7 @@
           <a:p>
             <a:fld id="{97A6BB9E-E686-F04C-B4A2-FCC986B7D119}" type="datetimeFigureOut">
               <a:rPr kumimoji="1" lang="ko-Kore-US" altLang="en-US" smtClean="0"/>
-              <a:t>12/11/23</a:t>
+              <a:t>12/13/23</a:t>
             </a:fld>
             <a:endParaRPr kumimoji="1" lang="ko-Kore-US" altLang="en-US"/>
           </a:p>
@@ -3005,7 +3005,7 @@
           <a:p>
             <a:fld id="{97A6BB9E-E686-F04C-B4A2-FCC986B7D119}" type="datetimeFigureOut">
               <a:rPr kumimoji="1" lang="ko-Kore-US" altLang="en-US" smtClean="0"/>
-              <a:t>12/11/23</a:t>
+              <a:t>12/13/23</a:t>
             </a:fld>
             <a:endParaRPr kumimoji="1" lang="ko-Kore-US" altLang="en-US"/>
           </a:p>
@@ -3424,8 +3424,8 @@
         </p:nvSpPr>
         <p:spPr>
           <a:xfrm>
-            <a:off x="3176491" y="2425149"/>
-            <a:ext cx="17377632" cy="8078524"/>
+            <a:off x="3045884" y="2411564"/>
+            <a:ext cx="19948552" cy="10204173"/>
           </a:xfrm>
           <a:prstGeom prst="roundRect">
             <a:avLst/>
@@ -3460,16 +3460,20 @@
           <a:lstStyle/>
           <a:p>
             <a:pPr algn="ctr"/>
-            <a:endParaRPr kumimoji="1" lang="ko-Kore-US" altLang="en-US" b="1"/>
-          </a:p>
-        </p:txBody>
-      </p:sp>
-      <p:sp>
-        <p:nvSpPr>
-          <p:cNvPr id="139" name="모서리가 둥근 직사각형 138">
+            <a:endParaRPr kumimoji="1" lang="ko-Kore-US" altLang="en-US" b="1">
+              <a:solidFill>
+                <a:sysClr val="windowText" lastClr="000000"/>
+              </a:solidFill>
+            </a:endParaRPr>
+          </a:p>
+        </p:txBody>
+      </p:sp>
+      <p:sp>
+        <p:nvSpPr>
+          <p:cNvPr id="206" name="모서리가 둥근 직사각형 205">
             <a:extLst>
               <a:ext uri="{FF2B5EF4-FFF2-40B4-BE49-F238E27FC236}">
-                <a16:creationId xmlns:a16="http://schemas.microsoft.com/office/drawing/2014/main" id="{A27C4D2B-2775-8F3A-58B2-65971F1DC30B}"/>
+                <a16:creationId xmlns:a16="http://schemas.microsoft.com/office/drawing/2014/main" id="{0757EEFE-5258-FBE3-084D-0E24DE0FA1DC}"/>
               </a:ext>
             </a:extLst>
           </p:cNvPr>
@@ -3478,14 +3482,14 @@
         </p:nvSpPr>
         <p:spPr>
           <a:xfrm>
-            <a:off x="9434894" y="5444713"/>
-            <a:ext cx="4860826" cy="3440905"/>
+            <a:off x="8219230" y="3457665"/>
+            <a:ext cx="6145590" cy="2370148"/>
           </a:xfrm>
           <a:prstGeom prst="roundRect">
             <a:avLst/>
           </a:prstGeom>
           <a:solidFill>
-            <a:schemeClr val="accent2">
+            <a:schemeClr val="accent4">
               <a:lumMod val="40000"/>
               <a:lumOff val="60000"/>
             </a:schemeClr>
@@ -3515,16 +3519,16 @@
           <a:lstStyle/>
           <a:p>
             <a:pPr algn="ctr"/>
-            <a:endParaRPr kumimoji="1" lang="ko-Kore-US" altLang="en-US" b="1"/>
-          </a:p>
-        </p:txBody>
-      </p:sp>
-      <p:sp>
-        <p:nvSpPr>
-          <p:cNvPr id="9" name="직사각형 8">
+            <a:endParaRPr kumimoji="1" lang="ko-Kore-US" altLang="en-US"/>
+          </a:p>
+        </p:txBody>
+      </p:sp>
+      <p:sp>
+        <p:nvSpPr>
+          <p:cNvPr id="202" name="모서리가 둥근 직사각형 201">
             <a:extLst>
               <a:ext uri="{FF2B5EF4-FFF2-40B4-BE49-F238E27FC236}">
-                <a16:creationId xmlns:a16="http://schemas.microsoft.com/office/drawing/2014/main" id="{62097D13-13D9-BB1A-39C1-6DA2B6D09DBC}"/>
+                <a16:creationId xmlns:a16="http://schemas.microsoft.com/office/drawing/2014/main" id="{667EAAC5-C652-9B83-0BF2-80BBE09B0C3D}"/>
               </a:ext>
             </a:extLst>
           </p:cNvPr>
@@ -3533,372 +3537,14 @@
         </p:nvSpPr>
         <p:spPr>
           <a:xfrm>
-            <a:off x="10822810" y="2868437"/>
-            <a:ext cx="2084994" cy="594360"/>
-          </a:xfrm>
-          <a:prstGeom prst="rect">
-            <a:avLst/>
-          </a:prstGeom>
-        </p:spPr>
-        <p:style>
-          <a:lnRef idx="2">
-            <a:schemeClr val="dk1">
-              <a:shade val="15000"/>
-            </a:schemeClr>
-          </a:lnRef>
-          <a:fillRef idx="1">
-            <a:schemeClr val="dk1"/>
-          </a:fillRef>
-          <a:effectRef idx="0">
-            <a:schemeClr val="dk1"/>
-          </a:effectRef>
-          <a:fontRef idx="minor">
-            <a:schemeClr val="lt1"/>
-          </a:fontRef>
-        </p:style>
-        <p:txBody>
-          <a:bodyPr rtlCol="0" anchor="ctr"/>
-          <a:lstStyle/>
-          <a:p>
-            <a:pPr algn="ctr"/>
-            <a:r>
-              <a:rPr kumimoji="1" lang="en-US" altLang="ko-Kore-US" b="1" dirty="0"/>
-              <a:t>App</a:t>
-            </a:r>
-            <a:endParaRPr kumimoji="1" lang="ko-Kore-US" altLang="en-US" b="1" dirty="0"/>
-          </a:p>
-        </p:txBody>
-      </p:sp>
-      <p:sp>
-        <p:nvSpPr>
-          <p:cNvPr id="20" name="직사각형 19">
-            <a:extLst>
-              <a:ext uri="{FF2B5EF4-FFF2-40B4-BE49-F238E27FC236}">
-                <a16:creationId xmlns:a16="http://schemas.microsoft.com/office/drawing/2014/main" id="{59B16507-91CF-00EF-09C3-5E5966F9C4A0}"/>
-              </a:ext>
-            </a:extLst>
-          </p:cNvPr>
-          <p:cNvSpPr/>
-          <p:nvPr/>
-        </p:nvSpPr>
-        <p:spPr>
-          <a:xfrm>
-            <a:off x="11157066" y="5609530"/>
-            <a:ext cx="1417320" cy="594360"/>
-          </a:xfrm>
-          <a:prstGeom prst="rect">
-            <a:avLst/>
-          </a:prstGeom>
-        </p:spPr>
-        <p:style>
-          <a:lnRef idx="2">
-            <a:schemeClr val="dk1">
-              <a:shade val="15000"/>
-            </a:schemeClr>
-          </a:lnRef>
-          <a:fillRef idx="1">
-            <a:schemeClr val="dk1"/>
-          </a:fillRef>
-          <a:effectRef idx="0">
-            <a:schemeClr val="dk1"/>
-          </a:effectRef>
-          <a:fontRef idx="minor">
-            <a:schemeClr val="lt1"/>
-          </a:fontRef>
-        </p:style>
-        <p:txBody>
-          <a:bodyPr rtlCol="0" anchor="ctr"/>
-          <a:lstStyle/>
-          <a:p>
-            <a:pPr algn="ctr"/>
-            <a:r>
-              <a:rPr kumimoji="1" lang="en-US" altLang="ko-Kore-US" b="1" dirty="0"/>
-              <a:t>Domain</a:t>
-            </a:r>
-            <a:endParaRPr kumimoji="1" lang="ko-Kore-US" altLang="en-US" b="1" dirty="0"/>
-          </a:p>
-        </p:txBody>
-      </p:sp>
-      <p:cxnSp>
-        <p:nvCxnSpPr>
-          <p:cNvPr id="86" name="직선 연결선[R] 85">
-            <a:extLst>
-              <a:ext uri="{FF2B5EF4-FFF2-40B4-BE49-F238E27FC236}">
-                <a16:creationId xmlns:a16="http://schemas.microsoft.com/office/drawing/2014/main" id="{5DF57887-74E1-9B2A-D832-C5AA9C95EBFA}"/>
-              </a:ext>
-            </a:extLst>
-          </p:cNvPr>
-          <p:cNvCxnSpPr>
-            <a:cxnSpLocks/>
-            <a:stCxn id="9" idx="2"/>
-            <a:endCxn id="20" idx="0"/>
-          </p:cNvCxnSpPr>
-          <p:nvPr/>
-        </p:nvCxnSpPr>
-        <p:spPr>
-          <a:xfrm>
-            <a:off x="11865307" y="3462797"/>
-            <a:ext cx="419" cy="2146733"/>
-          </a:xfrm>
-          <a:prstGeom prst="line">
-            <a:avLst/>
-          </a:prstGeom>
-        </p:spPr>
-        <p:style>
-          <a:lnRef idx="1">
-            <a:schemeClr val="dk1"/>
-          </a:lnRef>
-          <a:fillRef idx="0">
-            <a:schemeClr val="dk1"/>
-          </a:fillRef>
-          <a:effectRef idx="0">
-            <a:schemeClr val="dk1"/>
-          </a:effectRef>
-          <a:fontRef idx="minor">
-            <a:schemeClr val="tx1"/>
-          </a:fontRef>
-        </p:style>
-      </p:cxnSp>
-      <p:sp>
-        <p:nvSpPr>
-          <p:cNvPr id="128" name="직사각형 127">
-            <a:extLst>
-              <a:ext uri="{FF2B5EF4-FFF2-40B4-BE49-F238E27FC236}">
-                <a16:creationId xmlns:a16="http://schemas.microsoft.com/office/drawing/2014/main" id="{60EAD684-1DF4-2F86-D9B3-443A9FD70099}"/>
-              </a:ext>
-            </a:extLst>
-          </p:cNvPr>
-          <p:cNvSpPr/>
-          <p:nvPr/>
-        </p:nvSpPr>
-        <p:spPr>
-          <a:xfrm>
-            <a:off x="9557842" y="7760830"/>
-            <a:ext cx="1417320" cy="594360"/>
-          </a:xfrm>
-          <a:prstGeom prst="rect">
-            <a:avLst/>
-          </a:prstGeom>
-        </p:spPr>
-        <p:style>
-          <a:lnRef idx="2">
-            <a:schemeClr val="dk1">
-              <a:shade val="15000"/>
-            </a:schemeClr>
-          </a:lnRef>
-          <a:fillRef idx="1">
-            <a:schemeClr val="dk1"/>
-          </a:fillRef>
-          <a:effectRef idx="0">
-            <a:schemeClr val="dk1"/>
-          </a:effectRef>
-          <a:fontRef idx="minor">
-            <a:schemeClr val="lt1"/>
-          </a:fontRef>
-        </p:style>
-        <p:txBody>
-          <a:bodyPr rtlCol="0" anchor="ctr"/>
-          <a:lstStyle/>
-          <a:p>
-            <a:pPr algn="ctr"/>
-            <a:r>
-              <a:rPr kumimoji="1" lang="en-US" altLang="ko-Kore-US" b="1" dirty="0"/>
-              <a:t>Repository</a:t>
-            </a:r>
-            <a:endParaRPr kumimoji="1" lang="ko-Kore-US" altLang="en-US" b="1" dirty="0"/>
-          </a:p>
-        </p:txBody>
-      </p:sp>
-      <p:sp>
-        <p:nvSpPr>
-          <p:cNvPr id="129" name="직사각형 128">
-            <a:extLst>
-              <a:ext uri="{FF2B5EF4-FFF2-40B4-BE49-F238E27FC236}">
-                <a16:creationId xmlns:a16="http://schemas.microsoft.com/office/drawing/2014/main" id="{2BCFC022-3BAB-58E9-E6CC-D0671A6A70DE}"/>
-              </a:ext>
-            </a:extLst>
-          </p:cNvPr>
-          <p:cNvSpPr/>
-          <p:nvPr/>
-        </p:nvSpPr>
-        <p:spPr>
-          <a:xfrm>
-            <a:off x="11161767" y="7760830"/>
-            <a:ext cx="1417320" cy="594360"/>
-          </a:xfrm>
-          <a:prstGeom prst="rect">
-            <a:avLst/>
-          </a:prstGeom>
-        </p:spPr>
-        <p:style>
-          <a:lnRef idx="2">
-            <a:schemeClr val="dk1">
-              <a:shade val="15000"/>
-            </a:schemeClr>
-          </a:lnRef>
-          <a:fillRef idx="1">
-            <a:schemeClr val="dk1"/>
-          </a:fillRef>
-          <a:effectRef idx="0">
-            <a:schemeClr val="dk1"/>
-          </a:effectRef>
-          <a:fontRef idx="minor">
-            <a:schemeClr val="lt1"/>
-          </a:fontRef>
-        </p:style>
-        <p:txBody>
-          <a:bodyPr rtlCol="0" anchor="ctr"/>
-          <a:lstStyle/>
-          <a:p>
-            <a:pPr algn="ctr"/>
-            <a:r>
-              <a:rPr kumimoji="1" lang="en-US" altLang="ko-Kore-US" b="1" dirty="0"/>
-              <a:t>Model</a:t>
-            </a:r>
-            <a:endParaRPr kumimoji="1" lang="ko-Kore-US" altLang="en-US" b="1" dirty="0"/>
-          </a:p>
-        </p:txBody>
-      </p:sp>
-      <p:cxnSp>
-        <p:nvCxnSpPr>
-          <p:cNvPr id="132" name="직선 연결선[R] 131">
-            <a:extLst>
-              <a:ext uri="{FF2B5EF4-FFF2-40B4-BE49-F238E27FC236}">
-                <a16:creationId xmlns:a16="http://schemas.microsoft.com/office/drawing/2014/main" id="{71027DCC-EAD9-65D5-282D-31B1BB4A13EF}"/>
-              </a:ext>
-            </a:extLst>
-          </p:cNvPr>
-          <p:cNvCxnSpPr>
-            <a:stCxn id="20" idx="2"/>
-            <a:endCxn id="129" idx="0"/>
-          </p:cNvCxnSpPr>
-          <p:nvPr/>
-        </p:nvCxnSpPr>
-        <p:spPr>
-          <a:xfrm>
-            <a:off x="11865726" y="6203890"/>
-            <a:ext cx="4701" cy="1556940"/>
-          </a:xfrm>
-          <a:prstGeom prst="line">
-            <a:avLst/>
-          </a:prstGeom>
-        </p:spPr>
-        <p:style>
-          <a:lnRef idx="1">
-            <a:schemeClr val="dk1"/>
-          </a:lnRef>
-          <a:fillRef idx="0">
-            <a:schemeClr val="dk1"/>
-          </a:fillRef>
-          <a:effectRef idx="0">
-            <a:schemeClr val="dk1"/>
-          </a:effectRef>
-          <a:fontRef idx="minor">
-            <a:schemeClr val="tx1"/>
-          </a:fontRef>
-        </p:style>
-      </p:cxnSp>
-      <p:cxnSp>
-        <p:nvCxnSpPr>
-          <p:cNvPr id="134" name="꺾인 연결선[E] 133">
-            <a:extLst>
-              <a:ext uri="{FF2B5EF4-FFF2-40B4-BE49-F238E27FC236}">
-                <a16:creationId xmlns:a16="http://schemas.microsoft.com/office/drawing/2014/main" id="{3CA96AEF-BB23-C07C-7E37-5987136BF098}"/>
-              </a:ext>
-            </a:extLst>
-          </p:cNvPr>
-          <p:cNvCxnSpPr>
-            <a:stCxn id="20" idx="2"/>
-            <a:endCxn id="128" idx="0"/>
-          </p:cNvCxnSpPr>
-          <p:nvPr/>
-        </p:nvCxnSpPr>
-        <p:spPr>
-          <a:xfrm rot="5400000">
-            <a:off x="10287644" y="6182748"/>
-            <a:ext cx="1556940" cy="1599224"/>
-          </a:xfrm>
-          <a:prstGeom prst="bentConnector3">
-            <a:avLst/>
-          </a:prstGeom>
-        </p:spPr>
-        <p:style>
-          <a:lnRef idx="1">
-            <a:schemeClr val="dk1"/>
-          </a:lnRef>
-          <a:fillRef idx="0">
-            <a:schemeClr val="dk1"/>
-          </a:fillRef>
-          <a:effectRef idx="0">
-            <a:schemeClr val="dk1"/>
-          </a:effectRef>
-          <a:fontRef idx="minor">
-            <a:schemeClr val="tx1"/>
-          </a:fontRef>
-        </p:style>
-      </p:cxnSp>
-      <p:cxnSp>
-        <p:nvCxnSpPr>
-          <p:cNvPr id="136" name="꺾인 연결선[E] 135">
-            <a:extLst>
-              <a:ext uri="{FF2B5EF4-FFF2-40B4-BE49-F238E27FC236}">
-                <a16:creationId xmlns:a16="http://schemas.microsoft.com/office/drawing/2014/main" id="{91F0E85A-08F7-498E-B9E2-6A6194BD1408}"/>
-              </a:ext>
-            </a:extLst>
-          </p:cNvPr>
-          <p:cNvCxnSpPr>
-            <a:cxnSpLocks/>
-            <a:stCxn id="20" idx="2"/>
-            <a:endCxn id="147" idx="0"/>
-          </p:cNvCxnSpPr>
-          <p:nvPr/>
-        </p:nvCxnSpPr>
-        <p:spPr>
-          <a:xfrm rot="16200000" flipH="1">
-            <a:off x="11891569" y="6178047"/>
-            <a:ext cx="1556940" cy="1608626"/>
-          </a:xfrm>
-          <a:prstGeom prst="bentConnector3">
-            <a:avLst/>
-          </a:prstGeom>
-        </p:spPr>
-        <p:style>
-          <a:lnRef idx="1">
-            <a:schemeClr val="dk1"/>
-          </a:lnRef>
-          <a:fillRef idx="0">
-            <a:schemeClr val="dk1"/>
-          </a:fillRef>
-          <a:effectRef idx="0">
-            <a:schemeClr val="dk1"/>
-          </a:effectRef>
-          <a:fontRef idx="minor">
-            <a:schemeClr val="tx1"/>
-          </a:fontRef>
-        </p:style>
-      </p:cxnSp>
-      <p:sp>
-        <p:nvSpPr>
-          <p:cNvPr id="138" name="모서리가 둥근 직사각형 137">
-            <a:extLst>
-              <a:ext uri="{FF2B5EF4-FFF2-40B4-BE49-F238E27FC236}">
-                <a16:creationId xmlns:a16="http://schemas.microsoft.com/office/drawing/2014/main" id="{7F362A89-4513-65F6-1DD0-A56483AF8A3D}"/>
-              </a:ext>
-            </a:extLst>
-          </p:cNvPr>
-          <p:cNvSpPr/>
-          <p:nvPr/>
-        </p:nvSpPr>
-        <p:spPr>
-          <a:xfrm>
-            <a:off x="3260162" y="4404478"/>
-            <a:ext cx="6209514" cy="4993419"/>
+            <a:off x="8503659" y="8990719"/>
+            <a:ext cx="8180828" cy="2855188"/>
           </a:xfrm>
           <a:prstGeom prst="roundRect">
             <a:avLst/>
           </a:prstGeom>
           <a:solidFill>
-            <a:schemeClr val="accent1">
+            <a:schemeClr val="accent2">
               <a:lumMod val="40000"/>
               <a:lumOff val="60000"/>
             </a:schemeClr>
@@ -3928,16 +3574,16 @@
           <a:lstStyle/>
           <a:p>
             <a:pPr algn="ctr"/>
-            <a:endParaRPr kumimoji="1" lang="ko-Kore-US" altLang="en-US" b="1"/>
-          </a:p>
-        </p:txBody>
-      </p:sp>
-      <p:sp>
-        <p:nvSpPr>
-          <p:cNvPr id="21" name="직사각형 20">
+            <a:endParaRPr kumimoji="1" lang="ko-Kore-US" altLang="en-US"/>
+          </a:p>
+        </p:txBody>
+      </p:sp>
+      <p:sp>
+        <p:nvSpPr>
+          <p:cNvPr id="185" name="모서리가 둥근 직사각형 184">
             <a:extLst>
               <a:ext uri="{FF2B5EF4-FFF2-40B4-BE49-F238E27FC236}">
-                <a16:creationId xmlns:a16="http://schemas.microsoft.com/office/drawing/2014/main" id="{4EA97A3F-21FC-491F-24B7-DF1EF2499D82}"/>
+                <a16:creationId xmlns:a16="http://schemas.microsoft.com/office/drawing/2014/main" id="{99B99C3D-1EE7-8D97-990A-F231144709C2}"/>
               </a:ext>
             </a:extLst>
           </p:cNvPr>
@@ -3946,647 +3592,14 @@
         </p:nvSpPr>
         <p:spPr>
           <a:xfrm>
-            <a:off x="6401524" y="4719600"/>
-            <a:ext cx="1417320" cy="594360"/>
-          </a:xfrm>
-          <a:prstGeom prst="rect">
-            <a:avLst/>
-          </a:prstGeom>
-        </p:spPr>
-        <p:style>
-          <a:lnRef idx="2">
-            <a:schemeClr val="dk1">
-              <a:shade val="15000"/>
-            </a:schemeClr>
-          </a:lnRef>
-          <a:fillRef idx="1">
-            <a:schemeClr val="dk1"/>
-          </a:fillRef>
-          <a:effectRef idx="0">
-            <a:schemeClr val="dk1"/>
-          </a:effectRef>
-          <a:fontRef idx="minor">
-            <a:schemeClr val="lt1"/>
-          </a:fontRef>
-        </p:style>
-        <p:txBody>
-          <a:bodyPr rtlCol="0" anchor="ctr"/>
-          <a:lstStyle/>
-          <a:p>
-            <a:pPr algn="ctr"/>
-            <a:r>
-              <a:rPr kumimoji="1" lang="en-US" altLang="ko-Kore-US" b="1" dirty="0"/>
-              <a:t>Data</a:t>
-            </a:r>
-            <a:endParaRPr kumimoji="1" lang="ko-Kore-US" altLang="en-US" b="1" dirty="0"/>
-          </a:p>
-        </p:txBody>
-      </p:sp>
-      <p:sp>
-        <p:nvSpPr>
-          <p:cNvPr id="22" name="직사각형 21">
-            <a:extLst>
-              <a:ext uri="{FF2B5EF4-FFF2-40B4-BE49-F238E27FC236}">
-                <a16:creationId xmlns:a16="http://schemas.microsoft.com/office/drawing/2014/main" id="{B3987E4A-763F-8C8B-887A-5B9A27AE8072}"/>
-              </a:ext>
-            </a:extLst>
-          </p:cNvPr>
-          <p:cNvSpPr/>
-          <p:nvPr/>
-        </p:nvSpPr>
-        <p:spPr>
-          <a:xfrm>
-            <a:off x="4832022" y="6505429"/>
-            <a:ext cx="1417320" cy="594360"/>
-          </a:xfrm>
-          <a:prstGeom prst="rect">
-            <a:avLst/>
-          </a:prstGeom>
-        </p:spPr>
-        <p:style>
-          <a:lnRef idx="2">
-            <a:schemeClr val="dk1">
-              <a:shade val="15000"/>
-            </a:schemeClr>
-          </a:lnRef>
-          <a:fillRef idx="1">
-            <a:schemeClr val="dk1"/>
-          </a:fillRef>
-          <a:effectRef idx="0">
-            <a:schemeClr val="dk1"/>
-          </a:effectRef>
-          <a:fontRef idx="minor">
-            <a:schemeClr val="lt1"/>
-          </a:fontRef>
-        </p:style>
-        <p:txBody>
-          <a:bodyPr rtlCol="0" anchor="ctr"/>
-          <a:lstStyle/>
-          <a:p>
-            <a:pPr algn="ctr"/>
-            <a:r>
-              <a:rPr kumimoji="1" lang="en-US" altLang="ko-Kore-US" b="1" dirty="0"/>
-              <a:t>Network</a:t>
-            </a:r>
-            <a:endParaRPr kumimoji="1" lang="ko-Kore-US" altLang="en-US" b="1" dirty="0"/>
-          </a:p>
-        </p:txBody>
-      </p:sp>
-      <p:sp>
-        <p:nvSpPr>
-          <p:cNvPr id="24" name="직사각형 23">
-            <a:extLst>
-              <a:ext uri="{FF2B5EF4-FFF2-40B4-BE49-F238E27FC236}">
-                <a16:creationId xmlns:a16="http://schemas.microsoft.com/office/drawing/2014/main" id="{294E471F-512D-7F28-9FC5-EA913C21DC5E}"/>
-              </a:ext>
-            </a:extLst>
-          </p:cNvPr>
-          <p:cNvSpPr/>
-          <p:nvPr/>
-        </p:nvSpPr>
-        <p:spPr>
-          <a:xfrm>
-            <a:off x="7971026" y="6505427"/>
-            <a:ext cx="1417320" cy="594360"/>
-          </a:xfrm>
-          <a:prstGeom prst="rect">
-            <a:avLst/>
-          </a:prstGeom>
-        </p:spPr>
-        <p:style>
-          <a:lnRef idx="2">
-            <a:schemeClr val="dk1">
-              <a:shade val="15000"/>
-            </a:schemeClr>
-          </a:lnRef>
-          <a:fillRef idx="1">
-            <a:schemeClr val="dk1"/>
-          </a:fillRef>
-          <a:effectRef idx="0">
-            <a:schemeClr val="dk1"/>
-          </a:effectRef>
-          <a:fontRef idx="minor">
-            <a:schemeClr val="lt1"/>
-          </a:fontRef>
-        </p:style>
-        <p:txBody>
-          <a:bodyPr rtlCol="0" anchor="ctr"/>
-          <a:lstStyle/>
-          <a:p>
-            <a:pPr algn="ctr"/>
-            <a:r>
-              <a:rPr lang="en-US" altLang="ko-Kore-US" b="1" dirty="0">
-                <a:solidFill>
-                  <a:schemeClr val="bg1"/>
-                </a:solidFill>
-                <a:latin typeface="Open Sans" panose="020F0502020204030204" pitchFamily="34" charset="0"/>
-              </a:rPr>
-              <a:t>·</a:t>
-            </a:r>
-            <a:r>
-              <a:rPr lang="en-US" altLang="ko-Kore-US" b="1" dirty="0">
-                <a:solidFill>
-                  <a:schemeClr val="bg1"/>
-                </a:solidFill>
-                <a:latin typeface="Open Sans" panose="020B0606030504020204" pitchFamily="34" charset="0"/>
-              </a:rPr>
-              <a:t>··</a:t>
-            </a:r>
-            <a:endParaRPr kumimoji="1" lang="ko-Kore-US" altLang="en-US" b="1" dirty="0">
-              <a:solidFill>
-                <a:schemeClr val="bg1"/>
-              </a:solidFill>
-            </a:endParaRPr>
-          </a:p>
-        </p:txBody>
-      </p:sp>
-      <p:cxnSp>
-        <p:nvCxnSpPr>
-          <p:cNvPr id="79" name="직선 연결선[R] 78">
-            <a:extLst>
-              <a:ext uri="{FF2B5EF4-FFF2-40B4-BE49-F238E27FC236}">
-                <a16:creationId xmlns:a16="http://schemas.microsoft.com/office/drawing/2014/main" id="{06F46847-2236-5E6E-7689-9820B489194E}"/>
-              </a:ext>
-            </a:extLst>
-          </p:cNvPr>
-          <p:cNvCxnSpPr>
-            <a:cxnSpLocks/>
-            <a:stCxn id="21" idx="2"/>
-            <a:endCxn id="141" idx="0"/>
-          </p:cNvCxnSpPr>
-          <p:nvPr/>
-        </p:nvCxnSpPr>
-        <p:spPr>
-          <a:xfrm>
-            <a:off x="7110184" y="5313960"/>
-            <a:ext cx="0" cy="1191469"/>
-          </a:xfrm>
-          <a:prstGeom prst="line">
-            <a:avLst/>
-          </a:prstGeom>
-        </p:spPr>
-        <p:style>
-          <a:lnRef idx="1">
-            <a:schemeClr val="dk1"/>
-          </a:lnRef>
-          <a:fillRef idx="0">
-            <a:schemeClr val="dk1"/>
-          </a:fillRef>
-          <a:effectRef idx="0">
-            <a:schemeClr val="dk1"/>
-          </a:effectRef>
-          <a:fontRef idx="minor">
-            <a:schemeClr val="tx1"/>
-          </a:fontRef>
-        </p:style>
-      </p:cxnSp>
-      <p:cxnSp>
-        <p:nvCxnSpPr>
-          <p:cNvPr id="81" name="꺾인 연결선[E] 80">
-            <a:extLst>
-              <a:ext uri="{FF2B5EF4-FFF2-40B4-BE49-F238E27FC236}">
-                <a16:creationId xmlns:a16="http://schemas.microsoft.com/office/drawing/2014/main" id="{621B4B6B-FCB4-8CAA-7772-E6ED67154E79}"/>
-              </a:ext>
-            </a:extLst>
-          </p:cNvPr>
-          <p:cNvCxnSpPr>
-            <a:cxnSpLocks/>
-            <a:stCxn id="21" idx="2"/>
-            <a:endCxn id="22" idx="0"/>
-          </p:cNvCxnSpPr>
-          <p:nvPr/>
-        </p:nvCxnSpPr>
-        <p:spPr>
-          <a:xfrm rot="5400000">
-            <a:off x="5729699" y="5124943"/>
-            <a:ext cx="1191469" cy="1569502"/>
-          </a:xfrm>
-          <a:prstGeom prst="bentConnector3">
-            <a:avLst/>
-          </a:prstGeom>
-        </p:spPr>
-        <p:style>
-          <a:lnRef idx="1">
-            <a:schemeClr val="dk1"/>
-          </a:lnRef>
-          <a:fillRef idx="0">
-            <a:schemeClr val="dk1"/>
-          </a:fillRef>
-          <a:effectRef idx="0">
-            <a:schemeClr val="dk1"/>
-          </a:effectRef>
-          <a:fontRef idx="minor">
-            <a:schemeClr val="tx1"/>
-          </a:fontRef>
-        </p:style>
-      </p:cxnSp>
-      <p:cxnSp>
-        <p:nvCxnSpPr>
-          <p:cNvPr id="82" name="꺾인 연결선[E] 81">
-            <a:extLst>
-              <a:ext uri="{FF2B5EF4-FFF2-40B4-BE49-F238E27FC236}">
-                <a16:creationId xmlns:a16="http://schemas.microsoft.com/office/drawing/2014/main" id="{DCBF0A3C-3EBD-54D5-1EB5-1D5A95C8289B}"/>
-              </a:ext>
-            </a:extLst>
-          </p:cNvPr>
-          <p:cNvCxnSpPr>
-            <a:cxnSpLocks/>
-            <a:stCxn id="21" idx="2"/>
-            <a:endCxn id="24" idx="0"/>
-          </p:cNvCxnSpPr>
-          <p:nvPr/>
-        </p:nvCxnSpPr>
-        <p:spPr>
-          <a:xfrm rot="16200000" flipH="1">
-            <a:off x="7299202" y="5124942"/>
-            <a:ext cx="1191467" cy="1569502"/>
-          </a:xfrm>
-          <a:prstGeom prst="bentConnector3">
-            <a:avLst>
-              <a:gd name="adj1" fmla="val 50000"/>
-            </a:avLst>
-          </a:prstGeom>
-        </p:spPr>
-        <p:style>
-          <a:lnRef idx="1">
-            <a:schemeClr val="dk1"/>
-          </a:lnRef>
-          <a:fillRef idx="0">
-            <a:schemeClr val="dk1"/>
-          </a:fillRef>
-          <a:effectRef idx="0">
-            <a:schemeClr val="dk1"/>
-          </a:effectRef>
-          <a:fontRef idx="minor">
-            <a:schemeClr val="tx1"/>
-          </a:fontRef>
-        </p:style>
-      </p:cxnSp>
-      <p:sp>
-        <p:nvSpPr>
-          <p:cNvPr id="95" name="직사각형 94">
-            <a:extLst>
-              <a:ext uri="{FF2B5EF4-FFF2-40B4-BE49-F238E27FC236}">
-                <a16:creationId xmlns:a16="http://schemas.microsoft.com/office/drawing/2014/main" id="{7069798D-9E5A-2895-DB61-2D4963E079F3}"/>
-              </a:ext>
-            </a:extLst>
-          </p:cNvPr>
-          <p:cNvSpPr/>
-          <p:nvPr/>
-        </p:nvSpPr>
-        <p:spPr>
-          <a:xfrm>
-            <a:off x="3368899" y="8291258"/>
-            <a:ext cx="1417320" cy="594360"/>
-          </a:xfrm>
-          <a:prstGeom prst="rect">
-            <a:avLst/>
-          </a:prstGeom>
-        </p:spPr>
-        <p:style>
-          <a:lnRef idx="2">
-            <a:schemeClr val="dk1">
-              <a:shade val="15000"/>
-            </a:schemeClr>
-          </a:lnRef>
-          <a:fillRef idx="1">
-            <a:schemeClr val="dk1"/>
-          </a:fillRef>
-          <a:effectRef idx="0">
-            <a:schemeClr val="dk1"/>
-          </a:effectRef>
-          <a:fontRef idx="minor">
-            <a:schemeClr val="lt1"/>
-          </a:fontRef>
-        </p:style>
-        <p:txBody>
-          <a:bodyPr rtlCol="0" anchor="ctr"/>
-          <a:lstStyle/>
-          <a:p>
-            <a:pPr algn="ctr"/>
-            <a:r>
-              <a:rPr kumimoji="1" lang="en-US" altLang="ko-Kore-US" b="1" dirty="0"/>
-              <a:t>Data</a:t>
-            </a:r>
-          </a:p>
-          <a:p>
-            <a:pPr algn="ctr"/>
-            <a:r>
-              <a:rPr kumimoji="1" lang="en-US" altLang="ko-Kore-US" b="1" dirty="0"/>
-              <a:t>Source</a:t>
-            </a:r>
-            <a:endParaRPr kumimoji="1" lang="ko-Kore-US" altLang="en-US" b="1" dirty="0"/>
-          </a:p>
-        </p:txBody>
-      </p:sp>
-      <p:sp>
-        <p:nvSpPr>
-          <p:cNvPr id="96" name="직사각형 95">
-            <a:extLst>
-              <a:ext uri="{FF2B5EF4-FFF2-40B4-BE49-F238E27FC236}">
-                <a16:creationId xmlns:a16="http://schemas.microsoft.com/office/drawing/2014/main" id="{18B03336-5D11-7B3D-0918-61C7B9722460}"/>
-              </a:ext>
-            </a:extLst>
-          </p:cNvPr>
-          <p:cNvSpPr/>
-          <p:nvPr/>
-        </p:nvSpPr>
-        <p:spPr>
-          <a:xfrm>
-            <a:off x="6291796" y="8291258"/>
-            <a:ext cx="1417320" cy="594360"/>
-          </a:xfrm>
-          <a:prstGeom prst="rect">
-            <a:avLst/>
-          </a:prstGeom>
-        </p:spPr>
-        <p:style>
-          <a:lnRef idx="2">
-            <a:schemeClr val="dk1">
-              <a:shade val="15000"/>
-            </a:schemeClr>
-          </a:lnRef>
-          <a:fillRef idx="1">
-            <a:schemeClr val="dk1"/>
-          </a:fillRef>
-          <a:effectRef idx="0">
-            <a:schemeClr val="dk1"/>
-          </a:effectRef>
-          <a:fontRef idx="minor">
-            <a:schemeClr val="lt1"/>
-          </a:fontRef>
-        </p:style>
-        <p:txBody>
-          <a:bodyPr rtlCol="0" anchor="ctr"/>
-          <a:lstStyle/>
-          <a:p>
-            <a:pPr algn="ctr"/>
-            <a:r>
-              <a:rPr lang="en-US" altLang="ko-Kore-US" b="1" dirty="0">
-                <a:solidFill>
-                  <a:schemeClr val="bg1"/>
-                </a:solidFill>
-                <a:latin typeface="Open Sans" panose="020F0502020204030204" pitchFamily="34" charset="0"/>
-              </a:rPr>
-              <a:t>·</a:t>
-            </a:r>
-            <a:r>
-              <a:rPr lang="en-US" altLang="ko-Kore-US" b="1" dirty="0">
-                <a:solidFill>
-                  <a:schemeClr val="bg1"/>
-                </a:solidFill>
-                <a:latin typeface="Open Sans" panose="020B0606030504020204" pitchFamily="34" charset="0"/>
-              </a:rPr>
-              <a:t>··</a:t>
-            </a:r>
-            <a:endParaRPr kumimoji="1" lang="ko-Kore-US" altLang="en-US" b="1" dirty="0">
-              <a:solidFill>
-                <a:schemeClr val="bg1"/>
-              </a:solidFill>
-            </a:endParaRPr>
-          </a:p>
-        </p:txBody>
-      </p:sp>
-      <p:cxnSp>
-        <p:nvCxnSpPr>
-          <p:cNvPr id="101" name="꺾인 연결선[E] 100">
-            <a:extLst>
-              <a:ext uri="{FF2B5EF4-FFF2-40B4-BE49-F238E27FC236}">
-                <a16:creationId xmlns:a16="http://schemas.microsoft.com/office/drawing/2014/main" id="{E2266404-A0C7-69EB-36E9-4DA9A15AA6EB}"/>
-              </a:ext>
-            </a:extLst>
-          </p:cNvPr>
-          <p:cNvCxnSpPr>
-            <a:stCxn id="22" idx="2"/>
-            <a:endCxn id="96" idx="0"/>
-          </p:cNvCxnSpPr>
-          <p:nvPr/>
-        </p:nvCxnSpPr>
-        <p:spPr>
-          <a:xfrm rot="16200000" flipH="1">
-            <a:off x="5674835" y="6965636"/>
-            <a:ext cx="1191469" cy="1459774"/>
-          </a:xfrm>
-          <a:prstGeom prst="bentConnector3">
-            <a:avLst/>
-          </a:prstGeom>
-        </p:spPr>
-        <p:style>
-          <a:lnRef idx="1">
-            <a:schemeClr val="dk1"/>
-          </a:lnRef>
-          <a:fillRef idx="0">
-            <a:schemeClr val="dk1"/>
-          </a:fillRef>
-          <a:effectRef idx="0">
-            <a:schemeClr val="dk1"/>
-          </a:effectRef>
-          <a:fontRef idx="minor">
-            <a:schemeClr val="tx1"/>
-          </a:fontRef>
-        </p:style>
-      </p:cxnSp>
-      <p:cxnSp>
-        <p:nvCxnSpPr>
-          <p:cNvPr id="107" name="꺾인 연결선[E] 106">
-            <a:extLst>
-              <a:ext uri="{FF2B5EF4-FFF2-40B4-BE49-F238E27FC236}">
-                <a16:creationId xmlns:a16="http://schemas.microsoft.com/office/drawing/2014/main" id="{829862C3-75CE-835D-6230-2B2FA21D6502}"/>
-              </a:ext>
-            </a:extLst>
-          </p:cNvPr>
-          <p:cNvCxnSpPr>
-            <a:stCxn id="22" idx="2"/>
-            <a:endCxn id="95" idx="0"/>
-          </p:cNvCxnSpPr>
-          <p:nvPr/>
-        </p:nvCxnSpPr>
-        <p:spPr>
-          <a:xfrm rot="5400000">
-            <a:off x="4213387" y="6963962"/>
-            <a:ext cx="1191469" cy="1463123"/>
-          </a:xfrm>
-          <a:prstGeom prst="bentConnector3">
-            <a:avLst/>
-          </a:prstGeom>
-        </p:spPr>
-        <p:style>
-          <a:lnRef idx="1">
-            <a:schemeClr val="dk1"/>
-          </a:lnRef>
-          <a:fillRef idx="0">
-            <a:schemeClr val="dk1"/>
-          </a:fillRef>
-          <a:effectRef idx="0">
-            <a:schemeClr val="dk1"/>
-          </a:effectRef>
-          <a:fontRef idx="minor">
-            <a:schemeClr val="tx1"/>
-          </a:fontRef>
-        </p:style>
-      </p:cxnSp>
-      <p:sp>
-        <p:nvSpPr>
-          <p:cNvPr id="108" name="직사각형 107">
-            <a:extLst>
-              <a:ext uri="{FF2B5EF4-FFF2-40B4-BE49-F238E27FC236}">
-                <a16:creationId xmlns:a16="http://schemas.microsoft.com/office/drawing/2014/main" id="{36EB5AB3-2B65-A1FC-AD49-FC668BDA7242}"/>
-              </a:ext>
-            </a:extLst>
-          </p:cNvPr>
-          <p:cNvSpPr/>
-          <p:nvPr/>
-        </p:nvSpPr>
-        <p:spPr>
-          <a:xfrm>
-            <a:off x="4829229" y="8291258"/>
-            <a:ext cx="1417320" cy="594360"/>
-          </a:xfrm>
-          <a:prstGeom prst="rect">
-            <a:avLst/>
-          </a:prstGeom>
-        </p:spPr>
-        <p:style>
-          <a:lnRef idx="2">
-            <a:schemeClr val="dk1">
-              <a:shade val="15000"/>
-            </a:schemeClr>
-          </a:lnRef>
-          <a:fillRef idx="1">
-            <a:schemeClr val="dk1"/>
-          </a:fillRef>
-          <a:effectRef idx="0">
-            <a:schemeClr val="dk1"/>
-          </a:effectRef>
-          <a:fontRef idx="minor">
-            <a:schemeClr val="lt1"/>
-          </a:fontRef>
-        </p:style>
-        <p:txBody>
-          <a:bodyPr rtlCol="0" anchor="ctr"/>
-          <a:lstStyle/>
-          <a:p>
-            <a:pPr algn="ctr"/>
-            <a:r>
-              <a:rPr kumimoji="1" lang="en-US" altLang="ko-Kore-US" b="1" dirty="0"/>
-              <a:t>Entity</a:t>
-            </a:r>
-            <a:endParaRPr kumimoji="1" lang="ko-Kore-US" altLang="en-US" b="1" dirty="0"/>
-          </a:p>
-        </p:txBody>
-      </p:sp>
-      <p:cxnSp>
-        <p:nvCxnSpPr>
-          <p:cNvPr id="111" name="직선 연결선[R] 110">
-            <a:extLst>
-              <a:ext uri="{FF2B5EF4-FFF2-40B4-BE49-F238E27FC236}">
-                <a16:creationId xmlns:a16="http://schemas.microsoft.com/office/drawing/2014/main" id="{6018CC99-D7D2-AEE8-12CA-8677F142F6F4}"/>
-              </a:ext>
-            </a:extLst>
-          </p:cNvPr>
-          <p:cNvCxnSpPr>
-            <a:cxnSpLocks/>
-            <a:stCxn id="22" idx="2"/>
-            <a:endCxn id="108" idx="0"/>
-          </p:cNvCxnSpPr>
-          <p:nvPr/>
-        </p:nvCxnSpPr>
-        <p:spPr>
-          <a:xfrm flipH="1">
-            <a:off x="5537889" y="7099789"/>
-            <a:ext cx="2793" cy="1191469"/>
-          </a:xfrm>
-          <a:prstGeom prst="line">
-            <a:avLst/>
-          </a:prstGeom>
-        </p:spPr>
-        <p:style>
-          <a:lnRef idx="1">
-            <a:schemeClr val="dk1"/>
-          </a:lnRef>
-          <a:fillRef idx="0">
-            <a:schemeClr val="dk1"/>
-          </a:fillRef>
-          <a:effectRef idx="0">
-            <a:schemeClr val="dk1"/>
-          </a:effectRef>
-          <a:fontRef idx="minor">
-            <a:schemeClr val="tx1"/>
-          </a:fontRef>
-        </p:style>
-      </p:cxnSp>
-      <p:sp>
-        <p:nvSpPr>
-          <p:cNvPr id="141" name="직사각형 140">
-            <a:extLst>
-              <a:ext uri="{FF2B5EF4-FFF2-40B4-BE49-F238E27FC236}">
-                <a16:creationId xmlns:a16="http://schemas.microsoft.com/office/drawing/2014/main" id="{4E74859C-1AE3-AE10-4779-5676D6D6F967}"/>
-              </a:ext>
-            </a:extLst>
-          </p:cNvPr>
-          <p:cNvSpPr/>
-          <p:nvPr/>
-        </p:nvSpPr>
-        <p:spPr>
-          <a:xfrm>
-            <a:off x="6401524" y="6505429"/>
-            <a:ext cx="1417320" cy="594360"/>
-          </a:xfrm>
-          <a:prstGeom prst="rect">
-            <a:avLst/>
-          </a:prstGeom>
-        </p:spPr>
-        <p:style>
-          <a:lnRef idx="2">
-            <a:schemeClr val="dk1">
-              <a:shade val="15000"/>
-            </a:schemeClr>
-          </a:lnRef>
-          <a:fillRef idx="1">
-            <a:schemeClr val="dk1"/>
-          </a:fillRef>
-          <a:effectRef idx="0">
-            <a:schemeClr val="dk1"/>
-          </a:effectRef>
-          <a:fontRef idx="minor">
-            <a:schemeClr val="lt1"/>
-          </a:fontRef>
-        </p:style>
-        <p:txBody>
-          <a:bodyPr rtlCol="0" anchor="ctr"/>
-          <a:lstStyle/>
-          <a:p>
-            <a:pPr algn="ctr"/>
-            <a:r>
-              <a:rPr kumimoji="1" lang="en-US" altLang="ko-Kore-US" b="1" dirty="0"/>
-              <a:t>Database</a:t>
-            </a:r>
-            <a:endParaRPr kumimoji="1" lang="ko-Kore-US" altLang="en-US" b="1" dirty="0"/>
-          </a:p>
-        </p:txBody>
-      </p:sp>
-      <p:sp>
-        <p:nvSpPr>
-          <p:cNvPr id="140" name="모서리가 둥근 직사각형 139">
-            <a:extLst>
-              <a:ext uri="{FF2B5EF4-FFF2-40B4-BE49-F238E27FC236}">
-                <a16:creationId xmlns:a16="http://schemas.microsoft.com/office/drawing/2014/main" id="{DED195FE-A3DF-FC51-7622-C757558C9762}"/>
-              </a:ext>
-            </a:extLst>
-          </p:cNvPr>
-          <p:cNvSpPr/>
-          <p:nvPr/>
-        </p:nvSpPr>
-        <p:spPr>
-          <a:xfrm>
-            <a:off x="14295720" y="3658358"/>
-            <a:ext cx="6176941" cy="5952803"/>
+            <a:off x="18268817" y="2729948"/>
+            <a:ext cx="3078113" cy="5195251"/>
           </a:xfrm>
           <a:prstGeom prst="roundRect">
             <a:avLst/>
           </a:prstGeom>
           <a:solidFill>
-            <a:schemeClr val="accent4">
+            <a:schemeClr val="accent6">
               <a:lumMod val="40000"/>
               <a:lumOff val="60000"/>
             </a:schemeClr>
@@ -4616,16 +3629,16 @@
           <a:lstStyle/>
           <a:p>
             <a:pPr algn="ctr"/>
-            <a:endParaRPr kumimoji="1" lang="ko-Kore-US" altLang="en-US" b="1"/>
-          </a:p>
-        </p:txBody>
-      </p:sp>
-      <p:sp>
-        <p:nvSpPr>
-          <p:cNvPr id="144" name="모서리가 둥근 직사각형 143">
+            <a:endParaRPr kumimoji="1" lang="ko-Kore-US" altLang="en-US"/>
+          </a:p>
+        </p:txBody>
+      </p:sp>
+      <p:sp>
+        <p:nvSpPr>
+          <p:cNvPr id="183" name="모서리가 둥근 직사각형 182">
             <a:extLst>
               <a:ext uri="{FF2B5EF4-FFF2-40B4-BE49-F238E27FC236}">
-                <a16:creationId xmlns:a16="http://schemas.microsoft.com/office/drawing/2014/main" id="{2F8894F7-C469-FF34-1B49-D2A497CB3C9C}"/>
+                <a16:creationId xmlns:a16="http://schemas.microsoft.com/office/drawing/2014/main" id="{82C73FBA-9F20-1BFD-6EC9-E45E8B99C427}"/>
               </a:ext>
             </a:extLst>
           </p:cNvPr>
@@ -4634,24 +3647,21 @@
         </p:nvSpPr>
         <p:spPr>
           <a:xfrm>
-            <a:off x="14502384" y="6296877"/>
-            <a:ext cx="5833871" cy="3152454"/>
+            <a:off x="14542888" y="3146217"/>
+            <a:ext cx="3433282" cy="4062900"/>
           </a:xfrm>
           <a:prstGeom prst="roundRect">
             <a:avLst/>
           </a:prstGeom>
           <a:solidFill>
-            <a:schemeClr val="accent6">
-              <a:lumMod val="60000"/>
-              <a:lumOff val="40000"/>
+            <a:schemeClr val="accent1">
+              <a:lumMod val="40000"/>
+              <a:lumOff val="60000"/>
             </a:schemeClr>
           </a:solidFill>
           <a:ln>
             <a:noFill/>
           </a:ln>
-          <a:effectLst>
-            <a:softEdge rad="0"/>
-          </a:effectLst>
         </p:spPr>
         <p:style>
           <a:lnRef idx="2">
@@ -4674,990 +3684,7 @@
           <a:lstStyle/>
           <a:p>
             <a:pPr algn="ctr"/>
-            <a:endParaRPr kumimoji="1" lang="ko-Kore-US" altLang="en-US" b="1" dirty="0"/>
-          </a:p>
-        </p:txBody>
-      </p:sp>
-      <p:cxnSp>
-        <p:nvCxnSpPr>
-          <p:cNvPr id="36" name="직선 연결선[R] 35">
-            <a:extLst>
-              <a:ext uri="{FF2B5EF4-FFF2-40B4-BE49-F238E27FC236}">
-                <a16:creationId xmlns:a16="http://schemas.microsoft.com/office/drawing/2014/main" id="{80CE84EE-23DA-7E04-FA1E-E9F2522B82AE}"/>
-              </a:ext>
-            </a:extLst>
-          </p:cNvPr>
-          <p:cNvCxnSpPr>
-            <a:stCxn id="17" idx="2"/>
-            <a:endCxn id="29" idx="0"/>
-          </p:cNvCxnSpPr>
-          <p:nvPr/>
-        </p:nvCxnSpPr>
-        <p:spPr>
-          <a:xfrm>
-            <a:off x="17450027" y="4685837"/>
-            <a:ext cx="1902" cy="837493"/>
-          </a:xfrm>
-          <a:prstGeom prst="line">
-            <a:avLst/>
-          </a:prstGeom>
-        </p:spPr>
-        <p:style>
-          <a:lnRef idx="1">
-            <a:schemeClr val="dk1"/>
-          </a:lnRef>
-          <a:fillRef idx="0">
-            <a:schemeClr val="dk1"/>
-          </a:fillRef>
-          <a:effectRef idx="0">
-            <a:schemeClr val="dk1"/>
-          </a:effectRef>
-          <a:fontRef idx="minor">
-            <a:schemeClr val="tx1"/>
-          </a:fontRef>
-        </p:style>
-      </p:cxnSp>
-      <p:cxnSp>
-        <p:nvCxnSpPr>
-          <p:cNvPr id="38" name="꺾인 연결선[E] 37">
-            <a:extLst>
-              <a:ext uri="{FF2B5EF4-FFF2-40B4-BE49-F238E27FC236}">
-                <a16:creationId xmlns:a16="http://schemas.microsoft.com/office/drawing/2014/main" id="{E58F4C9D-B453-4FAD-1C3A-227659798B2C}"/>
-              </a:ext>
-            </a:extLst>
-          </p:cNvPr>
-          <p:cNvCxnSpPr>
-            <a:stCxn id="17" idx="2"/>
-            <a:endCxn id="28" idx="0"/>
-          </p:cNvCxnSpPr>
-          <p:nvPr/>
-        </p:nvCxnSpPr>
-        <p:spPr>
-          <a:xfrm rot="5400000">
-            <a:off x="16011879" y="4085181"/>
-            <a:ext cx="837493" cy="2038804"/>
-          </a:xfrm>
-          <a:prstGeom prst="bentConnector3">
-            <a:avLst/>
-          </a:prstGeom>
-        </p:spPr>
-        <p:style>
-          <a:lnRef idx="1">
-            <a:schemeClr val="dk1"/>
-          </a:lnRef>
-          <a:fillRef idx="0">
-            <a:schemeClr val="dk1"/>
-          </a:fillRef>
-          <a:effectRef idx="0">
-            <a:schemeClr val="dk1"/>
-          </a:effectRef>
-          <a:fontRef idx="minor">
-            <a:schemeClr val="tx1"/>
-          </a:fontRef>
-        </p:style>
-      </p:cxnSp>
-      <p:cxnSp>
-        <p:nvCxnSpPr>
-          <p:cNvPr id="39" name="꺾인 연결선[E] 38">
-            <a:extLst>
-              <a:ext uri="{FF2B5EF4-FFF2-40B4-BE49-F238E27FC236}">
-                <a16:creationId xmlns:a16="http://schemas.microsoft.com/office/drawing/2014/main" id="{D53BB674-8011-EDBB-D088-81AFD3F4CB2A}"/>
-              </a:ext>
-            </a:extLst>
-          </p:cNvPr>
-          <p:cNvCxnSpPr>
-            <a:cxnSpLocks/>
-            <a:stCxn id="17" idx="2"/>
-            <a:endCxn id="31" idx="0"/>
-          </p:cNvCxnSpPr>
-          <p:nvPr/>
-        </p:nvCxnSpPr>
-        <p:spPr>
-          <a:xfrm rot="16200000" flipH="1">
-            <a:off x="18061728" y="4074135"/>
-            <a:ext cx="837493" cy="2060895"/>
-          </a:xfrm>
-          <a:prstGeom prst="bentConnector3">
-            <a:avLst>
-              <a:gd name="adj1" fmla="val 50000"/>
-            </a:avLst>
-          </a:prstGeom>
-        </p:spPr>
-        <p:style>
-          <a:lnRef idx="1">
-            <a:schemeClr val="dk1"/>
-          </a:lnRef>
-          <a:fillRef idx="0">
-            <a:schemeClr val="dk1"/>
-          </a:fillRef>
-          <a:effectRef idx="0">
-            <a:schemeClr val="dk1"/>
-          </a:effectRef>
-          <a:fontRef idx="minor">
-            <a:schemeClr val="tx1"/>
-          </a:fontRef>
-        </p:style>
-      </p:cxnSp>
-      <p:cxnSp>
-        <p:nvCxnSpPr>
-          <p:cNvPr id="49" name="꺾인 연결선[E] 48">
-            <a:extLst>
-              <a:ext uri="{FF2B5EF4-FFF2-40B4-BE49-F238E27FC236}">
-                <a16:creationId xmlns:a16="http://schemas.microsoft.com/office/drawing/2014/main" id="{BCA94374-8D1B-FD06-066C-33CAB46D6C5C}"/>
-              </a:ext>
-            </a:extLst>
-          </p:cNvPr>
-          <p:cNvCxnSpPr>
-            <a:cxnSpLocks/>
-            <a:stCxn id="29" idx="2"/>
-            <a:endCxn id="33" idx="0"/>
-          </p:cNvCxnSpPr>
-          <p:nvPr/>
-        </p:nvCxnSpPr>
-        <p:spPr>
-          <a:xfrm rot="16200000" flipH="1">
-            <a:off x="17037755" y="6531864"/>
-            <a:ext cx="837493" cy="9144"/>
-          </a:xfrm>
-          <a:prstGeom prst="bentConnector3">
-            <a:avLst/>
-          </a:prstGeom>
-        </p:spPr>
-        <p:style>
-          <a:lnRef idx="1">
-            <a:schemeClr val="dk1"/>
-          </a:lnRef>
-          <a:fillRef idx="0">
-            <a:schemeClr val="dk1"/>
-          </a:fillRef>
-          <a:effectRef idx="0">
-            <a:schemeClr val="dk1"/>
-          </a:effectRef>
-          <a:fontRef idx="minor">
-            <a:schemeClr val="tx1"/>
-          </a:fontRef>
-        </p:style>
-      </p:cxnSp>
-      <p:cxnSp>
-        <p:nvCxnSpPr>
-          <p:cNvPr id="50" name="꺾인 연결선[E] 49">
-            <a:extLst>
-              <a:ext uri="{FF2B5EF4-FFF2-40B4-BE49-F238E27FC236}">
-                <a16:creationId xmlns:a16="http://schemas.microsoft.com/office/drawing/2014/main" id="{E2F055A6-DCFC-2A96-645A-2604C04D08A6}"/>
-              </a:ext>
-            </a:extLst>
-          </p:cNvPr>
-          <p:cNvCxnSpPr>
-            <a:cxnSpLocks/>
-            <a:stCxn id="29" idx="2"/>
-            <a:endCxn id="32" idx="0"/>
-          </p:cNvCxnSpPr>
-          <p:nvPr/>
-        </p:nvCxnSpPr>
-        <p:spPr>
-          <a:xfrm rot="16200000" flipH="1">
-            <a:off x="18062679" y="5506939"/>
-            <a:ext cx="837493" cy="2058993"/>
-          </a:xfrm>
-          <a:prstGeom prst="bentConnector3">
-            <a:avLst>
-              <a:gd name="adj1" fmla="val 50000"/>
-            </a:avLst>
-          </a:prstGeom>
-        </p:spPr>
-        <p:style>
-          <a:lnRef idx="1">
-            <a:schemeClr val="dk1"/>
-          </a:lnRef>
-          <a:fillRef idx="0">
-            <a:schemeClr val="dk1"/>
-          </a:fillRef>
-          <a:effectRef idx="0">
-            <a:schemeClr val="dk1"/>
-          </a:effectRef>
-          <a:fontRef idx="minor">
-            <a:schemeClr val="tx1"/>
-          </a:fontRef>
-        </p:style>
-      </p:cxnSp>
-      <p:cxnSp>
-        <p:nvCxnSpPr>
-          <p:cNvPr id="54" name="꺾인 연결선[E] 53">
-            <a:extLst>
-              <a:ext uri="{FF2B5EF4-FFF2-40B4-BE49-F238E27FC236}">
-                <a16:creationId xmlns:a16="http://schemas.microsoft.com/office/drawing/2014/main" id="{882CB19A-2C5F-E75E-9581-1EC9D9957502}"/>
-              </a:ext>
-            </a:extLst>
-          </p:cNvPr>
-          <p:cNvCxnSpPr>
-            <a:cxnSpLocks/>
-            <a:stCxn id="29" idx="2"/>
-            <a:endCxn id="34" idx="0"/>
-          </p:cNvCxnSpPr>
-          <p:nvPr/>
-        </p:nvCxnSpPr>
-        <p:spPr>
-          <a:xfrm rot="5400000">
-            <a:off x="16012830" y="5516083"/>
-            <a:ext cx="837493" cy="2040706"/>
-          </a:xfrm>
-          <a:prstGeom prst="bentConnector3">
-            <a:avLst/>
-          </a:prstGeom>
-        </p:spPr>
-        <p:style>
-          <a:lnRef idx="1">
-            <a:schemeClr val="dk1"/>
-          </a:lnRef>
-          <a:fillRef idx="0">
-            <a:schemeClr val="dk1"/>
-          </a:fillRef>
-          <a:effectRef idx="0">
-            <a:schemeClr val="dk1"/>
-          </a:effectRef>
-          <a:fontRef idx="minor">
-            <a:schemeClr val="tx1"/>
-          </a:fontRef>
-        </p:style>
-      </p:cxnSp>
-      <p:cxnSp>
-        <p:nvCxnSpPr>
-          <p:cNvPr id="114" name="꺾인 연결선[E] 113">
-            <a:extLst>
-              <a:ext uri="{FF2B5EF4-FFF2-40B4-BE49-F238E27FC236}">
-                <a16:creationId xmlns:a16="http://schemas.microsoft.com/office/drawing/2014/main" id="{43BC6B5F-7F8A-88EA-BF29-5A60A4DE4BC1}"/>
-              </a:ext>
-            </a:extLst>
-          </p:cNvPr>
-          <p:cNvCxnSpPr>
-            <a:cxnSpLocks/>
-            <a:stCxn id="32" idx="2"/>
-            <a:endCxn id="113" idx="0"/>
-          </p:cNvCxnSpPr>
-          <p:nvPr/>
-        </p:nvCxnSpPr>
-        <p:spPr>
-          <a:xfrm rot="5400000">
-            <a:off x="19092176" y="7968289"/>
-            <a:ext cx="837493" cy="12700"/>
-          </a:xfrm>
-          <a:prstGeom prst="bentConnector3">
-            <a:avLst>
-              <a:gd name="adj1" fmla="val 50000"/>
-            </a:avLst>
-          </a:prstGeom>
-        </p:spPr>
-        <p:style>
-          <a:lnRef idx="1">
-            <a:schemeClr val="dk1"/>
-          </a:lnRef>
-          <a:fillRef idx="0">
-            <a:schemeClr val="dk1"/>
-          </a:fillRef>
-          <a:effectRef idx="0">
-            <a:schemeClr val="dk1"/>
-          </a:effectRef>
-          <a:fontRef idx="minor">
-            <a:schemeClr val="tx1"/>
-          </a:fontRef>
-        </p:style>
-      </p:cxnSp>
-      <p:sp>
-        <p:nvSpPr>
-          <p:cNvPr id="17" name="직사각형 16">
-            <a:extLst>
-              <a:ext uri="{FF2B5EF4-FFF2-40B4-BE49-F238E27FC236}">
-                <a16:creationId xmlns:a16="http://schemas.microsoft.com/office/drawing/2014/main" id="{23E68FCD-5437-2627-0A21-E3A11BDD2A99}"/>
-              </a:ext>
-            </a:extLst>
-          </p:cNvPr>
-          <p:cNvSpPr/>
-          <p:nvPr/>
-        </p:nvSpPr>
-        <p:spPr>
-          <a:xfrm>
-            <a:off x="16741367" y="4091477"/>
-            <a:ext cx="1417320" cy="594360"/>
-          </a:xfrm>
-          <a:prstGeom prst="rect">
-            <a:avLst/>
-          </a:prstGeom>
-        </p:spPr>
-        <p:style>
-          <a:lnRef idx="2">
-            <a:schemeClr val="dk1">
-              <a:shade val="15000"/>
-            </a:schemeClr>
-          </a:lnRef>
-          <a:fillRef idx="1">
-            <a:schemeClr val="dk1"/>
-          </a:fillRef>
-          <a:effectRef idx="0">
-            <a:schemeClr val="dk1"/>
-          </a:effectRef>
-          <a:fontRef idx="minor">
-            <a:schemeClr val="lt1"/>
-          </a:fontRef>
-        </p:style>
-        <p:txBody>
-          <a:bodyPr rtlCol="0" anchor="ctr"/>
-          <a:lstStyle/>
-          <a:p>
-            <a:pPr algn="ctr"/>
-            <a:r>
-              <a:rPr kumimoji="1" lang="en-US" altLang="ko-Kore-US" b="1" dirty="0"/>
-              <a:t>Presentation</a:t>
-            </a:r>
-            <a:endParaRPr kumimoji="1" lang="ko-Kore-US" altLang="en-US" b="1" dirty="0"/>
-          </a:p>
-        </p:txBody>
-      </p:sp>
-      <p:sp>
-        <p:nvSpPr>
-          <p:cNvPr id="28" name="직사각형 27">
-            <a:extLst>
-              <a:ext uri="{FF2B5EF4-FFF2-40B4-BE49-F238E27FC236}">
-                <a16:creationId xmlns:a16="http://schemas.microsoft.com/office/drawing/2014/main" id="{E9370EC3-BB5F-C45C-E1E1-A891246F490A}"/>
-              </a:ext>
-            </a:extLst>
-          </p:cNvPr>
-          <p:cNvSpPr/>
-          <p:nvPr/>
-        </p:nvSpPr>
-        <p:spPr>
-          <a:xfrm>
-            <a:off x="14702563" y="5523330"/>
-            <a:ext cx="1417320" cy="594360"/>
-          </a:xfrm>
-          <a:prstGeom prst="rect">
-            <a:avLst/>
-          </a:prstGeom>
-        </p:spPr>
-        <p:style>
-          <a:lnRef idx="2">
-            <a:schemeClr val="dk1">
-              <a:shade val="15000"/>
-            </a:schemeClr>
-          </a:lnRef>
-          <a:fillRef idx="1">
-            <a:schemeClr val="dk1"/>
-          </a:fillRef>
-          <a:effectRef idx="0">
-            <a:schemeClr val="dk1"/>
-          </a:effectRef>
-          <a:fontRef idx="minor">
-            <a:schemeClr val="lt1"/>
-          </a:fontRef>
-        </p:style>
-        <p:txBody>
-          <a:bodyPr rtlCol="0" anchor="ctr"/>
-          <a:lstStyle/>
-          <a:p>
-            <a:pPr algn="ctr"/>
-            <a:r>
-              <a:rPr kumimoji="1" lang="en-US" altLang="ko-Kore-US" b="1" dirty="0"/>
-              <a:t>Feature A</a:t>
-            </a:r>
-            <a:endParaRPr kumimoji="1" lang="ko-Kore-US" altLang="en-US" b="1" dirty="0"/>
-          </a:p>
-        </p:txBody>
-      </p:sp>
-      <p:sp>
-        <p:nvSpPr>
-          <p:cNvPr id="29" name="직사각형 28">
-            <a:extLst>
-              <a:ext uri="{FF2B5EF4-FFF2-40B4-BE49-F238E27FC236}">
-                <a16:creationId xmlns:a16="http://schemas.microsoft.com/office/drawing/2014/main" id="{85418869-F674-C3F5-3C29-9A5C8E4E698B}"/>
-              </a:ext>
-            </a:extLst>
-          </p:cNvPr>
-          <p:cNvSpPr/>
-          <p:nvPr/>
-        </p:nvSpPr>
-        <p:spPr>
-          <a:xfrm>
-            <a:off x="16743269" y="5523330"/>
-            <a:ext cx="1417320" cy="594360"/>
-          </a:xfrm>
-          <a:prstGeom prst="rect">
-            <a:avLst/>
-          </a:prstGeom>
-        </p:spPr>
-        <p:style>
-          <a:lnRef idx="2">
-            <a:schemeClr val="dk1">
-              <a:shade val="15000"/>
-            </a:schemeClr>
-          </a:lnRef>
-          <a:fillRef idx="1">
-            <a:schemeClr val="dk1"/>
-          </a:fillRef>
-          <a:effectRef idx="0">
-            <a:schemeClr val="dk1"/>
-          </a:effectRef>
-          <a:fontRef idx="minor">
-            <a:schemeClr val="lt1"/>
-          </a:fontRef>
-        </p:style>
-        <p:txBody>
-          <a:bodyPr rtlCol="0" anchor="ctr"/>
-          <a:lstStyle/>
-          <a:p>
-            <a:pPr algn="ctr"/>
-            <a:r>
-              <a:rPr kumimoji="1" lang="en-US" altLang="ko-Kore-US" b="1" dirty="0"/>
-              <a:t>Feature B</a:t>
-            </a:r>
-            <a:endParaRPr kumimoji="1" lang="ko-Kore-US" altLang="en-US" b="1" dirty="0"/>
-          </a:p>
-        </p:txBody>
-      </p:sp>
-      <p:sp>
-        <p:nvSpPr>
-          <p:cNvPr id="31" name="직사각형 30">
-            <a:extLst>
-              <a:ext uri="{FF2B5EF4-FFF2-40B4-BE49-F238E27FC236}">
-                <a16:creationId xmlns:a16="http://schemas.microsoft.com/office/drawing/2014/main" id="{E35F81E2-FD1D-F358-2AE1-8476DDE1D785}"/>
-              </a:ext>
-            </a:extLst>
-          </p:cNvPr>
-          <p:cNvSpPr/>
-          <p:nvPr/>
-        </p:nvSpPr>
-        <p:spPr>
-          <a:xfrm>
-            <a:off x="18802262" y="5523330"/>
-            <a:ext cx="1417320" cy="594360"/>
-          </a:xfrm>
-          <a:prstGeom prst="rect">
-            <a:avLst/>
-          </a:prstGeom>
-        </p:spPr>
-        <p:style>
-          <a:lnRef idx="2">
-            <a:schemeClr val="dk1">
-              <a:shade val="15000"/>
-            </a:schemeClr>
-          </a:lnRef>
-          <a:fillRef idx="1">
-            <a:schemeClr val="dk1"/>
-          </a:fillRef>
-          <a:effectRef idx="0">
-            <a:schemeClr val="dk1"/>
-          </a:effectRef>
-          <a:fontRef idx="minor">
-            <a:schemeClr val="lt1"/>
-          </a:fontRef>
-        </p:style>
-        <p:txBody>
-          <a:bodyPr rtlCol="0" anchor="ctr"/>
-          <a:lstStyle/>
-          <a:p>
-            <a:pPr algn="ctr"/>
-            <a:r>
-              <a:rPr lang="en-US" altLang="ko-Kore-US" b="1" dirty="0">
-                <a:solidFill>
-                  <a:schemeClr val="bg1"/>
-                </a:solidFill>
-                <a:latin typeface="Open Sans" panose="020F0502020204030204" pitchFamily="34" charset="0"/>
-              </a:rPr>
-              <a:t>·</a:t>
-            </a:r>
-            <a:r>
-              <a:rPr lang="en-US" altLang="ko-Kore-US" b="1" dirty="0">
-                <a:solidFill>
-                  <a:schemeClr val="bg1"/>
-                </a:solidFill>
-                <a:latin typeface="Open Sans" panose="020B0606030504020204" pitchFamily="34" charset="0"/>
-              </a:rPr>
-              <a:t>··</a:t>
-            </a:r>
-            <a:endParaRPr kumimoji="1" lang="ko-Kore-US" altLang="en-US" b="1" dirty="0">
-              <a:solidFill>
-                <a:schemeClr val="bg1"/>
-              </a:solidFill>
-            </a:endParaRPr>
-          </a:p>
-        </p:txBody>
-      </p:sp>
-      <p:sp>
-        <p:nvSpPr>
-          <p:cNvPr id="32" name="직사각형 31">
-            <a:extLst>
-              <a:ext uri="{FF2B5EF4-FFF2-40B4-BE49-F238E27FC236}">
-                <a16:creationId xmlns:a16="http://schemas.microsoft.com/office/drawing/2014/main" id="{56BA3D88-7933-21CD-059E-039890808633}"/>
-              </a:ext>
-            </a:extLst>
-          </p:cNvPr>
-          <p:cNvSpPr/>
-          <p:nvPr/>
-        </p:nvSpPr>
-        <p:spPr>
-          <a:xfrm>
-            <a:off x="18802262" y="6955183"/>
-            <a:ext cx="1417320" cy="594360"/>
-          </a:xfrm>
-          <a:prstGeom prst="rect">
-            <a:avLst/>
-          </a:prstGeom>
-        </p:spPr>
-        <p:style>
-          <a:lnRef idx="2">
-            <a:schemeClr val="dk1">
-              <a:shade val="15000"/>
-            </a:schemeClr>
-          </a:lnRef>
-          <a:fillRef idx="1">
-            <a:schemeClr val="dk1"/>
-          </a:fillRef>
-          <a:effectRef idx="0">
-            <a:schemeClr val="dk1"/>
-          </a:effectRef>
-          <a:fontRef idx="minor">
-            <a:schemeClr val="lt1"/>
-          </a:fontRef>
-        </p:style>
-        <p:txBody>
-          <a:bodyPr rtlCol="0" anchor="ctr"/>
-          <a:lstStyle/>
-          <a:p>
-            <a:pPr algn="ctr"/>
-            <a:r>
-              <a:rPr kumimoji="1" lang="en-US" altLang="ko-Kore-US" b="1" dirty="0"/>
-              <a:t>UI</a:t>
-            </a:r>
-            <a:endParaRPr kumimoji="1" lang="ko-Kore-US" altLang="en-US" b="1" dirty="0"/>
-          </a:p>
-        </p:txBody>
-      </p:sp>
-      <p:sp>
-        <p:nvSpPr>
-          <p:cNvPr id="33" name="직사각형 32">
-            <a:extLst>
-              <a:ext uri="{FF2B5EF4-FFF2-40B4-BE49-F238E27FC236}">
-                <a16:creationId xmlns:a16="http://schemas.microsoft.com/office/drawing/2014/main" id="{E1E0E67D-A952-ED44-A77A-52C3E67F0905}"/>
-              </a:ext>
-            </a:extLst>
-          </p:cNvPr>
-          <p:cNvSpPr/>
-          <p:nvPr/>
-        </p:nvSpPr>
-        <p:spPr>
-          <a:xfrm>
-            <a:off x="16752413" y="6955183"/>
-            <a:ext cx="1417320" cy="594360"/>
-          </a:xfrm>
-          <a:prstGeom prst="rect">
-            <a:avLst/>
-          </a:prstGeom>
-        </p:spPr>
-        <p:style>
-          <a:lnRef idx="2">
-            <a:schemeClr val="dk1">
-              <a:shade val="15000"/>
-            </a:schemeClr>
-          </a:lnRef>
-          <a:fillRef idx="1">
-            <a:schemeClr val="dk1"/>
-          </a:fillRef>
-          <a:effectRef idx="0">
-            <a:schemeClr val="dk1"/>
-          </a:effectRef>
-          <a:fontRef idx="minor">
-            <a:schemeClr val="lt1"/>
-          </a:fontRef>
-        </p:style>
-        <p:txBody>
-          <a:bodyPr rtlCol="0" anchor="ctr"/>
-          <a:lstStyle/>
-          <a:p>
-            <a:pPr algn="ctr"/>
-            <a:r>
-              <a:rPr kumimoji="1" lang="en-US" altLang="ko-Kore-US" b="1" dirty="0"/>
-              <a:t>ViewModel</a:t>
-            </a:r>
-          </a:p>
-        </p:txBody>
-      </p:sp>
-      <p:sp>
-        <p:nvSpPr>
-          <p:cNvPr id="34" name="직사각형 33">
-            <a:extLst>
-              <a:ext uri="{FF2B5EF4-FFF2-40B4-BE49-F238E27FC236}">
-                <a16:creationId xmlns:a16="http://schemas.microsoft.com/office/drawing/2014/main" id="{E6626FBA-F1F1-A59F-C65A-0E485DF763BA}"/>
-              </a:ext>
-            </a:extLst>
-          </p:cNvPr>
-          <p:cNvSpPr/>
-          <p:nvPr/>
-        </p:nvSpPr>
-        <p:spPr>
-          <a:xfrm>
-            <a:off x="14702563" y="6955183"/>
-            <a:ext cx="1417320" cy="594360"/>
-          </a:xfrm>
-          <a:prstGeom prst="rect">
-            <a:avLst/>
-          </a:prstGeom>
-        </p:spPr>
-        <p:style>
-          <a:lnRef idx="2">
-            <a:schemeClr val="dk1">
-              <a:shade val="15000"/>
-            </a:schemeClr>
-          </a:lnRef>
-          <a:fillRef idx="1">
-            <a:schemeClr val="dk1"/>
-          </a:fillRef>
-          <a:effectRef idx="0">
-            <a:schemeClr val="dk1"/>
-          </a:effectRef>
-          <a:fontRef idx="minor">
-            <a:schemeClr val="lt1"/>
-          </a:fontRef>
-        </p:style>
-        <p:txBody>
-          <a:bodyPr rtlCol="0" anchor="ctr"/>
-          <a:lstStyle/>
-          <a:p>
-            <a:pPr algn="ctr"/>
-            <a:r>
-              <a:rPr kumimoji="1" lang="en-US" altLang="ko-Kore-US" b="1" dirty="0"/>
-              <a:t>Model</a:t>
-            </a:r>
-            <a:endParaRPr kumimoji="1" lang="ko-Kore-US" altLang="en-US" b="1" dirty="0"/>
-          </a:p>
-        </p:txBody>
-      </p:sp>
-      <p:sp>
-        <p:nvSpPr>
-          <p:cNvPr id="113" name="직사각형 112">
-            <a:extLst>
-              <a:ext uri="{FF2B5EF4-FFF2-40B4-BE49-F238E27FC236}">
-                <a16:creationId xmlns:a16="http://schemas.microsoft.com/office/drawing/2014/main" id="{97775401-12FD-8746-2FB6-87048F406CCF}"/>
-              </a:ext>
-            </a:extLst>
-          </p:cNvPr>
-          <p:cNvSpPr/>
-          <p:nvPr/>
-        </p:nvSpPr>
-        <p:spPr>
-          <a:xfrm>
-            <a:off x="18802262" y="8387036"/>
-            <a:ext cx="1417320" cy="594360"/>
-          </a:xfrm>
-          <a:prstGeom prst="rect">
-            <a:avLst/>
-          </a:prstGeom>
-        </p:spPr>
-        <p:style>
-          <a:lnRef idx="2">
-            <a:schemeClr val="dk1">
-              <a:shade val="15000"/>
-            </a:schemeClr>
-          </a:lnRef>
-          <a:fillRef idx="1">
-            <a:schemeClr val="dk1"/>
-          </a:fillRef>
-          <a:effectRef idx="0">
-            <a:schemeClr val="dk1"/>
-          </a:effectRef>
-          <a:fontRef idx="minor">
-            <a:schemeClr val="lt1"/>
-          </a:fontRef>
-        </p:style>
-        <p:txBody>
-          <a:bodyPr rtlCol="0" anchor="ctr"/>
-          <a:lstStyle/>
-          <a:p>
-            <a:pPr algn="ctr"/>
-            <a:r>
-              <a:rPr kumimoji="1" lang="en-US" altLang="ko-Kore-US" b="1" dirty="0"/>
-              <a:t>Composable</a:t>
-            </a:r>
-          </a:p>
-          <a:p>
-            <a:pPr algn="ctr"/>
-            <a:r>
-              <a:rPr kumimoji="1" lang="en-US" altLang="ko-Kore-US" b="1" dirty="0"/>
-              <a:t>Screen</a:t>
-            </a:r>
-          </a:p>
-        </p:txBody>
-      </p:sp>
-      <p:sp>
-        <p:nvSpPr>
-          <p:cNvPr id="121" name="직사각형 120">
-            <a:extLst>
-              <a:ext uri="{FF2B5EF4-FFF2-40B4-BE49-F238E27FC236}">
-                <a16:creationId xmlns:a16="http://schemas.microsoft.com/office/drawing/2014/main" id="{41F50E6C-0185-151F-16A1-545A7C9A9F3F}"/>
-              </a:ext>
-            </a:extLst>
-          </p:cNvPr>
-          <p:cNvSpPr/>
-          <p:nvPr/>
-        </p:nvSpPr>
-        <p:spPr>
-          <a:xfrm>
-            <a:off x="16752413" y="8387036"/>
-            <a:ext cx="1417320" cy="594360"/>
-          </a:xfrm>
-          <a:prstGeom prst="rect">
-            <a:avLst/>
-          </a:prstGeom>
-        </p:spPr>
-        <p:style>
-          <a:lnRef idx="2">
-            <a:schemeClr val="dk1">
-              <a:shade val="15000"/>
-            </a:schemeClr>
-          </a:lnRef>
-          <a:fillRef idx="1">
-            <a:schemeClr val="dk1"/>
-          </a:fillRef>
-          <a:effectRef idx="0">
-            <a:schemeClr val="dk1"/>
-          </a:effectRef>
-          <a:fontRef idx="minor">
-            <a:schemeClr val="lt1"/>
-          </a:fontRef>
-        </p:style>
-        <p:txBody>
-          <a:bodyPr rtlCol="0" anchor="ctr"/>
-          <a:lstStyle/>
-          <a:p>
-            <a:pPr algn="ctr"/>
-            <a:r>
-              <a:rPr kumimoji="1" lang="en-US" altLang="ko-Kore-US" b="1" dirty="0"/>
-              <a:t>Side Effect</a:t>
-            </a:r>
-            <a:endParaRPr kumimoji="1" lang="ko-Kore-US" altLang="en-US" b="1" dirty="0"/>
-          </a:p>
-        </p:txBody>
-      </p:sp>
-      <p:sp>
-        <p:nvSpPr>
-          <p:cNvPr id="122" name="직사각형 121">
-            <a:extLst>
-              <a:ext uri="{FF2B5EF4-FFF2-40B4-BE49-F238E27FC236}">
-                <a16:creationId xmlns:a16="http://schemas.microsoft.com/office/drawing/2014/main" id="{F83383DA-151E-9E77-97E1-94A2821F984D}"/>
-              </a:ext>
-            </a:extLst>
-          </p:cNvPr>
-          <p:cNvSpPr/>
-          <p:nvPr/>
-        </p:nvSpPr>
-        <p:spPr>
-          <a:xfrm>
-            <a:off x="14711707" y="8387036"/>
-            <a:ext cx="1417320" cy="594360"/>
-          </a:xfrm>
-          <a:prstGeom prst="rect">
-            <a:avLst/>
-          </a:prstGeom>
-        </p:spPr>
-        <p:style>
-          <a:lnRef idx="2">
-            <a:schemeClr val="dk1">
-              <a:shade val="15000"/>
-            </a:schemeClr>
-          </a:lnRef>
-          <a:fillRef idx="1">
-            <a:schemeClr val="dk1"/>
-          </a:fillRef>
-          <a:effectRef idx="0">
-            <a:schemeClr val="dk1"/>
-          </a:effectRef>
-          <a:fontRef idx="minor">
-            <a:schemeClr val="lt1"/>
-          </a:fontRef>
-        </p:style>
-        <p:txBody>
-          <a:bodyPr rtlCol="0" anchor="ctr"/>
-          <a:lstStyle/>
-          <a:p>
-            <a:pPr algn="ctr"/>
-            <a:r>
-              <a:rPr kumimoji="1" lang="en-US" altLang="ko-Kore-US" b="1" dirty="0"/>
-              <a:t>State</a:t>
-            </a:r>
-            <a:endParaRPr kumimoji="1" lang="ko-Kore-US" altLang="en-US" b="1" dirty="0"/>
-          </a:p>
-        </p:txBody>
-      </p:sp>
-      <p:cxnSp>
-        <p:nvCxnSpPr>
-          <p:cNvPr id="124" name="꺾인 연결선[E] 123">
-            <a:extLst>
-              <a:ext uri="{FF2B5EF4-FFF2-40B4-BE49-F238E27FC236}">
-                <a16:creationId xmlns:a16="http://schemas.microsoft.com/office/drawing/2014/main" id="{B90FECF0-10D6-2C5D-0EBD-53A84263724A}"/>
-              </a:ext>
-            </a:extLst>
-          </p:cNvPr>
-          <p:cNvCxnSpPr>
-            <a:stCxn id="34" idx="2"/>
-            <a:endCxn id="122" idx="0"/>
-          </p:cNvCxnSpPr>
-          <p:nvPr/>
-        </p:nvCxnSpPr>
-        <p:spPr>
-          <a:xfrm rot="16200000" flipH="1">
-            <a:off x="14997049" y="7963717"/>
-            <a:ext cx="837493" cy="9144"/>
-          </a:xfrm>
-          <a:prstGeom prst="bentConnector3">
-            <a:avLst/>
-          </a:prstGeom>
-        </p:spPr>
-        <p:style>
-          <a:lnRef idx="1">
-            <a:schemeClr val="dk1"/>
-          </a:lnRef>
-          <a:fillRef idx="0">
-            <a:schemeClr val="dk1"/>
-          </a:fillRef>
-          <a:effectRef idx="0">
-            <a:schemeClr val="dk1"/>
-          </a:effectRef>
-          <a:fontRef idx="minor">
-            <a:schemeClr val="tx1"/>
-          </a:fontRef>
-        </p:style>
-      </p:cxnSp>
-      <p:cxnSp>
-        <p:nvCxnSpPr>
-          <p:cNvPr id="126" name="꺾인 연결선[E] 125">
-            <a:extLst>
-              <a:ext uri="{FF2B5EF4-FFF2-40B4-BE49-F238E27FC236}">
-                <a16:creationId xmlns:a16="http://schemas.microsoft.com/office/drawing/2014/main" id="{47DC75F6-AAE8-0FC7-39D4-C65FD6E8C8FE}"/>
-              </a:ext>
-            </a:extLst>
-          </p:cNvPr>
-          <p:cNvCxnSpPr>
-            <a:stCxn id="34" idx="2"/>
-            <a:endCxn id="121" idx="0"/>
-          </p:cNvCxnSpPr>
-          <p:nvPr/>
-        </p:nvCxnSpPr>
-        <p:spPr>
-          <a:xfrm rot="16200000" flipH="1">
-            <a:off x="16017402" y="6943364"/>
-            <a:ext cx="837493" cy="2049850"/>
-          </a:xfrm>
-          <a:prstGeom prst="bentConnector3">
-            <a:avLst/>
-          </a:prstGeom>
-        </p:spPr>
-        <p:style>
-          <a:lnRef idx="1">
-            <a:schemeClr val="dk1"/>
-          </a:lnRef>
-          <a:fillRef idx="0">
-            <a:schemeClr val="dk1"/>
-          </a:fillRef>
-          <a:effectRef idx="0">
-            <a:schemeClr val="dk1"/>
-          </a:effectRef>
-          <a:fontRef idx="minor">
-            <a:schemeClr val="tx1"/>
-          </a:fontRef>
-        </p:style>
-      </p:cxnSp>
-      <p:sp>
-        <p:nvSpPr>
-          <p:cNvPr id="146" name="TextBox 145">
-            <a:extLst>
-              <a:ext uri="{FF2B5EF4-FFF2-40B4-BE49-F238E27FC236}">
-                <a16:creationId xmlns:a16="http://schemas.microsoft.com/office/drawing/2014/main" id="{75C3E808-FD27-4B5A-9928-214CAC003A81}"/>
-              </a:ext>
-            </a:extLst>
-          </p:cNvPr>
-          <p:cNvSpPr txBox="1"/>
-          <p:nvPr/>
-        </p:nvSpPr>
-        <p:spPr>
-          <a:xfrm>
-            <a:off x="18636374" y="9065486"/>
-            <a:ext cx="1479829" cy="307777"/>
-          </a:xfrm>
-          <a:prstGeom prst="rect">
-            <a:avLst/>
-          </a:prstGeom>
-          <a:noFill/>
-        </p:spPr>
-        <p:txBody>
-          <a:bodyPr wrap="none" rtlCol="0">
-            <a:spAutoFit/>
-          </a:bodyPr>
-          <a:lstStyle/>
-          <a:p>
-            <a:r>
-              <a:rPr kumimoji="1" lang="en-US" altLang="ko-Kore-US" sz="1400" b="1" dirty="0">
-                <a:solidFill>
-                  <a:schemeClr val="accent6">
-                    <a:lumMod val="75000"/>
-                  </a:schemeClr>
-                </a:solidFill>
-              </a:rPr>
-              <a:t>MVI Components</a:t>
-            </a:r>
-            <a:endParaRPr kumimoji="1" lang="ko-Kore-US" altLang="en-US" sz="1400" b="1" dirty="0">
-              <a:solidFill>
-                <a:schemeClr val="accent6">
-                  <a:lumMod val="75000"/>
-                </a:schemeClr>
-              </a:solidFill>
-            </a:endParaRPr>
-          </a:p>
-        </p:txBody>
-      </p:sp>
-      <p:sp>
-        <p:nvSpPr>
-          <p:cNvPr id="147" name="직사각형 146">
-            <a:extLst>
-              <a:ext uri="{FF2B5EF4-FFF2-40B4-BE49-F238E27FC236}">
-                <a16:creationId xmlns:a16="http://schemas.microsoft.com/office/drawing/2014/main" id="{265C5A7B-0299-A4B8-E889-0C01D8928A46}"/>
-              </a:ext>
-            </a:extLst>
-          </p:cNvPr>
-          <p:cNvSpPr/>
-          <p:nvPr/>
-        </p:nvSpPr>
-        <p:spPr>
-          <a:xfrm>
-            <a:off x="12765692" y="7760830"/>
-            <a:ext cx="1417320" cy="594360"/>
-          </a:xfrm>
-          <a:prstGeom prst="rect">
-            <a:avLst/>
-          </a:prstGeom>
-        </p:spPr>
-        <p:style>
-          <a:lnRef idx="2">
-            <a:schemeClr val="dk1">
-              <a:shade val="15000"/>
-            </a:schemeClr>
-          </a:lnRef>
-          <a:fillRef idx="1">
-            <a:schemeClr val="dk1"/>
-          </a:fillRef>
-          <a:effectRef idx="0">
-            <a:schemeClr val="dk1"/>
-          </a:effectRef>
-          <a:fontRef idx="minor">
-            <a:schemeClr val="lt1"/>
-          </a:fontRef>
-        </p:style>
-        <p:txBody>
-          <a:bodyPr rtlCol="0" anchor="ctr"/>
-          <a:lstStyle/>
-          <a:p>
-            <a:pPr algn="ctr"/>
-            <a:r>
-              <a:rPr kumimoji="1" lang="en-US" altLang="ko-Kore-US" b="1" dirty="0"/>
-              <a:t>Use Case</a:t>
-            </a:r>
-            <a:endParaRPr kumimoji="1" lang="ko-Kore-US" altLang="en-US" b="1" dirty="0"/>
+            <a:endParaRPr kumimoji="1" lang="ko-Kore-US" altLang="en-US"/>
           </a:p>
         </p:txBody>
       </p:sp>
@@ -5675,8 +3702,8 @@
         </p:nvSpPr>
         <p:spPr>
           <a:xfrm>
-            <a:off x="16553915" y="9911143"/>
-            <a:ext cx="3209544" cy="369332"/>
+            <a:off x="18142225" y="11924543"/>
+            <a:ext cx="4027814" cy="461665"/>
           </a:xfrm>
           <a:prstGeom prst="rect">
             <a:avLst/>
@@ -5690,16 +3717,16 @@
           <a:lstStyle/>
           <a:p>
             <a:r>
-              <a:rPr kumimoji="1" lang="en-US" altLang="ko-Kore-US" b="1" dirty="0">
+              <a:rPr kumimoji="1" lang="en-US" altLang="ko-Kore-US" sz="2400" b="1" dirty="0">
                 <a:solidFill>
                   <a:schemeClr val="bg1">
                     <a:lumMod val="50000"/>
                   </a:schemeClr>
                 </a:solidFill>
               </a:rPr>
-              <a:t>Clean Architecture Components</a:t>
-            </a:r>
-            <a:endParaRPr kumimoji="1" lang="ko-Kore-US" altLang="en-US" b="1" dirty="0">
+              <a:t>App Architecture Components</a:t>
+            </a:r>
+            <a:endParaRPr kumimoji="1" lang="ko-Kore-US" altLang="en-US" sz="2400" b="1">
               <a:solidFill>
                 <a:schemeClr val="bg1">
                   <a:lumMod val="50000"/>
@@ -5709,32 +3736,410 @@
           </a:p>
         </p:txBody>
       </p:sp>
+      <p:sp>
+        <p:nvSpPr>
+          <p:cNvPr id="2" name="모서리가 둥근 직사각형 1">
+            <a:extLst>
+              <a:ext uri="{FF2B5EF4-FFF2-40B4-BE49-F238E27FC236}">
+                <a16:creationId xmlns:a16="http://schemas.microsoft.com/office/drawing/2014/main" id="{485B3930-A50E-974B-35C3-C5BD86219F60}"/>
+              </a:ext>
+            </a:extLst>
+          </p:cNvPr>
+          <p:cNvSpPr/>
+          <p:nvPr/>
+        </p:nvSpPr>
+        <p:spPr>
+          <a:xfrm>
+            <a:off x="15116529" y="6301144"/>
+            <a:ext cx="2286000" cy="411480"/>
+          </a:xfrm>
+          <a:prstGeom prst="roundRect">
+            <a:avLst/>
+          </a:prstGeom>
+          <a:solidFill>
+            <a:schemeClr val="accent1">
+              <a:lumMod val="75000"/>
+            </a:schemeClr>
+          </a:solidFill>
+          <a:ln>
+            <a:noFill/>
+          </a:ln>
+        </p:spPr>
+        <p:style>
+          <a:lnRef idx="2">
+            <a:schemeClr val="dk1">
+              <a:shade val="15000"/>
+            </a:schemeClr>
+          </a:lnRef>
+          <a:fillRef idx="1">
+            <a:schemeClr val="dk1"/>
+          </a:fillRef>
+          <a:effectRef idx="0">
+            <a:schemeClr val="dk1"/>
+          </a:effectRef>
+          <a:fontRef idx="minor">
+            <a:schemeClr val="lt1"/>
+          </a:fontRef>
+        </p:style>
+        <p:txBody>
+          <a:bodyPr rtlCol="0" anchor="ctr"/>
+          <a:lstStyle/>
+          <a:p>
+            <a:pPr algn="ctr"/>
+            <a:r>
+              <a:rPr kumimoji="1" lang="en-US" altLang="ko-Kore-US" b="1" dirty="0">
+                <a:latin typeface="Apple SD Gothic Neo" panose="02000300000000000000" pitchFamily="2" charset="-127"/>
+                <a:ea typeface="Apple SD Gothic Neo" panose="02000300000000000000" pitchFamily="2" charset="-127"/>
+              </a:rPr>
+              <a:t>:data-impl</a:t>
+            </a:r>
+            <a:endParaRPr kumimoji="1" lang="ko-Kore-US" altLang="en-US" b="1" dirty="0">
+              <a:latin typeface="Apple SD Gothic Neo" panose="02000300000000000000" pitchFamily="2" charset="-127"/>
+              <a:ea typeface="Apple SD Gothic Neo" panose="02000300000000000000" pitchFamily="2" charset="-127"/>
+            </a:endParaRPr>
+          </a:p>
+        </p:txBody>
+      </p:sp>
+      <p:sp>
+        <p:nvSpPr>
+          <p:cNvPr id="3" name="모서리가 둥근 직사각형 2">
+            <a:extLst>
+              <a:ext uri="{FF2B5EF4-FFF2-40B4-BE49-F238E27FC236}">
+                <a16:creationId xmlns:a16="http://schemas.microsoft.com/office/drawing/2014/main" id="{BACFD155-11C3-46F8-8FB3-FF6908FC2B13}"/>
+              </a:ext>
+            </a:extLst>
+          </p:cNvPr>
+          <p:cNvSpPr/>
+          <p:nvPr/>
+        </p:nvSpPr>
+        <p:spPr>
+          <a:xfrm>
+            <a:off x="5131748" y="3756861"/>
+            <a:ext cx="2286000" cy="411480"/>
+          </a:xfrm>
+          <a:prstGeom prst="roundRect">
+            <a:avLst/>
+          </a:prstGeom>
+        </p:spPr>
+        <p:style>
+          <a:lnRef idx="2">
+            <a:schemeClr val="dk1">
+              <a:shade val="15000"/>
+            </a:schemeClr>
+          </a:lnRef>
+          <a:fillRef idx="1">
+            <a:schemeClr val="dk1"/>
+          </a:fillRef>
+          <a:effectRef idx="0">
+            <a:schemeClr val="dk1"/>
+          </a:effectRef>
+          <a:fontRef idx="minor">
+            <a:schemeClr val="lt1"/>
+          </a:fontRef>
+        </p:style>
+        <p:txBody>
+          <a:bodyPr rtlCol="0" anchor="ctr"/>
+          <a:lstStyle/>
+          <a:p>
+            <a:pPr algn="ctr"/>
+            <a:r>
+              <a:rPr kumimoji="1" lang="en-US" altLang="ko-Kore-US" b="1" dirty="0">
+                <a:latin typeface="Apple SD Gothic Neo" panose="02000300000000000000" pitchFamily="2" charset="-127"/>
+                <a:ea typeface="Apple SD Gothic Neo" panose="02000300000000000000" pitchFamily="2" charset="-127"/>
+              </a:rPr>
+              <a:t>:app</a:t>
+            </a:r>
+            <a:endParaRPr kumimoji="1" lang="ko-Kore-US" altLang="en-US" b="1">
+              <a:latin typeface="Apple SD Gothic Neo" panose="02000300000000000000" pitchFamily="2" charset="-127"/>
+              <a:ea typeface="Apple SD Gothic Neo" panose="02000300000000000000" pitchFamily="2" charset="-127"/>
+            </a:endParaRPr>
+          </a:p>
+        </p:txBody>
+      </p:sp>
+      <p:sp>
+        <p:nvSpPr>
+          <p:cNvPr id="4" name="모서리가 둥근 직사각형 3">
+            <a:extLst>
+              <a:ext uri="{FF2B5EF4-FFF2-40B4-BE49-F238E27FC236}">
+                <a16:creationId xmlns:a16="http://schemas.microsoft.com/office/drawing/2014/main" id="{CDA1301F-DDF9-C1C4-07C2-A6639501C165}"/>
+              </a:ext>
+            </a:extLst>
+          </p:cNvPr>
+          <p:cNvSpPr/>
+          <p:nvPr/>
+        </p:nvSpPr>
+        <p:spPr>
+          <a:xfrm>
+            <a:off x="8504454" y="3756859"/>
+            <a:ext cx="2286000" cy="411480"/>
+          </a:xfrm>
+          <a:prstGeom prst="roundRect">
+            <a:avLst/>
+          </a:prstGeom>
+          <a:solidFill>
+            <a:schemeClr val="accent4">
+              <a:lumMod val="75000"/>
+            </a:schemeClr>
+          </a:solidFill>
+          <a:ln>
+            <a:noFill/>
+          </a:ln>
+        </p:spPr>
+        <p:style>
+          <a:lnRef idx="2">
+            <a:schemeClr val="dk1">
+              <a:shade val="15000"/>
+            </a:schemeClr>
+          </a:lnRef>
+          <a:fillRef idx="1">
+            <a:schemeClr val="dk1"/>
+          </a:fillRef>
+          <a:effectRef idx="0">
+            <a:schemeClr val="dk1"/>
+          </a:effectRef>
+          <a:fontRef idx="minor">
+            <a:schemeClr val="lt1"/>
+          </a:fontRef>
+        </p:style>
+        <p:txBody>
+          <a:bodyPr rtlCol="0" anchor="ctr"/>
+          <a:lstStyle/>
+          <a:p>
+            <a:pPr algn="ctr"/>
+            <a:r>
+              <a:rPr kumimoji="1" lang="en-US" altLang="ko-Kore-US" b="1" dirty="0">
+                <a:latin typeface="Apple SD Gothic Neo" panose="02000300000000000000" pitchFamily="2" charset="-127"/>
+                <a:ea typeface="Apple SD Gothic Neo" panose="02000300000000000000" pitchFamily="2" charset="-127"/>
+              </a:rPr>
+              <a:t>:presentation</a:t>
+            </a:r>
+            <a:endParaRPr kumimoji="1" lang="ko-Kore-US" altLang="en-US" b="1">
+              <a:latin typeface="Apple SD Gothic Neo" panose="02000300000000000000" pitchFamily="2" charset="-127"/>
+              <a:ea typeface="Apple SD Gothic Neo" panose="02000300000000000000" pitchFamily="2" charset="-127"/>
+            </a:endParaRPr>
+          </a:p>
+        </p:txBody>
+      </p:sp>
+      <p:sp>
+        <p:nvSpPr>
+          <p:cNvPr id="5" name="모서리가 둥근 직사각형 4">
+            <a:extLst>
+              <a:ext uri="{FF2B5EF4-FFF2-40B4-BE49-F238E27FC236}">
+                <a16:creationId xmlns:a16="http://schemas.microsoft.com/office/drawing/2014/main" id="{C440F91F-FA5B-D353-1A30-44AF54D7E2F0}"/>
+              </a:ext>
+            </a:extLst>
+          </p:cNvPr>
+          <p:cNvSpPr/>
+          <p:nvPr/>
+        </p:nvSpPr>
+        <p:spPr>
+          <a:xfrm>
+            <a:off x="15116529" y="3736852"/>
+            <a:ext cx="2286000" cy="411480"/>
+          </a:xfrm>
+          <a:prstGeom prst="roundRect">
+            <a:avLst/>
+          </a:prstGeom>
+          <a:solidFill>
+            <a:schemeClr val="accent1">
+              <a:lumMod val="75000"/>
+            </a:schemeClr>
+          </a:solidFill>
+          <a:ln>
+            <a:noFill/>
+          </a:ln>
+        </p:spPr>
+        <p:style>
+          <a:lnRef idx="2">
+            <a:schemeClr val="dk1">
+              <a:shade val="15000"/>
+            </a:schemeClr>
+          </a:lnRef>
+          <a:fillRef idx="1">
+            <a:schemeClr val="dk1"/>
+          </a:fillRef>
+          <a:effectRef idx="0">
+            <a:schemeClr val="dk1"/>
+          </a:effectRef>
+          <a:fontRef idx="minor">
+            <a:schemeClr val="lt1"/>
+          </a:fontRef>
+        </p:style>
+        <p:txBody>
+          <a:bodyPr rtlCol="0" anchor="ctr"/>
+          <a:lstStyle/>
+          <a:p>
+            <a:pPr algn="ctr"/>
+            <a:r>
+              <a:rPr kumimoji="1" lang="en-US" altLang="ko-Kore-US" b="1" dirty="0">
+                <a:latin typeface="Apple SD Gothic Neo" panose="02000300000000000000" pitchFamily="2" charset="-127"/>
+                <a:ea typeface="Apple SD Gothic Neo" panose="02000300000000000000" pitchFamily="2" charset="-127"/>
+              </a:rPr>
+              <a:t>:data-api</a:t>
+            </a:r>
+            <a:endParaRPr kumimoji="1" lang="ko-Kore-US" altLang="en-US" b="1">
+              <a:latin typeface="Apple SD Gothic Neo" panose="02000300000000000000" pitchFamily="2" charset="-127"/>
+              <a:ea typeface="Apple SD Gothic Neo" panose="02000300000000000000" pitchFamily="2" charset="-127"/>
+            </a:endParaRPr>
+          </a:p>
+        </p:txBody>
+      </p:sp>
+      <p:sp>
+        <p:nvSpPr>
+          <p:cNvPr id="30" name="모서리가 둥근 직사각형 29">
+            <a:extLst>
+              <a:ext uri="{FF2B5EF4-FFF2-40B4-BE49-F238E27FC236}">
+                <a16:creationId xmlns:a16="http://schemas.microsoft.com/office/drawing/2014/main" id="{8B47B446-B0F3-F4CA-52FE-7FC52C9D3846}"/>
+              </a:ext>
+            </a:extLst>
+          </p:cNvPr>
+          <p:cNvSpPr/>
+          <p:nvPr/>
+        </p:nvSpPr>
+        <p:spPr>
+          <a:xfrm>
+            <a:off x="5145000" y="7513719"/>
+            <a:ext cx="2286000" cy="411480"/>
+          </a:xfrm>
+          <a:prstGeom prst="roundRect">
+            <a:avLst/>
+          </a:prstGeom>
+        </p:spPr>
+        <p:style>
+          <a:lnRef idx="2">
+            <a:schemeClr val="dk1">
+              <a:shade val="15000"/>
+            </a:schemeClr>
+          </a:lnRef>
+          <a:fillRef idx="1">
+            <a:schemeClr val="dk1"/>
+          </a:fillRef>
+          <a:effectRef idx="0">
+            <a:schemeClr val="dk1"/>
+          </a:effectRef>
+          <a:fontRef idx="minor">
+            <a:schemeClr val="lt1"/>
+          </a:fontRef>
+        </p:style>
+        <p:txBody>
+          <a:bodyPr rtlCol="0" anchor="ctr"/>
+          <a:lstStyle/>
+          <a:p>
+            <a:pPr algn="ctr"/>
+            <a:r>
+              <a:rPr kumimoji="1" lang="en-US" altLang="ko-Kore-US" b="1" dirty="0">
+                <a:latin typeface="Apple SD Gothic Neo" panose="02000300000000000000" pitchFamily="2" charset="-127"/>
+                <a:ea typeface="Apple SD Gothic Neo" panose="02000300000000000000" pitchFamily="2" charset="-127"/>
+              </a:rPr>
+              <a:t>:buildconfig</a:t>
+            </a:r>
+            <a:endParaRPr kumimoji="1" lang="ko-Kore-US" altLang="en-US" b="1" dirty="0">
+              <a:latin typeface="Apple SD Gothic Neo" panose="02000300000000000000" pitchFamily="2" charset="-127"/>
+              <a:ea typeface="Apple SD Gothic Neo" panose="02000300000000000000" pitchFamily="2" charset="-127"/>
+            </a:endParaRPr>
+          </a:p>
+        </p:txBody>
+      </p:sp>
+      <p:sp>
+        <p:nvSpPr>
+          <p:cNvPr id="35" name="모서리가 둥근 직사각형 34">
+            <a:extLst>
+              <a:ext uri="{FF2B5EF4-FFF2-40B4-BE49-F238E27FC236}">
+                <a16:creationId xmlns:a16="http://schemas.microsoft.com/office/drawing/2014/main" id="{12D3DE59-1D03-3DCE-E454-444F1C9F6459}"/>
+              </a:ext>
+            </a:extLst>
+          </p:cNvPr>
+          <p:cNvSpPr/>
+          <p:nvPr/>
+        </p:nvSpPr>
+        <p:spPr>
+          <a:xfrm>
+            <a:off x="3600847" y="11434427"/>
+            <a:ext cx="2286000" cy="411480"/>
+          </a:xfrm>
+          <a:prstGeom prst="roundRect">
+            <a:avLst/>
+          </a:prstGeom>
+          <a:solidFill>
+            <a:schemeClr val="bg1"/>
+          </a:solidFill>
+          <a:ln>
+            <a:noFill/>
+          </a:ln>
+        </p:spPr>
+        <p:style>
+          <a:lnRef idx="2">
+            <a:schemeClr val="dk1">
+              <a:shade val="15000"/>
+            </a:schemeClr>
+          </a:lnRef>
+          <a:fillRef idx="1">
+            <a:schemeClr val="dk1"/>
+          </a:fillRef>
+          <a:effectRef idx="0">
+            <a:schemeClr val="dk1"/>
+          </a:effectRef>
+          <a:fontRef idx="minor">
+            <a:schemeClr val="lt1"/>
+          </a:fontRef>
+        </p:style>
+        <p:txBody>
+          <a:bodyPr rtlCol="0" anchor="ctr"/>
+          <a:lstStyle/>
+          <a:p>
+            <a:pPr algn="ctr"/>
+            <a:r>
+              <a:rPr kumimoji="1" lang="en-US" altLang="ko-Kore-US" b="1" dirty="0">
+                <a:solidFill>
+                  <a:schemeClr val="tx1"/>
+                </a:solidFill>
+                <a:latin typeface="Apple SD Gothic Neo" panose="02000300000000000000" pitchFamily="2" charset="-127"/>
+                <a:ea typeface="Apple SD Gothic Neo" panose="02000300000000000000" pitchFamily="2" charset="-127"/>
+              </a:rPr>
+              <a:t>:buildconfig-stub</a:t>
+            </a:r>
+            <a:endParaRPr kumimoji="1" lang="ko-Kore-US" altLang="en-US" b="1" dirty="0">
+              <a:solidFill>
+                <a:schemeClr val="tx1"/>
+              </a:solidFill>
+              <a:latin typeface="Apple SD Gothic Neo" panose="02000300000000000000" pitchFamily="2" charset="-127"/>
+              <a:ea typeface="Apple SD Gothic Neo" panose="02000300000000000000" pitchFamily="2" charset="-127"/>
+            </a:endParaRPr>
+          </a:p>
+        </p:txBody>
+      </p:sp>
       <p:cxnSp>
         <p:nvCxnSpPr>
-          <p:cNvPr id="89" name="꺾인 연결선[E] 88">
+          <p:cNvPr id="40" name="꺾인 연결선[E] 39">
             <a:extLst>
               <a:ext uri="{FF2B5EF4-FFF2-40B4-BE49-F238E27FC236}">
-                <a16:creationId xmlns:a16="http://schemas.microsoft.com/office/drawing/2014/main" id="{942E890D-B76B-2D5A-B4BC-30C372D721B9}"/>
+                <a16:creationId xmlns:a16="http://schemas.microsoft.com/office/drawing/2014/main" id="{386BCE9B-65A1-BCFF-822A-649DB733FE61}"/>
               </a:ext>
             </a:extLst>
           </p:cNvPr>
           <p:cNvCxnSpPr>
             <a:cxnSpLocks/>
-            <a:stCxn id="9" idx="2"/>
-            <a:endCxn id="17" idx="0"/>
+            <a:stCxn id="3" idx="3"/>
+            <a:endCxn id="4" idx="1"/>
           </p:cNvCxnSpPr>
           <p:nvPr/>
         </p:nvCxnSpPr>
         <p:spPr>
-          <a:xfrm rot="16200000" flipH="1">
-            <a:off x="14343327" y="984777"/>
-            <a:ext cx="628680" cy="5584720"/>
+          <a:xfrm flipV="1">
+            <a:off x="7417748" y="3962599"/>
+            <a:ext cx="1086706" cy="2"/>
           </a:xfrm>
           <a:prstGeom prst="bentConnector3">
-            <a:avLst>
-              <a:gd name="adj1" fmla="val 50000"/>
-            </a:avLst>
+            <a:avLst/>
           </a:prstGeom>
+          <a:ln>
+            <a:solidFill>
+              <a:schemeClr val="accent4">
+                <a:lumMod val="75000"/>
+              </a:schemeClr>
+            </a:solidFill>
+            <a:tailEnd type="triangle"/>
+          </a:ln>
         </p:spPr>
         <p:style>
           <a:lnRef idx="1">
@@ -5753,28 +4158,31 @@
       </p:cxnSp>
       <p:cxnSp>
         <p:nvCxnSpPr>
-          <p:cNvPr id="88" name="꺾인 연결선[E] 87">
+          <p:cNvPr id="46" name="직선 화살표 연결선 45">
             <a:extLst>
               <a:ext uri="{FF2B5EF4-FFF2-40B4-BE49-F238E27FC236}">
-                <a16:creationId xmlns:a16="http://schemas.microsoft.com/office/drawing/2014/main" id="{C94B6C71-EA67-0F99-92C2-D6DF572FBC30}"/>
+                <a16:creationId xmlns:a16="http://schemas.microsoft.com/office/drawing/2014/main" id="{964DD24A-BBBC-6D6C-EF4C-630FADCF4BEC}"/>
               </a:ext>
             </a:extLst>
           </p:cNvPr>
           <p:cNvCxnSpPr>
             <a:cxnSpLocks/>
-            <a:stCxn id="9" idx="2"/>
-            <a:endCxn id="21" idx="0"/>
+            <a:stCxn id="35" idx="0"/>
           </p:cNvCxnSpPr>
           <p:nvPr/>
         </p:nvCxnSpPr>
         <p:spPr>
-          <a:xfrm rot="5400000">
-            <a:off x="8859345" y="1713637"/>
-            <a:ext cx="1256803" cy="4755123"/>
-          </a:xfrm>
-          <a:prstGeom prst="bentConnector3">
+          <a:xfrm flipV="1">
+            <a:off x="4743847" y="9925878"/>
+            <a:ext cx="2056689" cy="1508549"/>
+          </a:xfrm>
+          <a:prstGeom prst="straightConnector1">
             <a:avLst/>
           </a:prstGeom>
+          <a:ln>
+            <a:prstDash val="dash"/>
+            <a:tailEnd type="triangle"/>
+          </a:ln>
         </p:spPr>
         <p:style>
           <a:lnRef idx="1">
@@ -5791,6 +4199,2208 @@
           </a:fontRef>
         </p:style>
       </p:cxnSp>
+      <p:sp>
+        <p:nvSpPr>
+          <p:cNvPr id="53" name="TextBox 52">
+            <a:extLst>
+              <a:ext uri="{FF2B5EF4-FFF2-40B4-BE49-F238E27FC236}">
+                <a16:creationId xmlns:a16="http://schemas.microsoft.com/office/drawing/2014/main" id="{71E5C8D6-96A2-2AE8-DB89-3A2FF9B19C29}"/>
+              </a:ext>
+            </a:extLst>
+          </p:cNvPr>
+          <p:cNvSpPr txBox="1"/>
+          <p:nvPr/>
+        </p:nvSpPr>
+        <p:spPr>
+          <a:xfrm>
+            <a:off x="5736837" y="10839443"/>
+            <a:ext cx="1186543" cy="307777"/>
+          </a:xfrm>
+          <a:prstGeom prst="rect">
+            <a:avLst/>
+          </a:prstGeom>
+          <a:noFill/>
+        </p:spPr>
+        <p:txBody>
+          <a:bodyPr wrap="none" rtlCol="0">
+            <a:spAutoFit/>
+          </a:bodyPr>
+          <a:lstStyle/>
+          <a:p>
+            <a:r>
+              <a:rPr kumimoji="1" lang="en-US" altLang="ko-Kore-US" sz="1400" b="1" i="1" dirty="0">
+                <a:latin typeface="Apple SD Gothic Neo" panose="02000300000000000000" pitchFamily="2" charset="-127"/>
+                <a:ea typeface="Apple SD Gothic Neo" panose="02000300000000000000" pitchFamily="2" charset="-127"/>
+              </a:rPr>
+              <a:t>compileOnly</a:t>
+            </a:r>
+            <a:endParaRPr kumimoji="1" lang="ko-Kore-US" altLang="en-US" sz="1400" b="1" i="1" dirty="0">
+              <a:latin typeface="Apple SD Gothic Neo" panose="02000300000000000000" pitchFamily="2" charset="-127"/>
+              <a:ea typeface="Apple SD Gothic Neo" panose="02000300000000000000" pitchFamily="2" charset="-127"/>
+            </a:endParaRPr>
+          </a:p>
+        </p:txBody>
+      </p:sp>
+      <p:sp>
+        <p:nvSpPr>
+          <p:cNvPr id="56" name="모서리가 둥근 직사각형 55">
+            <a:extLst>
+              <a:ext uri="{FF2B5EF4-FFF2-40B4-BE49-F238E27FC236}">
+                <a16:creationId xmlns:a16="http://schemas.microsoft.com/office/drawing/2014/main" id="{F088E08F-B180-93E6-789F-2FD317D9ABAE}"/>
+              </a:ext>
+            </a:extLst>
+          </p:cNvPr>
+          <p:cNvSpPr/>
+          <p:nvPr/>
+        </p:nvSpPr>
+        <p:spPr>
+          <a:xfrm>
+            <a:off x="18664873" y="3062074"/>
+            <a:ext cx="2286000" cy="411480"/>
+          </a:xfrm>
+          <a:prstGeom prst="roundRect">
+            <a:avLst/>
+          </a:prstGeom>
+          <a:solidFill>
+            <a:schemeClr val="accent6">
+              <a:lumMod val="75000"/>
+            </a:schemeClr>
+          </a:solidFill>
+          <a:ln>
+            <a:noFill/>
+          </a:ln>
+        </p:spPr>
+        <p:style>
+          <a:lnRef idx="2">
+            <a:schemeClr val="dk1">
+              <a:shade val="15000"/>
+            </a:schemeClr>
+          </a:lnRef>
+          <a:fillRef idx="1">
+            <a:schemeClr val="dk1"/>
+          </a:fillRef>
+          <a:effectRef idx="0">
+            <a:schemeClr val="dk1"/>
+          </a:effectRef>
+          <a:fontRef idx="minor">
+            <a:schemeClr val="lt1"/>
+          </a:fontRef>
+        </p:style>
+        <p:txBody>
+          <a:bodyPr rtlCol="0" anchor="ctr"/>
+          <a:lstStyle/>
+          <a:p>
+            <a:pPr algn="ctr"/>
+            <a:r>
+              <a:rPr kumimoji="1" lang="en-US" altLang="ko-Kore-US" b="1" dirty="0">
+                <a:latin typeface="Apple SD Gothic Neo" panose="02000300000000000000" pitchFamily="2" charset="-127"/>
+                <a:ea typeface="Apple SD Gothic Neo" panose="02000300000000000000" pitchFamily="2" charset="-127"/>
+              </a:rPr>
+              <a:t>:data:network-api</a:t>
+            </a:r>
+          </a:p>
+        </p:txBody>
+      </p:sp>
+      <p:sp>
+        <p:nvSpPr>
+          <p:cNvPr id="57" name="모서리가 둥근 직사각형 56">
+            <a:extLst>
+              <a:ext uri="{FF2B5EF4-FFF2-40B4-BE49-F238E27FC236}">
+                <a16:creationId xmlns:a16="http://schemas.microsoft.com/office/drawing/2014/main" id="{5F3C32A3-973C-8139-7345-22A2EAEB3420}"/>
+              </a:ext>
+            </a:extLst>
+          </p:cNvPr>
+          <p:cNvSpPr/>
+          <p:nvPr/>
+        </p:nvSpPr>
+        <p:spPr>
+          <a:xfrm>
+            <a:off x="18664873" y="3739999"/>
+            <a:ext cx="2286000" cy="411480"/>
+          </a:xfrm>
+          <a:prstGeom prst="roundRect">
+            <a:avLst/>
+          </a:prstGeom>
+          <a:solidFill>
+            <a:schemeClr val="accent6">
+              <a:lumMod val="75000"/>
+            </a:schemeClr>
+          </a:solidFill>
+          <a:ln>
+            <a:noFill/>
+          </a:ln>
+        </p:spPr>
+        <p:style>
+          <a:lnRef idx="2">
+            <a:schemeClr val="dk1">
+              <a:shade val="15000"/>
+            </a:schemeClr>
+          </a:lnRef>
+          <a:fillRef idx="1">
+            <a:schemeClr val="dk1"/>
+          </a:fillRef>
+          <a:effectRef idx="0">
+            <a:schemeClr val="dk1"/>
+          </a:effectRef>
+          <a:fontRef idx="minor">
+            <a:schemeClr val="lt1"/>
+          </a:fontRef>
+        </p:style>
+        <p:txBody>
+          <a:bodyPr rtlCol="0" anchor="ctr"/>
+          <a:lstStyle/>
+          <a:p>
+            <a:pPr algn="ctr"/>
+            <a:r>
+              <a:rPr kumimoji="1" lang="en-US" altLang="ko-Kore-US" b="1" dirty="0">
+                <a:latin typeface="Apple SD Gothic Neo" panose="02000300000000000000" pitchFamily="2" charset="-127"/>
+                <a:ea typeface="Apple SD Gothic Neo" panose="02000300000000000000" pitchFamily="2" charset="-127"/>
+              </a:rPr>
+              <a:t>:data:database-api</a:t>
+            </a:r>
+          </a:p>
+        </p:txBody>
+      </p:sp>
+      <p:sp>
+        <p:nvSpPr>
+          <p:cNvPr id="58" name="모서리가 둥근 직사각형 57">
+            <a:extLst>
+              <a:ext uri="{FF2B5EF4-FFF2-40B4-BE49-F238E27FC236}">
+                <a16:creationId xmlns:a16="http://schemas.microsoft.com/office/drawing/2014/main" id="{64FDDBEB-F90D-CCFE-B301-AAE32A914DB0}"/>
+              </a:ext>
+            </a:extLst>
+          </p:cNvPr>
+          <p:cNvSpPr/>
+          <p:nvPr/>
+        </p:nvSpPr>
+        <p:spPr>
+          <a:xfrm>
+            <a:off x="18664873" y="4417924"/>
+            <a:ext cx="2286000" cy="411480"/>
+          </a:xfrm>
+          <a:prstGeom prst="roundRect">
+            <a:avLst/>
+          </a:prstGeom>
+          <a:solidFill>
+            <a:schemeClr val="accent6">
+              <a:lumMod val="75000"/>
+            </a:schemeClr>
+          </a:solidFill>
+          <a:ln>
+            <a:noFill/>
+          </a:ln>
+        </p:spPr>
+        <p:style>
+          <a:lnRef idx="2">
+            <a:schemeClr val="dk1">
+              <a:shade val="15000"/>
+            </a:schemeClr>
+          </a:lnRef>
+          <a:fillRef idx="1">
+            <a:schemeClr val="dk1"/>
+          </a:fillRef>
+          <a:effectRef idx="0">
+            <a:schemeClr val="dk1"/>
+          </a:effectRef>
+          <a:fontRef idx="minor">
+            <a:schemeClr val="lt1"/>
+          </a:fontRef>
+        </p:style>
+        <p:txBody>
+          <a:bodyPr rtlCol="0" anchor="ctr"/>
+          <a:lstStyle/>
+          <a:p>
+            <a:pPr algn="ctr"/>
+            <a:r>
+              <a:rPr kumimoji="1" lang="en-US" altLang="ko-Kore-US" b="1" dirty="0">
+                <a:latin typeface="Apple SD Gothic Neo" panose="02000300000000000000" pitchFamily="2" charset="-127"/>
+                <a:ea typeface="Apple SD Gothic Neo" panose="02000300000000000000" pitchFamily="2" charset="-127"/>
+              </a:rPr>
+              <a:t>:data:…-api</a:t>
+            </a:r>
+          </a:p>
+        </p:txBody>
+      </p:sp>
+      <p:sp>
+        <p:nvSpPr>
+          <p:cNvPr id="61" name="모서리가 둥근 직사각형 60">
+            <a:extLst>
+              <a:ext uri="{FF2B5EF4-FFF2-40B4-BE49-F238E27FC236}">
+                <a16:creationId xmlns:a16="http://schemas.microsoft.com/office/drawing/2014/main" id="{37CDEC7C-680A-07E1-DE85-3CCA6393DA6D}"/>
+              </a:ext>
+            </a:extLst>
+          </p:cNvPr>
+          <p:cNvSpPr/>
+          <p:nvPr/>
+        </p:nvSpPr>
+        <p:spPr>
+          <a:xfrm>
+            <a:off x="18664873" y="5622079"/>
+            <a:ext cx="2286000" cy="411480"/>
+          </a:xfrm>
+          <a:prstGeom prst="roundRect">
+            <a:avLst/>
+          </a:prstGeom>
+          <a:solidFill>
+            <a:schemeClr val="accent6">
+              <a:lumMod val="75000"/>
+            </a:schemeClr>
+          </a:solidFill>
+          <a:ln>
+            <a:noFill/>
+          </a:ln>
+        </p:spPr>
+        <p:style>
+          <a:lnRef idx="2">
+            <a:schemeClr val="dk1">
+              <a:shade val="15000"/>
+            </a:schemeClr>
+          </a:lnRef>
+          <a:fillRef idx="1">
+            <a:schemeClr val="dk1"/>
+          </a:fillRef>
+          <a:effectRef idx="0">
+            <a:schemeClr val="dk1"/>
+          </a:effectRef>
+          <a:fontRef idx="minor">
+            <a:schemeClr val="lt1"/>
+          </a:fontRef>
+        </p:style>
+        <p:txBody>
+          <a:bodyPr rtlCol="0" anchor="ctr"/>
+          <a:lstStyle/>
+          <a:p>
+            <a:pPr algn="ctr"/>
+            <a:r>
+              <a:rPr kumimoji="1" lang="en-US" altLang="ko-Kore-US" b="1" dirty="0">
+                <a:latin typeface="Apple SD Gothic Neo" panose="02000300000000000000" pitchFamily="2" charset="-127"/>
+                <a:ea typeface="Apple SD Gothic Neo" panose="02000300000000000000" pitchFamily="2" charset="-127"/>
+              </a:rPr>
+              <a:t>:data:network-impl</a:t>
+            </a:r>
+          </a:p>
+        </p:txBody>
+      </p:sp>
+      <p:sp>
+        <p:nvSpPr>
+          <p:cNvPr id="62" name="모서리가 둥근 직사각형 61">
+            <a:extLst>
+              <a:ext uri="{FF2B5EF4-FFF2-40B4-BE49-F238E27FC236}">
+                <a16:creationId xmlns:a16="http://schemas.microsoft.com/office/drawing/2014/main" id="{DCAD3665-4FC7-4BC4-1171-894B16E4E849}"/>
+              </a:ext>
+            </a:extLst>
+          </p:cNvPr>
+          <p:cNvSpPr/>
+          <p:nvPr/>
+        </p:nvSpPr>
+        <p:spPr>
+          <a:xfrm>
+            <a:off x="18664873" y="6300004"/>
+            <a:ext cx="2286000" cy="411480"/>
+          </a:xfrm>
+          <a:prstGeom prst="roundRect">
+            <a:avLst/>
+          </a:prstGeom>
+          <a:solidFill>
+            <a:schemeClr val="accent6">
+              <a:lumMod val="75000"/>
+            </a:schemeClr>
+          </a:solidFill>
+          <a:ln>
+            <a:noFill/>
+          </a:ln>
+        </p:spPr>
+        <p:style>
+          <a:lnRef idx="2">
+            <a:schemeClr val="dk1">
+              <a:shade val="15000"/>
+            </a:schemeClr>
+          </a:lnRef>
+          <a:fillRef idx="1">
+            <a:schemeClr val="dk1"/>
+          </a:fillRef>
+          <a:effectRef idx="0">
+            <a:schemeClr val="dk1"/>
+          </a:effectRef>
+          <a:fontRef idx="minor">
+            <a:schemeClr val="lt1"/>
+          </a:fontRef>
+        </p:style>
+        <p:txBody>
+          <a:bodyPr rtlCol="0" anchor="ctr"/>
+          <a:lstStyle/>
+          <a:p>
+            <a:pPr algn="ctr"/>
+            <a:r>
+              <a:rPr kumimoji="1" lang="en-US" altLang="ko-Kore-US" b="1" dirty="0">
+                <a:latin typeface="Apple SD Gothic Neo" panose="02000300000000000000" pitchFamily="2" charset="-127"/>
+                <a:ea typeface="Apple SD Gothic Neo" panose="02000300000000000000" pitchFamily="2" charset="-127"/>
+              </a:rPr>
+              <a:t>:data:database-impl</a:t>
+            </a:r>
+          </a:p>
+        </p:txBody>
+      </p:sp>
+      <p:sp>
+        <p:nvSpPr>
+          <p:cNvPr id="63" name="모서리가 둥근 직사각형 62">
+            <a:extLst>
+              <a:ext uri="{FF2B5EF4-FFF2-40B4-BE49-F238E27FC236}">
+                <a16:creationId xmlns:a16="http://schemas.microsoft.com/office/drawing/2014/main" id="{7351E891-D95F-F631-8633-A84133A681ED}"/>
+              </a:ext>
+            </a:extLst>
+          </p:cNvPr>
+          <p:cNvSpPr/>
+          <p:nvPr/>
+        </p:nvSpPr>
+        <p:spPr>
+          <a:xfrm>
+            <a:off x="18664873" y="6977929"/>
+            <a:ext cx="2286000" cy="411480"/>
+          </a:xfrm>
+          <a:prstGeom prst="roundRect">
+            <a:avLst/>
+          </a:prstGeom>
+          <a:solidFill>
+            <a:schemeClr val="accent6">
+              <a:lumMod val="75000"/>
+            </a:schemeClr>
+          </a:solidFill>
+          <a:ln>
+            <a:noFill/>
+          </a:ln>
+        </p:spPr>
+        <p:style>
+          <a:lnRef idx="2">
+            <a:schemeClr val="dk1">
+              <a:shade val="15000"/>
+            </a:schemeClr>
+          </a:lnRef>
+          <a:fillRef idx="1">
+            <a:schemeClr val="dk1"/>
+          </a:fillRef>
+          <a:effectRef idx="0">
+            <a:schemeClr val="dk1"/>
+          </a:effectRef>
+          <a:fontRef idx="minor">
+            <a:schemeClr val="lt1"/>
+          </a:fontRef>
+        </p:style>
+        <p:txBody>
+          <a:bodyPr rtlCol="0" anchor="ctr"/>
+          <a:lstStyle/>
+          <a:p>
+            <a:pPr algn="ctr"/>
+            <a:r>
+              <a:rPr kumimoji="1" lang="en-US" altLang="ko-Kore-US" b="1" dirty="0">
+                <a:latin typeface="Apple SD Gothic Neo" panose="02000300000000000000" pitchFamily="2" charset="-127"/>
+                <a:ea typeface="Apple SD Gothic Neo" panose="02000300000000000000" pitchFamily="2" charset="-127"/>
+              </a:rPr>
+              <a:t>:data:…-impl</a:t>
+            </a:r>
+          </a:p>
+        </p:txBody>
+      </p:sp>
+      <p:cxnSp>
+        <p:nvCxnSpPr>
+          <p:cNvPr id="75" name="꺾인 연결선[E] 74">
+            <a:extLst>
+              <a:ext uri="{FF2B5EF4-FFF2-40B4-BE49-F238E27FC236}">
+                <a16:creationId xmlns:a16="http://schemas.microsoft.com/office/drawing/2014/main" id="{079A6857-EE16-6A44-B40A-D7C8098A0D51}"/>
+              </a:ext>
+            </a:extLst>
+          </p:cNvPr>
+          <p:cNvCxnSpPr>
+            <a:cxnSpLocks/>
+            <a:stCxn id="2" idx="3"/>
+            <a:endCxn id="62" idx="1"/>
+          </p:cNvCxnSpPr>
+          <p:nvPr/>
+        </p:nvCxnSpPr>
+        <p:spPr>
+          <a:xfrm flipV="1">
+            <a:off x="17402529" y="6505744"/>
+            <a:ext cx="1262344" cy="1140"/>
+          </a:xfrm>
+          <a:prstGeom prst="bentConnector3">
+            <a:avLst>
+              <a:gd name="adj1" fmla="val 50000"/>
+            </a:avLst>
+          </a:prstGeom>
+          <a:ln>
+            <a:solidFill>
+              <a:schemeClr val="accent6">
+                <a:lumMod val="75000"/>
+              </a:schemeClr>
+            </a:solidFill>
+            <a:tailEnd type="triangle"/>
+          </a:ln>
+        </p:spPr>
+        <p:style>
+          <a:lnRef idx="1">
+            <a:schemeClr val="dk1"/>
+          </a:lnRef>
+          <a:fillRef idx="0">
+            <a:schemeClr val="dk1"/>
+          </a:fillRef>
+          <a:effectRef idx="0">
+            <a:schemeClr val="dk1"/>
+          </a:effectRef>
+          <a:fontRef idx="minor">
+            <a:schemeClr val="tx1"/>
+          </a:fontRef>
+        </p:style>
+      </p:cxnSp>
+      <p:cxnSp>
+        <p:nvCxnSpPr>
+          <p:cNvPr id="78" name="꺾인 연결선[E] 77">
+            <a:extLst>
+              <a:ext uri="{FF2B5EF4-FFF2-40B4-BE49-F238E27FC236}">
+                <a16:creationId xmlns:a16="http://schemas.microsoft.com/office/drawing/2014/main" id="{6D3494E7-6C26-D17B-D9FB-D5097E8EB0E4}"/>
+              </a:ext>
+            </a:extLst>
+          </p:cNvPr>
+          <p:cNvCxnSpPr>
+            <a:cxnSpLocks/>
+            <a:stCxn id="2" idx="3"/>
+            <a:endCxn id="63" idx="1"/>
+          </p:cNvCxnSpPr>
+          <p:nvPr/>
+        </p:nvCxnSpPr>
+        <p:spPr>
+          <a:xfrm>
+            <a:off x="17402529" y="6506884"/>
+            <a:ext cx="1262344" cy="676785"/>
+          </a:xfrm>
+          <a:prstGeom prst="bentConnector3">
+            <a:avLst>
+              <a:gd name="adj1" fmla="val 50000"/>
+            </a:avLst>
+          </a:prstGeom>
+          <a:ln>
+            <a:solidFill>
+              <a:schemeClr val="accent6">
+                <a:lumMod val="75000"/>
+              </a:schemeClr>
+            </a:solidFill>
+            <a:tailEnd type="triangle"/>
+          </a:ln>
+        </p:spPr>
+        <p:style>
+          <a:lnRef idx="1">
+            <a:schemeClr val="dk1"/>
+          </a:lnRef>
+          <a:fillRef idx="0">
+            <a:schemeClr val="dk1"/>
+          </a:fillRef>
+          <a:effectRef idx="0">
+            <a:schemeClr val="dk1"/>
+          </a:effectRef>
+          <a:fontRef idx="minor">
+            <a:schemeClr val="tx1"/>
+          </a:fontRef>
+        </p:style>
+      </p:cxnSp>
+      <p:sp>
+        <p:nvSpPr>
+          <p:cNvPr id="100" name="모서리가 둥근 직사각형 99">
+            <a:extLst>
+              <a:ext uri="{FF2B5EF4-FFF2-40B4-BE49-F238E27FC236}">
+                <a16:creationId xmlns:a16="http://schemas.microsoft.com/office/drawing/2014/main" id="{4D0611BE-FDA7-14B3-8D8C-F6E85F9AECAA}"/>
+              </a:ext>
+            </a:extLst>
+          </p:cNvPr>
+          <p:cNvSpPr/>
+          <p:nvPr/>
+        </p:nvSpPr>
+        <p:spPr>
+          <a:xfrm>
+            <a:off x="11877160" y="3757105"/>
+            <a:ext cx="2286000" cy="411480"/>
+          </a:xfrm>
+          <a:prstGeom prst="roundRect">
+            <a:avLst/>
+          </a:prstGeom>
+          <a:solidFill>
+            <a:schemeClr val="accent4">
+              <a:lumMod val="75000"/>
+            </a:schemeClr>
+          </a:solidFill>
+          <a:ln>
+            <a:noFill/>
+          </a:ln>
+        </p:spPr>
+        <p:style>
+          <a:lnRef idx="2">
+            <a:schemeClr val="dk1">
+              <a:shade val="15000"/>
+            </a:schemeClr>
+          </a:lnRef>
+          <a:fillRef idx="1">
+            <a:schemeClr val="dk1"/>
+          </a:fillRef>
+          <a:effectRef idx="0">
+            <a:schemeClr val="dk1"/>
+          </a:effectRef>
+          <a:fontRef idx="minor">
+            <a:schemeClr val="lt1"/>
+          </a:fontRef>
+        </p:style>
+        <p:txBody>
+          <a:bodyPr rtlCol="0" anchor="ctr"/>
+          <a:lstStyle/>
+          <a:p>
+            <a:pPr algn="ctr"/>
+            <a:r>
+              <a:rPr kumimoji="1" lang="en-US" altLang="ko-Kore-US" sz="1600" b="1" dirty="0">
+                <a:latin typeface="Apple SD Gothic Neo" panose="02000300000000000000" pitchFamily="2" charset="-127"/>
+                <a:ea typeface="Apple SD Gothic Neo" panose="02000300000000000000" pitchFamily="2" charset="-127"/>
+              </a:rPr>
+              <a:t>:presentation:scheme</a:t>
+            </a:r>
+            <a:endParaRPr kumimoji="1" lang="ko-Kore-US" altLang="en-US" sz="1600" b="1" dirty="0">
+              <a:latin typeface="Apple SD Gothic Neo" panose="02000300000000000000" pitchFamily="2" charset="-127"/>
+              <a:ea typeface="Apple SD Gothic Neo" panose="02000300000000000000" pitchFamily="2" charset="-127"/>
+            </a:endParaRPr>
+          </a:p>
+        </p:txBody>
+      </p:sp>
+      <p:sp>
+        <p:nvSpPr>
+          <p:cNvPr id="102" name="모서리가 둥근 직사각형 101">
+            <a:extLst>
+              <a:ext uri="{FF2B5EF4-FFF2-40B4-BE49-F238E27FC236}">
+                <a16:creationId xmlns:a16="http://schemas.microsoft.com/office/drawing/2014/main" id="{6C6D534B-8210-F294-3ADC-3FC3EBAA49F4}"/>
+              </a:ext>
+            </a:extLst>
+          </p:cNvPr>
+          <p:cNvSpPr/>
+          <p:nvPr/>
+        </p:nvSpPr>
+        <p:spPr>
+          <a:xfrm>
+            <a:off x="11877160" y="4430625"/>
+            <a:ext cx="2286000" cy="411480"/>
+          </a:xfrm>
+          <a:prstGeom prst="roundRect">
+            <a:avLst/>
+          </a:prstGeom>
+          <a:solidFill>
+            <a:schemeClr val="accent4">
+              <a:lumMod val="75000"/>
+            </a:schemeClr>
+          </a:solidFill>
+          <a:ln>
+            <a:noFill/>
+          </a:ln>
+        </p:spPr>
+        <p:style>
+          <a:lnRef idx="2">
+            <a:schemeClr val="dk1">
+              <a:shade val="15000"/>
+            </a:schemeClr>
+          </a:lnRef>
+          <a:fillRef idx="1">
+            <a:schemeClr val="dk1"/>
+          </a:fillRef>
+          <a:effectRef idx="0">
+            <a:schemeClr val="dk1"/>
+          </a:effectRef>
+          <a:fontRef idx="minor">
+            <a:schemeClr val="lt1"/>
+          </a:fontRef>
+        </p:style>
+        <p:txBody>
+          <a:bodyPr rtlCol="0" anchor="ctr"/>
+          <a:lstStyle/>
+          <a:p>
+            <a:pPr algn="ctr"/>
+            <a:r>
+              <a:rPr kumimoji="1" lang="en-US" altLang="ko-Kore-US" b="1" dirty="0">
+                <a:latin typeface="Apple SD Gothic Neo" panose="02000300000000000000" pitchFamily="2" charset="-127"/>
+                <a:ea typeface="Apple SD Gothic Neo" panose="02000300000000000000" pitchFamily="2" charset="-127"/>
+              </a:rPr>
+              <a:t>:presentation:main</a:t>
+            </a:r>
+            <a:endParaRPr kumimoji="1" lang="ko-Kore-US" altLang="en-US" b="1" dirty="0">
+              <a:latin typeface="Apple SD Gothic Neo" panose="02000300000000000000" pitchFamily="2" charset="-127"/>
+              <a:ea typeface="Apple SD Gothic Neo" panose="02000300000000000000" pitchFamily="2" charset="-127"/>
+            </a:endParaRPr>
+          </a:p>
+        </p:txBody>
+      </p:sp>
+      <p:sp>
+        <p:nvSpPr>
+          <p:cNvPr id="103" name="모서리가 둥근 직사각형 102">
+            <a:extLst>
+              <a:ext uri="{FF2B5EF4-FFF2-40B4-BE49-F238E27FC236}">
+                <a16:creationId xmlns:a16="http://schemas.microsoft.com/office/drawing/2014/main" id="{16444C7B-F4DD-7BE3-05AE-880360FAA46C}"/>
+              </a:ext>
+            </a:extLst>
+          </p:cNvPr>
+          <p:cNvSpPr/>
+          <p:nvPr/>
+        </p:nvSpPr>
+        <p:spPr>
+          <a:xfrm>
+            <a:off x="11877160" y="5104146"/>
+            <a:ext cx="2286000" cy="411480"/>
+          </a:xfrm>
+          <a:prstGeom prst="roundRect">
+            <a:avLst/>
+          </a:prstGeom>
+          <a:solidFill>
+            <a:schemeClr val="accent4">
+              <a:lumMod val="75000"/>
+            </a:schemeClr>
+          </a:solidFill>
+          <a:ln>
+            <a:noFill/>
+          </a:ln>
+        </p:spPr>
+        <p:style>
+          <a:lnRef idx="2">
+            <a:schemeClr val="dk1">
+              <a:shade val="15000"/>
+            </a:schemeClr>
+          </a:lnRef>
+          <a:fillRef idx="1">
+            <a:schemeClr val="dk1"/>
+          </a:fillRef>
+          <a:effectRef idx="0">
+            <a:schemeClr val="dk1"/>
+          </a:effectRef>
+          <a:fontRef idx="minor">
+            <a:schemeClr val="lt1"/>
+          </a:fontRef>
+        </p:style>
+        <p:txBody>
+          <a:bodyPr rtlCol="0" anchor="ctr"/>
+          <a:lstStyle/>
+          <a:p>
+            <a:pPr algn="ctr"/>
+            <a:r>
+              <a:rPr kumimoji="1" lang="en-US" altLang="ko-Kore-US" b="1" dirty="0">
+                <a:latin typeface="Apple SD Gothic Neo" panose="02000300000000000000" pitchFamily="2" charset="-127"/>
+                <a:ea typeface="Apple SD Gothic Neo" panose="02000300000000000000" pitchFamily="2" charset="-127"/>
+              </a:rPr>
+              <a:t>:presentation:…</a:t>
+            </a:r>
+          </a:p>
+        </p:txBody>
+      </p:sp>
+      <p:sp>
+        <p:nvSpPr>
+          <p:cNvPr id="104" name="모서리가 둥근 직사각형 103">
+            <a:extLst>
+              <a:ext uri="{FF2B5EF4-FFF2-40B4-BE49-F238E27FC236}">
+                <a16:creationId xmlns:a16="http://schemas.microsoft.com/office/drawing/2014/main" id="{5D90600E-2A1D-E71E-62A7-D54CB1E70C51}"/>
+              </a:ext>
+            </a:extLst>
+          </p:cNvPr>
+          <p:cNvSpPr/>
+          <p:nvPr/>
+        </p:nvSpPr>
+        <p:spPr>
+          <a:xfrm>
+            <a:off x="9902326" y="9310285"/>
+            <a:ext cx="1828800" cy="411480"/>
+          </a:xfrm>
+          <a:prstGeom prst="roundRect">
+            <a:avLst/>
+          </a:prstGeom>
+          <a:solidFill>
+            <a:schemeClr val="accent2">
+              <a:lumMod val="75000"/>
+            </a:schemeClr>
+          </a:solidFill>
+          <a:ln>
+            <a:noFill/>
+          </a:ln>
+        </p:spPr>
+        <p:style>
+          <a:lnRef idx="2">
+            <a:schemeClr val="dk1">
+              <a:shade val="15000"/>
+            </a:schemeClr>
+          </a:lnRef>
+          <a:fillRef idx="1">
+            <a:schemeClr val="dk1"/>
+          </a:fillRef>
+          <a:effectRef idx="0">
+            <a:schemeClr val="dk1"/>
+          </a:effectRef>
+          <a:fontRef idx="minor">
+            <a:schemeClr val="lt1"/>
+          </a:fontRef>
+        </p:style>
+        <p:txBody>
+          <a:bodyPr rtlCol="0" anchor="ctr"/>
+          <a:lstStyle/>
+          <a:p>
+            <a:pPr algn="ctr"/>
+            <a:r>
+              <a:rPr kumimoji="1" lang="en-US" altLang="ko-Kore-US" b="1" dirty="0">
+                <a:latin typeface="Apple SD Gothic Neo" panose="02000300000000000000" pitchFamily="2" charset="-127"/>
+                <a:ea typeface="Apple SD Gothic Neo" panose="02000300000000000000" pitchFamily="2" charset="-127"/>
+              </a:rPr>
+              <a:t>Model</a:t>
+            </a:r>
+          </a:p>
+        </p:txBody>
+      </p:sp>
+      <p:sp>
+        <p:nvSpPr>
+          <p:cNvPr id="105" name="모서리가 둥근 직사각형 104">
+            <a:extLst>
+              <a:ext uri="{FF2B5EF4-FFF2-40B4-BE49-F238E27FC236}">
+                <a16:creationId xmlns:a16="http://schemas.microsoft.com/office/drawing/2014/main" id="{03B0D122-887B-AC99-98DE-34E10F639FBF}"/>
+              </a:ext>
+            </a:extLst>
+          </p:cNvPr>
+          <p:cNvSpPr/>
+          <p:nvPr/>
+        </p:nvSpPr>
+        <p:spPr>
+          <a:xfrm>
+            <a:off x="12106010" y="9310285"/>
+            <a:ext cx="1828800" cy="411480"/>
+          </a:xfrm>
+          <a:prstGeom prst="roundRect">
+            <a:avLst/>
+          </a:prstGeom>
+          <a:solidFill>
+            <a:schemeClr val="accent2">
+              <a:lumMod val="75000"/>
+            </a:schemeClr>
+          </a:solidFill>
+          <a:ln>
+            <a:noFill/>
+          </a:ln>
+        </p:spPr>
+        <p:style>
+          <a:lnRef idx="2">
+            <a:schemeClr val="dk1">
+              <a:shade val="15000"/>
+            </a:schemeClr>
+          </a:lnRef>
+          <a:fillRef idx="1">
+            <a:schemeClr val="dk1"/>
+          </a:fillRef>
+          <a:effectRef idx="0">
+            <a:schemeClr val="dk1"/>
+          </a:effectRef>
+          <a:fontRef idx="minor">
+            <a:schemeClr val="lt1"/>
+          </a:fontRef>
+        </p:style>
+        <p:txBody>
+          <a:bodyPr rtlCol="0" anchor="ctr"/>
+          <a:lstStyle/>
+          <a:p>
+            <a:pPr algn="ctr"/>
+            <a:r>
+              <a:rPr kumimoji="1" lang="en-US" altLang="ko-Kore-US" b="1" dirty="0">
+                <a:latin typeface="Apple SD Gothic Neo" panose="02000300000000000000" pitchFamily="2" charset="-127"/>
+                <a:ea typeface="Apple SD Gothic Neo" panose="02000300000000000000" pitchFamily="2" charset="-127"/>
+              </a:rPr>
+              <a:t>ViewModel</a:t>
+            </a:r>
+          </a:p>
+        </p:txBody>
+      </p:sp>
+      <p:sp>
+        <p:nvSpPr>
+          <p:cNvPr id="106" name="모서리가 둥근 직사각형 105">
+            <a:extLst>
+              <a:ext uri="{FF2B5EF4-FFF2-40B4-BE49-F238E27FC236}">
+                <a16:creationId xmlns:a16="http://schemas.microsoft.com/office/drawing/2014/main" id="{B1574094-AE2B-1D79-B654-4D88A53C8C65}"/>
+              </a:ext>
+            </a:extLst>
+          </p:cNvPr>
+          <p:cNvSpPr/>
+          <p:nvPr/>
+        </p:nvSpPr>
+        <p:spPr>
+          <a:xfrm>
+            <a:off x="14309694" y="9310285"/>
+            <a:ext cx="1828800" cy="411480"/>
+          </a:xfrm>
+          <a:prstGeom prst="roundRect">
+            <a:avLst/>
+          </a:prstGeom>
+          <a:solidFill>
+            <a:schemeClr val="accent2">
+              <a:lumMod val="75000"/>
+            </a:schemeClr>
+          </a:solidFill>
+          <a:ln>
+            <a:noFill/>
+          </a:ln>
+        </p:spPr>
+        <p:style>
+          <a:lnRef idx="2">
+            <a:schemeClr val="dk1">
+              <a:shade val="15000"/>
+            </a:schemeClr>
+          </a:lnRef>
+          <a:fillRef idx="1">
+            <a:schemeClr val="dk1"/>
+          </a:fillRef>
+          <a:effectRef idx="0">
+            <a:schemeClr val="dk1"/>
+          </a:effectRef>
+          <a:fontRef idx="minor">
+            <a:schemeClr val="lt1"/>
+          </a:fontRef>
+        </p:style>
+        <p:txBody>
+          <a:bodyPr rtlCol="0" anchor="ctr"/>
+          <a:lstStyle/>
+          <a:p>
+            <a:pPr algn="ctr"/>
+            <a:r>
+              <a:rPr kumimoji="1" lang="en-US" altLang="ko-Kore-US" b="1" dirty="0">
+                <a:latin typeface="Apple SD Gothic Neo" panose="02000300000000000000" pitchFamily="2" charset="-127"/>
+                <a:ea typeface="Apple SD Gothic Neo" panose="02000300000000000000" pitchFamily="2" charset="-127"/>
+              </a:rPr>
+              <a:t>UI</a:t>
+            </a:r>
+          </a:p>
+        </p:txBody>
+      </p:sp>
+      <p:cxnSp>
+        <p:nvCxnSpPr>
+          <p:cNvPr id="109" name="꺾인 연결선[E] 108">
+            <a:extLst>
+              <a:ext uri="{FF2B5EF4-FFF2-40B4-BE49-F238E27FC236}">
+                <a16:creationId xmlns:a16="http://schemas.microsoft.com/office/drawing/2014/main" id="{9AB3C93F-A52F-536D-81F8-0D2EB598EE5A}"/>
+              </a:ext>
+            </a:extLst>
+          </p:cNvPr>
+          <p:cNvCxnSpPr>
+            <a:cxnSpLocks/>
+            <a:stCxn id="4" idx="3"/>
+            <a:endCxn id="100" idx="1"/>
+          </p:cNvCxnSpPr>
+          <p:nvPr/>
+        </p:nvCxnSpPr>
+        <p:spPr>
+          <a:xfrm>
+            <a:off x="10790454" y="3962599"/>
+            <a:ext cx="1086706" cy="246"/>
+          </a:xfrm>
+          <a:prstGeom prst="bentConnector3">
+            <a:avLst/>
+          </a:prstGeom>
+          <a:ln>
+            <a:solidFill>
+              <a:schemeClr val="accent4">
+                <a:lumMod val="75000"/>
+              </a:schemeClr>
+            </a:solidFill>
+            <a:tailEnd type="triangle"/>
+          </a:ln>
+        </p:spPr>
+        <p:style>
+          <a:lnRef idx="1">
+            <a:schemeClr val="dk1"/>
+          </a:lnRef>
+          <a:fillRef idx="0">
+            <a:schemeClr val="dk1"/>
+          </a:fillRef>
+          <a:effectRef idx="0">
+            <a:schemeClr val="dk1"/>
+          </a:effectRef>
+          <a:fontRef idx="minor">
+            <a:schemeClr val="tx1"/>
+          </a:fontRef>
+        </p:style>
+      </p:cxnSp>
+      <p:cxnSp>
+        <p:nvCxnSpPr>
+          <p:cNvPr id="115" name="꺾인 연결선[E] 114">
+            <a:extLst>
+              <a:ext uri="{FF2B5EF4-FFF2-40B4-BE49-F238E27FC236}">
+                <a16:creationId xmlns:a16="http://schemas.microsoft.com/office/drawing/2014/main" id="{B85CC982-3262-EA74-6B39-DB5CDA1436DA}"/>
+              </a:ext>
+            </a:extLst>
+          </p:cNvPr>
+          <p:cNvCxnSpPr>
+            <a:cxnSpLocks/>
+            <a:stCxn id="4" idx="3"/>
+            <a:endCxn id="102" idx="1"/>
+          </p:cNvCxnSpPr>
+          <p:nvPr/>
+        </p:nvCxnSpPr>
+        <p:spPr>
+          <a:xfrm>
+            <a:off x="10790454" y="3962599"/>
+            <a:ext cx="1086706" cy="673766"/>
+          </a:xfrm>
+          <a:prstGeom prst="bentConnector3">
+            <a:avLst>
+              <a:gd name="adj1" fmla="val 50000"/>
+            </a:avLst>
+          </a:prstGeom>
+          <a:ln>
+            <a:solidFill>
+              <a:schemeClr val="accent4">
+                <a:lumMod val="75000"/>
+              </a:schemeClr>
+            </a:solidFill>
+            <a:tailEnd type="triangle"/>
+          </a:ln>
+        </p:spPr>
+        <p:style>
+          <a:lnRef idx="1">
+            <a:schemeClr val="dk1"/>
+          </a:lnRef>
+          <a:fillRef idx="0">
+            <a:schemeClr val="dk1"/>
+          </a:fillRef>
+          <a:effectRef idx="0">
+            <a:schemeClr val="dk1"/>
+          </a:effectRef>
+          <a:fontRef idx="minor">
+            <a:schemeClr val="tx1"/>
+          </a:fontRef>
+        </p:style>
+      </p:cxnSp>
+      <p:cxnSp>
+        <p:nvCxnSpPr>
+          <p:cNvPr id="118" name="꺾인 연결선[E] 117">
+            <a:extLst>
+              <a:ext uri="{FF2B5EF4-FFF2-40B4-BE49-F238E27FC236}">
+                <a16:creationId xmlns:a16="http://schemas.microsoft.com/office/drawing/2014/main" id="{9B344E15-D580-38E3-F4DA-174F1E07F6E8}"/>
+              </a:ext>
+            </a:extLst>
+          </p:cNvPr>
+          <p:cNvCxnSpPr>
+            <a:cxnSpLocks/>
+            <a:stCxn id="4" idx="3"/>
+            <a:endCxn id="103" idx="1"/>
+          </p:cNvCxnSpPr>
+          <p:nvPr/>
+        </p:nvCxnSpPr>
+        <p:spPr>
+          <a:xfrm>
+            <a:off x="10790454" y="3962599"/>
+            <a:ext cx="1086706" cy="1347287"/>
+          </a:xfrm>
+          <a:prstGeom prst="bentConnector3">
+            <a:avLst>
+              <a:gd name="adj1" fmla="val 50000"/>
+            </a:avLst>
+          </a:prstGeom>
+          <a:ln>
+            <a:solidFill>
+              <a:schemeClr val="accent4">
+                <a:lumMod val="75000"/>
+              </a:schemeClr>
+            </a:solidFill>
+            <a:tailEnd type="triangle"/>
+          </a:ln>
+        </p:spPr>
+        <p:style>
+          <a:lnRef idx="1">
+            <a:schemeClr val="dk1"/>
+          </a:lnRef>
+          <a:fillRef idx="0">
+            <a:schemeClr val="dk1"/>
+          </a:fillRef>
+          <a:effectRef idx="0">
+            <a:schemeClr val="dk1"/>
+          </a:effectRef>
+          <a:fontRef idx="minor">
+            <a:schemeClr val="tx1"/>
+          </a:fontRef>
+        </p:style>
+      </p:cxnSp>
+      <p:sp>
+        <p:nvSpPr>
+          <p:cNvPr id="131" name="모서리가 둥근 직사각형 130">
+            <a:extLst>
+              <a:ext uri="{FF2B5EF4-FFF2-40B4-BE49-F238E27FC236}">
+                <a16:creationId xmlns:a16="http://schemas.microsoft.com/office/drawing/2014/main" id="{0709FCA2-0716-AF78-C257-E4B3C340B5E4}"/>
+              </a:ext>
+            </a:extLst>
+          </p:cNvPr>
+          <p:cNvSpPr/>
+          <p:nvPr/>
+        </p:nvSpPr>
+        <p:spPr>
+          <a:xfrm>
+            <a:off x="8716255" y="10946929"/>
+            <a:ext cx="1828800" cy="411480"/>
+          </a:xfrm>
+          <a:prstGeom prst="roundRect">
+            <a:avLst/>
+          </a:prstGeom>
+          <a:solidFill>
+            <a:schemeClr val="accent2">
+              <a:lumMod val="75000"/>
+            </a:schemeClr>
+          </a:solidFill>
+          <a:ln>
+            <a:noFill/>
+          </a:ln>
+        </p:spPr>
+        <p:style>
+          <a:lnRef idx="2">
+            <a:schemeClr val="dk1">
+              <a:shade val="15000"/>
+            </a:schemeClr>
+          </a:lnRef>
+          <a:fillRef idx="1">
+            <a:schemeClr val="dk1"/>
+          </a:fillRef>
+          <a:effectRef idx="0">
+            <a:schemeClr val="dk1"/>
+          </a:effectRef>
+          <a:fontRef idx="minor">
+            <a:schemeClr val="lt1"/>
+          </a:fontRef>
+        </p:style>
+        <p:txBody>
+          <a:bodyPr rtlCol="0" anchor="ctr"/>
+          <a:lstStyle/>
+          <a:p>
+            <a:pPr algn="ctr"/>
+            <a:r>
+              <a:rPr kumimoji="1" lang="en-US" altLang="ko-Kore-US" b="1" dirty="0">
+                <a:latin typeface="Apple SD Gothic Neo" panose="02000300000000000000" pitchFamily="2" charset="-127"/>
+                <a:ea typeface="Apple SD Gothic Neo" panose="02000300000000000000" pitchFamily="2" charset="-127"/>
+              </a:rPr>
+              <a:t>State</a:t>
+            </a:r>
+          </a:p>
+        </p:txBody>
+      </p:sp>
+      <p:sp>
+        <p:nvSpPr>
+          <p:cNvPr id="133" name="모서리가 둥근 직사각형 132">
+            <a:extLst>
+              <a:ext uri="{FF2B5EF4-FFF2-40B4-BE49-F238E27FC236}">
+                <a16:creationId xmlns:a16="http://schemas.microsoft.com/office/drawing/2014/main" id="{A48CC3B9-A08F-E418-FD40-634A391478B6}"/>
+              </a:ext>
+            </a:extLst>
+          </p:cNvPr>
+          <p:cNvSpPr/>
+          <p:nvPr/>
+        </p:nvSpPr>
+        <p:spPr>
+          <a:xfrm>
+            <a:off x="11105340" y="10946929"/>
+            <a:ext cx="1828800" cy="411480"/>
+          </a:xfrm>
+          <a:prstGeom prst="roundRect">
+            <a:avLst/>
+          </a:prstGeom>
+          <a:solidFill>
+            <a:schemeClr val="accent2">
+              <a:lumMod val="75000"/>
+            </a:schemeClr>
+          </a:solidFill>
+          <a:ln>
+            <a:noFill/>
+          </a:ln>
+        </p:spPr>
+        <p:style>
+          <a:lnRef idx="2">
+            <a:schemeClr val="dk1">
+              <a:shade val="15000"/>
+            </a:schemeClr>
+          </a:lnRef>
+          <a:fillRef idx="1">
+            <a:schemeClr val="dk1"/>
+          </a:fillRef>
+          <a:effectRef idx="0">
+            <a:schemeClr val="dk1"/>
+          </a:effectRef>
+          <a:fontRef idx="minor">
+            <a:schemeClr val="lt1"/>
+          </a:fontRef>
+        </p:style>
+        <p:txBody>
+          <a:bodyPr rtlCol="0" anchor="ctr"/>
+          <a:lstStyle/>
+          <a:p>
+            <a:pPr algn="ctr"/>
+            <a:r>
+              <a:rPr kumimoji="1" lang="en-US" altLang="ko-Kore-US" b="1" dirty="0">
+                <a:latin typeface="Apple SD Gothic Neo" panose="02000300000000000000" pitchFamily="2" charset="-127"/>
+                <a:ea typeface="Apple SD Gothic Neo" panose="02000300000000000000" pitchFamily="2" charset="-127"/>
+              </a:rPr>
+              <a:t>Side Effect</a:t>
+            </a:r>
+          </a:p>
+        </p:txBody>
+      </p:sp>
+      <p:cxnSp>
+        <p:nvCxnSpPr>
+          <p:cNvPr id="135" name="꺾인 연결선[E] 134">
+            <a:extLst>
+              <a:ext uri="{FF2B5EF4-FFF2-40B4-BE49-F238E27FC236}">
+                <a16:creationId xmlns:a16="http://schemas.microsoft.com/office/drawing/2014/main" id="{3F297CD6-9442-FF90-0144-0C4A4919537B}"/>
+              </a:ext>
+            </a:extLst>
+          </p:cNvPr>
+          <p:cNvCxnSpPr>
+            <a:cxnSpLocks/>
+            <a:stCxn id="104" idx="2"/>
+            <a:endCxn id="131" idx="0"/>
+          </p:cNvCxnSpPr>
+          <p:nvPr/>
+        </p:nvCxnSpPr>
+        <p:spPr>
+          <a:xfrm rot="5400000">
+            <a:off x="9611109" y="9741312"/>
+            <a:ext cx="1225164" cy="1186071"/>
+          </a:xfrm>
+          <a:prstGeom prst="bentConnector3">
+            <a:avLst>
+              <a:gd name="adj1" fmla="val 50000"/>
+            </a:avLst>
+          </a:prstGeom>
+          <a:ln>
+            <a:solidFill>
+              <a:schemeClr val="accent2">
+                <a:lumMod val="75000"/>
+              </a:schemeClr>
+            </a:solidFill>
+            <a:tailEnd type="triangle"/>
+          </a:ln>
+        </p:spPr>
+        <p:style>
+          <a:lnRef idx="1">
+            <a:schemeClr val="dk1"/>
+          </a:lnRef>
+          <a:fillRef idx="0">
+            <a:schemeClr val="dk1"/>
+          </a:fillRef>
+          <a:effectRef idx="0">
+            <a:schemeClr val="dk1"/>
+          </a:effectRef>
+          <a:fontRef idx="minor">
+            <a:schemeClr val="tx1"/>
+          </a:fontRef>
+        </p:style>
+      </p:cxnSp>
+      <p:cxnSp>
+        <p:nvCxnSpPr>
+          <p:cNvPr id="143" name="꺾인 연결선[E] 142">
+            <a:extLst>
+              <a:ext uri="{FF2B5EF4-FFF2-40B4-BE49-F238E27FC236}">
+                <a16:creationId xmlns:a16="http://schemas.microsoft.com/office/drawing/2014/main" id="{6574B652-8986-820D-B815-FEC3BD410B3E}"/>
+              </a:ext>
+            </a:extLst>
+          </p:cNvPr>
+          <p:cNvCxnSpPr>
+            <a:cxnSpLocks/>
+            <a:stCxn id="104" idx="2"/>
+            <a:endCxn id="133" idx="0"/>
+          </p:cNvCxnSpPr>
+          <p:nvPr/>
+        </p:nvCxnSpPr>
+        <p:spPr>
+          <a:xfrm rot="16200000" flipH="1">
+            <a:off x="10805651" y="9732840"/>
+            <a:ext cx="1225164" cy="1203014"/>
+          </a:xfrm>
+          <a:prstGeom prst="bentConnector3">
+            <a:avLst>
+              <a:gd name="adj1" fmla="val 50000"/>
+            </a:avLst>
+          </a:prstGeom>
+          <a:ln>
+            <a:solidFill>
+              <a:schemeClr val="accent2">
+                <a:lumMod val="75000"/>
+              </a:schemeClr>
+            </a:solidFill>
+            <a:tailEnd type="triangle"/>
+          </a:ln>
+        </p:spPr>
+        <p:style>
+          <a:lnRef idx="1">
+            <a:schemeClr val="dk1"/>
+          </a:lnRef>
+          <a:fillRef idx="0">
+            <a:schemeClr val="dk1"/>
+          </a:fillRef>
+          <a:effectRef idx="0">
+            <a:schemeClr val="dk1"/>
+          </a:effectRef>
+          <a:fontRef idx="minor">
+            <a:schemeClr val="tx1"/>
+          </a:fontRef>
+        </p:style>
+      </p:cxnSp>
+      <p:sp>
+        <p:nvSpPr>
+          <p:cNvPr id="149" name="모서리가 둥근 직사각형 148">
+            <a:extLst>
+              <a:ext uri="{FF2B5EF4-FFF2-40B4-BE49-F238E27FC236}">
+                <a16:creationId xmlns:a16="http://schemas.microsoft.com/office/drawing/2014/main" id="{8386F5FE-8443-BAC1-596A-AE9F6200495B}"/>
+              </a:ext>
+            </a:extLst>
+          </p:cNvPr>
+          <p:cNvSpPr/>
+          <p:nvPr/>
+        </p:nvSpPr>
+        <p:spPr>
+          <a:xfrm>
+            <a:off x="14308983" y="10946929"/>
+            <a:ext cx="1828800" cy="411480"/>
+          </a:xfrm>
+          <a:prstGeom prst="roundRect">
+            <a:avLst/>
+          </a:prstGeom>
+          <a:solidFill>
+            <a:schemeClr val="accent2">
+              <a:lumMod val="75000"/>
+            </a:schemeClr>
+          </a:solidFill>
+          <a:ln>
+            <a:noFill/>
+          </a:ln>
+        </p:spPr>
+        <p:style>
+          <a:lnRef idx="2">
+            <a:schemeClr val="dk1">
+              <a:shade val="15000"/>
+            </a:schemeClr>
+          </a:lnRef>
+          <a:fillRef idx="1">
+            <a:schemeClr val="dk1"/>
+          </a:fillRef>
+          <a:effectRef idx="0">
+            <a:schemeClr val="dk1"/>
+          </a:effectRef>
+          <a:fontRef idx="minor">
+            <a:schemeClr val="lt1"/>
+          </a:fontRef>
+        </p:style>
+        <p:txBody>
+          <a:bodyPr rtlCol="0" anchor="ctr"/>
+          <a:lstStyle/>
+          <a:p>
+            <a:pPr algn="ctr"/>
+            <a:r>
+              <a:rPr kumimoji="1" lang="en-US" altLang="ko-Kore-US" b="1" dirty="0">
+                <a:latin typeface="Apple SD Gothic Neo" panose="02000300000000000000" pitchFamily="2" charset="-127"/>
+                <a:ea typeface="Apple SD Gothic Neo" panose="02000300000000000000" pitchFamily="2" charset="-127"/>
+              </a:rPr>
+              <a:t>Composable</a:t>
+            </a:r>
+          </a:p>
+        </p:txBody>
+      </p:sp>
+      <p:cxnSp>
+        <p:nvCxnSpPr>
+          <p:cNvPr id="150" name="꺾인 연결선[E] 149">
+            <a:extLst>
+              <a:ext uri="{FF2B5EF4-FFF2-40B4-BE49-F238E27FC236}">
+                <a16:creationId xmlns:a16="http://schemas.microsoft.com/office/drawing/2014/main" id="{EC20987F-F32A-D7F5-2F33-C6444B7CE531}"/>
+              </a:ext>
+            </a:extLst>
+          </p:cNvPr>
+          <p:cNvCxnSpPr>
+            <a:cxnSpLocks/>
+            <a:stCxn id="106" idx="2"/>
+            <a:endCxn id="149" idx="0"/>
+          </p:cNvCxnSpPr>
+          <p:nvPr/>
+        </p:nvCxnSpPr>
+        <p:spPr>
+          <a:xfrm rot="5400000">
+            <a:off x="14611157" y="10333992"/>
+            <a:ext cx="1225164" cy="711"/>
+          </a:xfrm>
+          <a:prstGeom prst="bentConnector3">
+            <a:avLst>
+              <a:gd name="adj1" fmla="val 50000"/>
+            </a:avLst>
+          </a:prstGeom>
+          <a:ln>
+            <a:solidFill>
+              <a:schemeClr val="accent2">
+                <a:lumMod val="75000"/>
+              </a:schemeClr>
+            </a:solidFill>
+            <a:tailEnd type="triangle"/>
+          </a:ln>
+        </p:spPr>
+        <p:style>
+          <a:lnRef idx="1">
+            <a:schemeClr val="dk1"/>
+          </a:lnRef>
+          <a:fillRef idx="0">
+            <a:schemeClr val="dk1"/>
+          </a:fillRef>
+          <a:effectRef idx="0">
+            <a:schemeClr val="dk1"/>
+          </a:effectRef>
+          <a:fontRef idx="minor">
+            <a:schemeClr val="tx1"/>
+          </a:fontRef>
+        </p:style>
+      </p:cxnSp>
+      <p:cxnSp>
+        <p:nvCxnSpPr>
+          <p:cNvPr id="159" name="꺾인 연결선[E] 158">
+            <a:extLst>
+              <a:ext uri="{FF2B5EF4-FFF2-40B4-BE49-F238E27FC236}">
+                <a16:creationId xmlns:a16="http://schemas.microsoft.com/office/drawing/2014/main" id="{CBC4F010-6CAF-6470-6CC7-03767F2A92EF}"/>
+              </a:ext>
+            </a:extLst>
+          </p:cNvPr>
+          <p:cNvCxnSpPr>
+            <a:cxnSpLocks/>
+            <a:stCxn id="103" idx="3"/>
+            <a:endCxn id="5" idx="1"/>
+          </p:cNvCxnSpPr>
+          <p:nvPr/>
+        </p:nvCxnSpPr>
+        <p:spPr>
+          <a:xfrm flipV="1">
+            <a:off x="14163160" y="3942592"/>
+            <a:ext cx="953369" cy="1367294"/>
+          </a:xfrm>
+          <a:prstGeom prst="bentConnector3">
+            <a:avLst>
+              <a:gd name="adj1" fmla="val 50000"/>
+            </a:avLst>
+          </a:prstGeom>
+          <a:ln>
+            <a:solidFill>
+              <a:schemeClr val="accent1">
+                <a:lumMod val="75000"/>
+              </a:schemeClr>
+            </a:solidFill>
+            <a:tailEnd type="triangle"/>
+          </a:ln>
+        </p:spPr>
+        <p:style>
+          <a:lnRef idx="1">
+            <a:schemeClr val="dk1"/>
+          </a:lnRef>
+          <a:fillRef idx="0">
+            <a:schemeClr val="dk1"/>
+          </a:fillRef>
+          <a:effectRef idx="0">
+            <a:schemeClr val="dk1"/>
+          </a:effectRef>
+          <a:fontRef idx="minor">
+            <a:schemeClr val="tx1"/>
+          </a:fontRef>
+        </p:style>
+      </p:cxnSp>
+      <p:cxnSp>
+        <p:nvCxnSpPr>
+          <p:cNvPr id="163" name="꺾인 연결선[E] 162">
+            <a:extLst>
+              <a:ext uri="{FF2B5EF4-FFF2-40B4-BE49-F238E27FC236}">
+                <a16:creationId xmlns:a16="http://schemas.microsoft.com/office/drawing/2014/main" id="{7160BB48-4A03-7031-9949-AFA133ED4694}"/>
+              </a:ext>
+            </a:extLst>
+          </p:cNvPr>
+          <p:cNvCxnSpPr>
+            <a:cxnSpLocks/>
+            <a:stCxn id="103" idx="3"/>
+            <a:endCxn id="2" idx="1"/>
+          </p:cNvCxnSpPr>
+          <p:nvPr/>
+        </p:nvCxnSpPr>
+        <p:spPr>
+          <a:xfrm>
+            <a:off x="14163160" y="5309886"/>
+            <a:ext cx="953369" cy="1196998"/>
+          </a:xfrm>
+          <a:prstGeom prst="bentConnector3">
+            <a:avLst>
+              <a:gd name="adj1" fmla="val 50000"/>
+            </a:avLst>
+          </a:prstGeom>
+          <a:ln>
+            <a:solidFill>
+              <a:schemeClr val="accent1">
+                <a:lumMod val="75000"/>
+              </a:schemeClr>
+            </a:solidFill>
+            <a:prstDash val="dash"/>
+            <a:tailEnd type="triangle"/>
+          </a:ln>
+        </p:spPr>
+        <p:style>
+          <a:lnRef idx="1">
+            <a:schemeClr val="dk1"/>
+          </a:lnRef>
+          <a:fillRef idx="0">
+            <a:schemeClr val="dk1"/>
+          </a:fillRef>
+          <a:effectRef idx="0">
+            <a:schemeClr val="dk1"/>
+          </a:effectRef>
+          <a:fontRef idx="minor">
+            <a:schemeClr val="tx1"/>
+          </a:fontRef>
+        </p:style>
+      </p:cxnSp>
+      <p:sp>
+        <p:nvSpPr>
+          <p:cNvPr id="169" name="TextBox 168">
+            <a:extLst>
+              <a:ext uri="{FF2B5EF4-FFF2-40B4-BE49-F238E27FC236}">
+                <a16:creationId xmlns:a16="http://schemas.microsoft.com/office/drawing/2014/main" id="{BF307072-22D8-3D94-3F73-CBC32077A603}"/>
+              </a:ext>
+            </a:extLst>
+          </p:cNvPr>
+          <p:cNvSpPr txBox="1"/>
+          <p:nvPr/>
+        </p:nvSpPr>
+        <p:spPr>
+          <a:xfrm>
+            <a:off x="14616037" y="5762468"/>
+            <a:ext cx="1188146" cy="307777"/>
+          </a:xfrm>
+          <a:prstGeom prst="rect">
+            <a:avLst/>
+          </a:prstGeom>
+          <a:noFill/>
+        </p:spPr>
+        <p:txBody>
+          <a:bodyPr wrap="none" rtlCol="0">
+            <a:spAutoFit/>
+          </a:bodyPr>
+          <a:lstStyle/>
+          <a:p>
+            <a:r>
+              <a:rPr kumimoji="1" lang="en-US" altLang="ko-Kore-US" sz="1400" b="1" i="1" dirty="0">
+                <a:latin typeface="Apple SD Gothic Neo" panose="02000300000000000000" pitchFamily="2" charset="-127"/>
+                <a:ea typeface="Apple SD Gothic Neo" panose="02000300000000000000" pitchFamily="2" charset="-127"/>
+              </a:rPr>
+              <a:t>runtimeOnly</a:t>
+            </a:r>
+            <a:endParaRPr kumimoji="1" lang="ko-Kore-US" altLang="en-US" sz="1400" b="1" i="1" dirty="0">
+              <a:latin typeface="Apple SD Gothic Neo" panose="02000300000000000000" pitchFamily="2" charset="-127"/>
+              <a:ea typeface="Apple SD Gothic Neo" panose="02000300000000000000" pitchFamily="2" charset="-127"/>
+            </a:endParaRPr>
+          </a:p>
+        </p:txBody>
+      </p:sp>
+      <p:cxnSp>
+        <p:nvCxnSpPr>
+          <p:cNvPr id="171" name="직선 화살표 연결선 170">
+            <a:extLst>
+              <a:ext uri="{FF2B5EF4-FFF2-40B4-BE49-F238E27FC236}">
+                <a16:creationId xmlns:a16="http://schemas.microsoft.com/office/drawing/2014/main" id="{4EF23E24-C9AA-4941-B52E-DE8D010729B2}"/>
+              </a:ext>
+            </a:extLst>
+          </p:cNvPr>
+          <p:cNvCxnSpPr>
+            <a:stCxn id="3" idx="2"/>
+            <a:endCxn id="30" idx="0"/>
+          </p:cNvCxnSpPr>
+          <p:nvPr/>
+        </p:nvCxnSpPr>
+        <p:spPr>
+          <a:xfrm>
+            <a:off x="6274748" y="4168341"/>
+            <a:ext cx="13252" cy="3345378"/>
+          </a:xfrm>
+          <a:prstGeom prst="straightConnector1">
+            <a:avLst/>
+          </a:prstGeom>
+          <a:ln>
+            <a:tailEnd type="triangle"/>
+          </a:ln>
+        </p:spPr>
+        <p:style>
+          <a:lnRef idx="1">
+            <a:schemeClr val="dk1"/>
+          </a:lnRef>
+          <a:fillRef idx="0">
+            <a:schemeClr val="dk1"/>
+          </a:fillRef>
+          <a:effectRef idx="0">
+            <a:schemeClr val="dk1"/>
+          </a:effectRef>
+          <a:fontRef idx="minor">
+            <a:schemeClr val="tx1"/>
+          </a:fontRef>
+        </p:style>
+      </p:cxnSp>
+      <p:cxnSp>
+        <p:nvCxnSpPr>
+          <p:cNvPr id="173" name="꺾인 연결선[E] 172">
+            <a:extLst>
+              <a:ext uri="{FF2B5EF4-FFF2-40B4-BE49-F238E27FC236}">
+                <a16:creationId xmlns:a16="http://schemas.microsoft.com/office/drawing/2014/main" id="{A88FDB39-C295-E672-9737-B02DB9FA514D}"/>
+              </a:ext>
+            </a:extLst>
+          </p:cNvPr>
+          <p:cNvCxnSpPr>
+            <a:cxnSpLocks/>
+            <a:stCxn id="103" idx="2"/>
+            <a:endCxn id="105" idx="0"/>
+          </p:cNvCxnSpPr>
+          <p:nvPr/>
+        </p:nvCxnSpPr>
+        <p:spPr>
+          <a:xfrm rot="16200000" flipH="1">
+            <a:off x="11122956" y="7412830"/>
+            <a:ext cx="3794659" cy="250"/>
+          </a:xfrm>
+          <a:prstGeom prst="bentConnector3">
+            <a:avLst>
+              <a:gd name="adj1" fmla="val 50000"/>
+            </a:avLst>
+          </a:prstGeom>
+          <a:ln>
+            <a:solidFill>
+              <a:schemeClr val="accent2">
+                <a:lumMod val="75000"/>
+              </a:schemeClr>
+            </a:solidFill>
+            <a:tailEnd type="triangle"/>
+          </a:ln>
+        </p:spPr>
+        <p:style>
+          <a:lnRef idx="1">
+            <a:schemeClr val="dk1"/>
+          </a:lnRef>
+          <a:fillRef idx="0">
+            <a:schemeClr val="dk1"/>
+          </a:fillRef>
+          <a:effectRef idx="0">
+            <a:schemeClr val="dk1"/>
+          </a:effectRef>
+          <a:fontRef idx="minor">
+            <a:schemeClr val="tx1"/>
+          </a:fontRef>
+        </p:style>
+      </p:cxnSp>
+      <p:cxnSp>
+        <p:nvCxnSpPr>
+          <p:cNvPr id="176" name="꺾인 연결선[E] 175">
+            <a:extLst>
+              <a:ext uri="{FF2B5EF4-FFF2-40B4-BE49-F238E27FC236}">
+                <a16:creationId xmlns:a16="http://schemas.microsoft.com/office/drawing/2014/main" id="{A0FAE7B8-BF11-6142-F27C-9AA8150002D3}"/>
+              </a:ext>
+            </a:extLst>
+          </p:cNvPr>
+          <p:cNvCxnSpPr>
+            <a:cxnSpLocks/>
+            <a:stCxn id="103" idx="2"/>
+            <a:endCxn id="104" idx="0"/>
+          </p:cNvCxnSpPr>
+          <p:nvPr/>
+        </p:nvCxnSpPr>
+        <p:spPr>
+          <a:xfrm rot="5400000">
+            <a:off x="10021114" y="6311238"/>
+            <a:ext cx="3794659" cy="2203434"/>
+          </a:xfrm>
+          <a:prstGeom prst="bentConnector3">
+            <a:avLst>
+              <a:gd name="adj1" fmla="val 50000"/>
+            </a:avLst>
+          </a:prstGeom>
+          <a:ln>
+            <a:solidFill>
+              <a:schemeClr val="accent2">
+                <a:lumMod val="75000"/>
+              </a:schemeClr>
+            </a:solidFill>
+            <a:tailEnd type="triangle"/>
+          </a:ln>
+        </p:spPr>
+        <p:style>
+          <a:lnRef idx="1">
+            <a:schemeClr val="dk1"/>
+          </a:lnRef>
+          <a:fillRef idx="0">
+            <a:schemeClr val="dk1"/>
+          </a:fillRef>
+          <a:effectRef idx="0">
+            <a:schemeClr val="dk1"/>
+          </a:effectRef>
+          <a:fontRef idx="minor">
+            <a:schemeClr val="tx1"/>
+          </a:fontRef>
+        </p:style>
+      </p:cxnSp>
+      <p:cxnSp>
+        <p:nvCxnSpPr>
+          <p:cNvPr id="179" name="꺾인 연결선[E] 178">
+            <a:extLst>
+              <a:ext uri="{FF2B5EF4-FFF2-40B4-BE49-F238E27FC236}">
+                <a16:creationId xmlns:a16="http://schemas.microsoft.com/office/drawing/2014/main" id="{72F44DE5-D07C-FD25-BF11-F60F8984BE0E}"/>
+              </a:ext>
+            </a:extLst>
+          </p:cNvPr>
+          <p:cNvCxnSpPr>
+            <a:cxnSpLocks/>
+            <a:stCxn id="103" idx="2"/>
+            <a:endCxn id="106" idx="0"/>
+          </p:cNvCxnSpPr>
+          <p:nvPr/>
+        </p:nvCxnSpPr>
+        <p:spPr>
+          <a:xfrm rot="16200000" flipH="1">
+            <a:off x="12224798" y="6310988"/>
+            <a:ext cx="3794659" cy="2203934"/>
+          </a:xfrm>
+          <a:prstGeom prst="bentConnector3">
+            <a:avLst>
+              <a:gd name="adj1" fmla="val 50000"/>
+            </a:avLst>
+          </a:prstGeom>
+          <a:ln>
+            <a:solidFill>
+              <a:schemeClr val="accent2">
+                <a:lumMod val="75000"/>
+              </a:schemeClr>
+            </a:solidFill>
+            <a:tailEnd type="triangle"/>
+          </a:ln>
+        </p:spPr>
+        <p:style>
+          <a:lnRef idx="1">
+            <a:schemeClr val="dk1"/>
+          </a:lnRef>
+          <a:fillRef idx="0">
+            <a:schemeClr val="dk1"/>
+          </a:fillRef>
+          <a:effectRef idx="0">
+            <a:schemeClr val="dk1"/>
+          </a:effectRef>
+          <a:fontRef idx="minor">
+            <a:schemeClr val="tx1"/>
+          </a:fontRef>
+        </p:style>
+      </p:cxnSp>
+      <p:sp>
+        <p:nvSpPr>
+          <p:cNvPr id="184" name="TextBox 183">
+            <a:extLst>
+              <a:ext uri="{FF2B5EF4-FFF2-40B4-BE49-F238E27FC236}">
+                <a16:creationId xmlns:a16="http://schemas.microsoft.com/office/drawing/2014/main" id="{27A98E7D-DD08-1B48-CB26-8A76D56FD5F6}"/>
+              </a:ext>
+            </a:extLst>
+          </p:cNvPr>
+          <p:cNvSpPr txBox="1"/>
+          <p:nvPr/>
+        </p:nvSpPr>
+        <p:spPr>
+          <a:xfrm>
+            <a:off x="16537825" y="6773525"/>
+            <a:ext cx="1262344" cy="369332"/>
+          </a:xfrm>
+          <a:prstGeom prst="rect">
+            <a:avLst/>
+          </a:prstGeom>
+          <a:noFill/>
+        </p:spPr>
+        <p:txBody>
+          <a:bodyPr wrap="square" rtlCol="0">
+            <a:spAutoFit/>
+          </a:bodyPr>
+          <a:lstStyle/>
+          <a:p>
+            <a:r>
+              <a:rPr kumimoji="1" lang="en-US" altLang="ko-Kore-US" b="1" dirty="0">
+                <a:solidFill>
+                  <a:schemeClr val="accent1">
+                    <a:lumMod val="75000"/>
+                  </a:schemeClr>
+                </a:solidFill>
+                <a:latin typeface="Apple SD Gothic Neo Medium" panose="02000300000000000000" pitchFamily="2" charset="-127"/>
+                <a:ea typeface="Apple SD Gothic Neo Medium" panose="02000300000000000000" pitchFamily="2" charset="-127"/>
+              </a:rPr>
+              <a:t>Repository</a:t>
+            </a:r>
+            <a:endParaRPr kumimoji="1" lang="ko-Kore-US" altLang="en-US" b="1" dirty="0">
+              <a:solidFill>
+                <a:schemeClr val="accent1">
+                  <a:lumMod val="75000"/>
+                </a:schemeClr>
+              </a:solidFill>
+              <a:latin typeface="Apple SD Gothic Neo Medium" panose="02000300000000000000" pitchFamily="2" charset="-127"/>
+              <a:ea typeface="Apple SD Gothic Neo Medium" panose="02000300000000000000" pitchFamily="2" charset="-127"/>
+            </a:endParaRPr>
+          </a:p>
+        </p:txBody>
+      </p:sp>
+      <p:sp>
+        <p:nvSpPr>
+          <p:cNvPr id="187" name="TextBox 186">
+            <a:extLst>
+              <a:ext uri="{FF2B5EF4-FFF2-40B4-BE49-F238E27FC236}">
+                <a16:creationId xmlns:a16="http://schemas.microsoft.com/office/drawing/2014/main" id="{649828C4-15DF-6ECE-A69C-F0515832F721}"/>
+              </a:ext>
+            </a:extLst>
+          </p:cNvPr>
+          <p:cNvSpPr txBox="1"/>
+          <p:nvPr/>
+        </p:nvSpPr>
+        <p:spPr>
+          <a:xfrm>
+            <a:off x="19792028" y="7483039"/>
+            <a:ext cx="1422381" cy="369332"/>
+          </a:xfrm>
+          <a:prstGeom prst="rect">
+            <a:avLst/>
+          </a:prstGeom>
+          <a:noFill/>
+        </p:spPr>
+        <p:txBody>
+          <a:bodyPr wrap="square" rtlCol="0">
+            <a:spAutoFit/>
+          </a:bodyPr>
+          <a:lstStyle/>
+          <a:p>
+            <a:r>
+              <a:rPr kumimoji="1" lang="en-US" altLang="ko-Kore-US" b="1" dirty="0">
+                <a:solidFill>
+                  <a:schemeClr val="accent6">
+                    <a:lumMod val="75000"/>
+                  </a:schemeClr>
+                </a:solidFill>
+                <a:latin typeface="Apple SD Gothic Neo Medium" panose="02000300000000000000" pitchFamily="2" charset="-127"/>
+                <a:ea typeface="Apple SD Gothic Neo Medium" panose="02000300000000000000" pitchFamily="2" charset="-127"/>
+              </a:rPr>
+              <a:t>Data Source</a:t>
+            </a:r>
+            <a:endParaRPr kumimoji="1" lang="ko-Kore-US" altLang="en-US" b="1">
+              <a:solidFill>
+                <a:schemeClr val="accent6">
+                  <a:lumMod val="75000"/>
+                </a:schemeClr>
+              </a:solidFill>
+              <a:latin typeface="Apple SD Gothic Neo Medium" panose="02000300000000000000" pitchFamily="2" charset="-127"/>
+              <a:ea typeface="Apple SD Gothic Neo Medium" panose="02000300000000000000" pitchFamily="2" charset="-127"/>
+            </a:endParaRPr>
+          </a:p>
+        </p:txBody>
+      </p:sp>
+      <p:sp>
+        <p:nvSpPr>
+          <p:cNvPr id="190" name="오른쪽 화살표[R] 189">
+            <a:extLst>
+              <a:ext uri="{FF2B5EF4-FFF2-40B4-BE49-F238E27FC236}">
+                <a16:creationId xmlns:a16="http://schemas.microsoft.com/office/drawing/2014/main" id="{0E4F48A6-ADF2-B13A-FAAB-8061AE92DDFA}"/>
+              </a:ext>
+            </a:extLst>
+          </p:cNvPr>
+          <p:cNvSpPr/>
+          <p:nvPr/>
+        </p:nvSpPr>
+        <p:spPr>
+          <a:xfrm rot="5400000">
+            <a:off x="15977146" y="4996400"/>
+            <a:ext cx="564766" cy="467903"/>
+          </a:xfrm>
+          <a:prstGeom prst="rightArrow">
+            <a:avLst/>
+          </a:prstGeom>
+          <a:solidFill>
+            <a:schemeClr val="accent1">
+              <a:lumMod val="75000"/>
+            </a:schemeClr>
+          </a:solidFill>
+          <a:ln>
+            <a:noFill/>
+          </a:ln>
+        </p:spPr>
+        <p:style>
+          <a:lnRef idx="2">
+            <a:schemeClr val="accent1">
+              <a:shade val="15000"/>
+            </a:schemeClr>
+          </a:lnRef>
+          <a:fillRef idx="1">
+            <a:schemeClr val="accent1"/>
+          </a:fillRef>
+          <a:effectRef idx="0">
+            <a:schemeClr val="accent1"/>
+          </a:effectRef>
+          <a:fontRef idx="minor">
+            <a:schemeClr val="lt1"/>
+          </a:fontRef>
+        </p:style>
+        <p:txBody>
+          <a:bodyPr rtlCol="0" anchor="ctr"/>
+          <a:lstStyle/>
+          <a:p>
+            <a:pPr algn="ctr"/>
+            <a:endParaRPr kumimoji="1" lang="ko-Kore-US" altLang="en-US"/>
+          </a:p>
+        </p:txBody>
+      </p:sp>
+      <p:sp>
+        <p:nvSpPr>
+          <p:cNvPr id="191" name="오른쪽 화살표[R] 190">
+            <a:extLst>
+              <a:ext uri="{FF2B5EF4-FFF2-40B4-BE49-F238E27FC236}">
+                <a16:creationId xmlns:a16="http://schemas.microsoft.com/office/drawing/2014/main" id="{958D7D1A-71CD-0BE6-12B3-749408182E5F}"/>
+              </a:ext>
+            </a:extLst>
+          </p:cNvPr>
+          <p:cNvSpPr/>
+          <p:nvPr/>
+        </p:nvSpPr>
+        <p:spPr>
+          <a:xfrm rot="5400000">
+            <a:off x="19525490" y="4975847"/>
+            <a:ext cx="564766" cy="467903"/>
+          </a:xfrm>
+          <a:prstGeom prst="rightArrow">
+            <a:avLst/>
+          </a:prstGeom>
+          <a:solidFill>
+            <a:schemeClr val="accent6">
+              <a:lumMod val="75000"/>
+            </a:schemeClr>
+          </a:solidFill>
+          <a:ln>
+            <a:noFill/>
+          </a:ln>
+        </p:spPr>
+        <p:style>
+          <a:lnRef idx="2">
+            <a:schemeClr val="accent1">
+              <a:shade val="15000"/>
+            </a:schemeClr>
+          </a:lnRef>
+          <a:fillRef idx="1">
+            <a:schemeClr val="accent1"/>
+          </a:fillRef>
+          <a:effectRef idx="0">
+            <a:schemeClr val="accent1"/>
+          </a:effectRef>
+          <a:fontRef idx="minor">
+            <a:schemeClr val="lt1"/>
+          </a:fontRef>
+        </p:style>
+        <p:txBody>
+          <a:bodyPr rtlCol="0" anchor="ctr"/>
+          <a:lstStyle/>
+          <a:p>
+            <a:pPr algn="ctr"/>
+            <a:endParaRPr kumimoji="1" lang="ko-Kore-US" altLang="en-US"/>
+          </a:p>
+        </p:txBody>
+      </p:sp>
+      <p:cxnSp>
+        <p:nvCxnSpPr>
+          <p:cNvPr id="192" name="꺾인 연결선[E] 191">
+            <a:extLst>
+              <a:ext uri="{FF2B5EF4-FFF2-40B4-BE49-F238E27FC236}">
+                <a16:creationId xmlns:a16="http://schemas.microsoft.com/office/drawing/2014/main" id="{ED8EA5C5-550D-60C2-BC68-E1FABB8B25F7}"/>
+              </a:ext>
+            </a:extLst>
+          </p:cNvPr>
+          <p:cNvCxnSpPr>
+            <a:cxnSpLocks/>
+            <a:stCxn id="2" idx="3"/>
+            <a:endCxn id="56" idx="1"/>
+          </p:cNvCxnSpPr>
+          <p:nvPr/>
+        </p:nvCxnSpPr>
+        <p:spPr>
+          <a:xfrm flipV="1">
+            <a:off x="17402529" y="3267814"/>
+            <a:ext cx="1262344" cy="3239070"/>
+          </a:xfrm>
+          <a:prstGeom prst="bentConnector3">
+            <a:avLst>
+              <a:gd name="adj1" fmla="val 50000"/>
+            </a:avLst>
+          </a:prstGeom>
+          <a:ln>
+            <a:solidFill>
+              <a:schemeClr val="accent6">
+                <a:lumMod val="75000"/>
+              </a:schemeClr>
+            </a:solidFill>
+            <a:prstDash val="dash"/>
+            <a:tailEnd type="triangle"/>
+          </a:ln>
+        </p:spPr>
+        <p:style>
+          <a:lnRef idx="1">
+            <a:schemeClr val="dk1"/>
+          </a:lnRef>
+          <a:fillRef idx="0">
+            <a:schemeClr val="dk1"/>
+          </a:fillRef>
+          <a:effectRef idx="0">
+            <a:schemeClr val="dk1"/>
+          </a:effectRef>
+          <a:fontRef idx="minor">
+            <a:schemeClr val="tx1"/>
+          </a:fontRef>
+        </p:style>
+      </p:cxnSp>
+      <p:cxnSp>
+        <p:nvCxnSpPr>
+          <p:cNvPr id="196" name="꺾인 연결선[E] 195">
+            <a:extLst>
+              <a:ext uri="{FF2B5EF4-FFF2-40B4-BE49-F238E27FC236}">
+                <a16:creationId xmlns:a16="http://schemas.microsoft.com/office/drawing/2014/main" id="{379F11ED-13F4-0EB0-468A-008166148100}"/>
+              </a:ext>
+            </a:extLst>
+          </p:cNvPr>
+          <p:cNvCxnSpPr>
+            <a:cxnSpLocks/>
+            <a:stCxn id="2" idx="3"/>
+            <a:endCxn id="57" idx="1"/>
+          </p:cNvCxnSpPr>
+          <p:nvPr/>
+        </p:nvCxnSpPr>
+        <p:spPr>
+          <a:xfrm flipV="1">
+            <a:off x="17402529" y="3945739"/>
+            <a:ext cx="1262344" cy="2561145"/>
+          </a:xfrm>
+          <a:prstGeom prst="bentConnector3">
+            <a:avLst>
+              <a:gd name="adj1" fmla="val 50000"/>
+            </a:avLst>
+          </a:prstGeom>
+          <a:ln>
+            <a:solidFill>
+              <a:schemeClr val="accent6">
+                <a:lumMod val="75000"/>
+              </a:schemeClr>
+            </a:solidFill>
+            <a:prstDash val="dash"/>
+            <a:tailEnd type="triangle"/>
+          </a:ln>
+        </p:spPr>
+        <p:style>
+          <a:lnRef idx="1">
+            <a:schemeClr val="dk1"/>
+          </a:lnRef>
+          <a:fillRef idx="0">
+            <a:schemeClr val="dk1"/>
+          </a:fillRef>
+          <a:effectRef idx="0">
+            <a:schemeClr val="dk1"/>
+          </a:effectRef>
+          <a:fontRef idx="minor">
+            <a:schemeClr val="tx1"/>
+          </a:fontRef>
+        </p:style>
+      </p:cxnSp>
+      <p:cxnSp>
+        <p:nvCxnSpPr>
+          <p:cNvPr id="199" name="꺾인 연결선[E] 198">
+            <a:extLst>
+              <a:ext uri="{FF2B5EF4-FFF2-40B4-BE49-F238E27FC236}">
+                <a16:creationId xmlns:a16="http://schemas.microsoft.com/office/drawing/2014/main" id="{A75F8E9A-D4DC-C861-695A-497CBD104D32}"/>
+              </a:ext>
+            </a:extLst>
+          </p:cNvPr>
+          <p:cNvCxnSpPr>
+            <a:cxnSpLocks/>
+            <a:stCxn id="2" idx="3"/>
+            <a:endCxn id="58" idx="1"/>
+          </p:cNvCxnSpPr>
+          <p:nvPr/>
+        </p:nvCxnSpPr>
+        <p:spPr>
+          <a:xfrm flipV="1">
+            <a:off x="17402529" y="4623664"/>
+            <a:ext cx="1262344" cy="1883220"/>
+          </a:xfrm>
+          <a:prstGeom prst="bentConnector3">
+            <a:avLst>
+              <a:gd name="adj1" fmla="val 50000"/>
+            </a:avLst>
+          </a:prstGeom>
+          <a:ln>
+            <a:solidFill>
+              <a:schemeClr val="accent6">
+                <a:lumMod val="75000"/>
+              </a:schemeClr>
+            </a:solidFill>
+            <a:prstDash val="dash"/>
+            <a:tailEnd type="triangle"/>
+          </a:ln>
+        </p:spPr>
+        <p:style>
+          <a:lnRef idx="1">
+            <a:schemeClr val="dk1"/>
+          </a:lnRef>
+          <a:fillRef idx="0">
+            <a:schemeClr val="dk1"/>
+          </a:fillRef>
+          <a:effectRef idx="0">
+            <a:schemeClr val="dk1"/>
+          </a:effectRef>
+          <a:fontRef idx="minor">
+            <a:schemeClr val="tx1"/>
+          </a:fontRef>
+        </p:style>
+      </p:cxnSp>
+      <p:sp>
+        <p:nvSpPr>
+          <p:cNvPr id="203" name="TextBox 202">
+            <a:extLst>
+              <a:ext uri="{FF2B5EF4-FFF2-40B4-BE49-F238E27FC236}">
+                <a16:creationId xmlns:a16="http://schemas.microsoft.com/office/drawing/2014/main" id="{AB59D612-1604-BBF7-3865-FE9E9BE96699}"/>
+              </a:ext>
+            </a:extLst>
+          </p:cNvPr>
+          <p:cNvSpPr txBox="1"/>
+          <p:nvPr/>
+        </p:nvSpPr>
+        <p:spPr>
+          <a:xfrm>
+            <a:off x="14514844" y="11413682"/>
+            <a:ext cx="1895918" cy="369332"/>
+          </a:xfrm>
+          <a:prstGeom prst="rect">
+            <a:avLst/>
+          </a:prstGeom>
+          <a:noFill/>
+        </p:spPr>
+        <p:txBody>
+          <a:bodyPr wrap="square" rtlCol="0">
+            <a:spAutoFit/>
+          </a:bodyPr>
+          <a:lstStyle/>
+          <a:p>
+            <a:r>
+              <a:rPr kumimoji="1" lang="en-US" altLang="ko-Kore-US" b="1" dirty="0">
+                <a:solidFill>
+                  <a:schemeClr val="accent2">
+                    <a:lumMod val="75000"/>
+                  </a:schemeClr>
+                </a:solidFill>
+                <a:latin typeface="Apple SD Gothic Neo Medium" panose="02000300000000000000" pitchFamily="2" charset="-127"/>
+                <a:ea typeface="Apple SD Gothic Neo Medium" panose="02000300000000000000" pitchFamily="2" charset="-127"/>
+              </a:rPr>
+              <a:t>MVI Components</a:t>
+            </a:r>
+            <a:endParaRPr kumimoji="1" lang="ko-Kore-US" altLang="en-US" b="1">
+              <a:solidFill>
+                <a:schemeClr val="accent2">
+                  <a:lumMod val="75000"/>
+                </a:schemeClr>
+              </a:solidFill>
+              <a:latin typeface="Apple SD Gothic Neo Medium" panose="02000300000000000000" pitchFamily="2" charset="-127"/>
+              <a:ea typeface="Apple SD Gothic Neo Medium" panose="02000300000000000000" pitchFamily="2" charset="-127"/>
+            </a:endParaRPr>
+          </a:p>
+        </p:txBody>
+      </p:sp>
+      <p:cxnSp>
+        <p:nvCxnSpPr>
+          <p:cNvPr id="72" name="꺾인 연결선[E] 71">
+            <a:extLst>
+              <a:ext uri="{FF2B5EF4-FFF2-40B4-BE49-F238E27FC236}">
+                <a16:creationId xmlns:a16="http://schemas.microsoft.com/office/drawing/2014/main" id="{9C2E5C74-7887-B78F-94A7-58BD5E8D7C93}"/>
+              </a:ext>
+            </a:extLst>
+          </p:cNvPr>
+          <p:cNvCxnSpPr>
+            <a:cxnSpLocks/>
+            <a:stCxn id="2" idx="3"/>
+            <a:endCxn id="61" idx="1"/>
+          </p:cNvCxnSpPr>
+          <p:nvPr/>
+        </p:nvCxnSpPr>
+        <p:spPr>
+          <a:xfrm flipV="1">
+            <a:off x="17402529" y="5827819"/>
+            <a:ext cx="1262344" cy="679065"/>
+          </a:xfrm>
+          <a:prstGeom prst="bentConnector3">
+            <a:avLst>
+              <a:gd name="adj1" fmla="val 50000"/>
+            </a:avLst>
+          </a:prstGeom>
+          <a:ln>
+            <a:solidFill>
+              <a:schemeClr val="accent6">
+                <a:lumMod val="75000"/>
+              </a:schemeClr>
+            </a:solidFill>
+            <a:tailEnd type="triangle"/>
+          </a:ln>
+        </p:spPr>
+        <p:style>
+          <a:lnRef idx="1">
+            <a:schemeClr val="dk1"/>
+          </a:lnRef>
+          <a:fillRef idx="0">
+            <a:schemeClr val="dk1"/>
+          </a:fillRef>
+          <a:effectRef idx="0">
+            <a:schemeClr val="dk1"/>
+          </a:effectRef>
+          <a:fontRef idx="minor">
+            <a:schemeClr val="tx1"/>
+          </a:fontRef>
+        </p:style>
+      </p:cxnSp>
+      <p:sp>
+        <p:nvSpPr>
+          <p:cNvPr id="207" name="TextBox 206">
+            <a:extLst>
+              <a:ext uri="{FF2B5EF4-FFF2-40B4-BE49-F238E27FC236}">
+                <a16:creationId xmlns:a16="http://schemas.microsoft.com/office/drawing/2014/main" id="{D1497ECD-0DE1-21AC-BCBC-506918E4FAF7}"/>
+              </a:ext>
+            </a:extLst>
+          </p:cNvPr>
+          <p:cNvSpPr txBox="1"/>
+          <p:nvPr/>
+        </p:nvSpPr>
+        <p:spPr>
+          <a:xfrm>
+            <a:off x="8527320" y="5393136"/>
+            <a:ext cx="1461420" cy="369332"/>
+          </a:xfrm>
+          <a:prstGeom prst="rect">
+            <a:avLst/>
+          </a:prstGeom>
+          <a:noFill/>
+        </p:spPr>
+        <p:txBody>
+          <a:bodyPr wrap="square" rtlCol="0">
+            <a:spAutoFit/>
+          </a:bodyPr>
+          <a:lstStyle/>
+          <a:p>
+            <a:r>
+              <a:rPr kumimoji="1" lang="en-US" altLang="ko-Kore-US" b="1" dirty="0">
+                <a:solidFill>
+                  <a:schemeClr val="accent4">
+                    <a:lumMod val="75000"/>
+                  </a:schemeClr>
+                </a:solidFill>
+                <a:latin typeface="Apple SD Gothic Neo Medium" panose="02000300000000000000" pitchFamily="2" charset="-127"/>
+                <a:ea typeface="Apple SD Gothic Neo Medium" panose="02000300000000000000" pitchFamily="2" charset="-127"/>
+              </a:rPr>
+              <a:t>Presentation</a:t>
+            </a:r>
+            <a:endParaRPr kumimoji="1" lang="ko-Kore-US" altLang="en-US" b="1" dirty="0">
+              <a:solidFill>
+                <a:schemeClr val="accent4">
+                  <a:lumMod val="75000"/>
+                </a:schemeClr>
+              </a:solidFill>
+              <a:latin typeface="Apple SD Gothic Neo Medium" panose="02000300000000000000" pitchFamily="2" charset="-127"/>
+              <a:ea typeface="Apple SD Gothic Neo Medium" panose="02000300000000000000" pitchFamily="2" charset="-127"/>
+            </a:endParaRPr>
+          </a:p>
+        </p:txBody>
+      </p:sp>
     </p:spTree>
     <p:extLst>
       <p:ext uri="{BB962C8B-B14F-4D97-AF65-F5344CB8AC3E}">
